--- a/docs/concept.pptx
+++ b/docs/concept.pptx
@@ -9,6 +9,7 @@
     <p:sldId id="256" r:id="rId3"/>
     <p:sldId id="259" r:id="rId4"/>
     <p:sldId id="258" r:id="rId5"/>
+    <p:sldId id="260" r:id="rId6"/>
   </p:sldIdLst>
   <p:sldSz cx="12192000" cy="6858000"/>
   <p:notesSz cx="6858000" cy="9144000"/>
@@ -122,6 +123,11 @@
             <p14:sldId id="258"/>
           </p14:sldIdLst>
         </p14:section>
+        <p14:section name="Results" id="{E0B0A9D0-6673-C347-9DD6-F92382976034}">
+          <p14:sldIdLst>
+            <p14:sldId id="260"/>
+          </p14:sldIdLst>
+        </p14:section>
       </p14:sectionLst>
     </p:ext>
     <p:ext uri="{EFAFB233-063F-42B5-8137-9DF3F51BA10A}">
@@ -278,7 +284,7 @@
           <a:p>
             <a:fld id="{02A3E006-4292-B84D-875F-9D4B73236D7F}" type="datetimeFigureOut">
               <a:rPr lang="en-US" smtClean="0"/>
-              <a:t>8/26/21</a:t>
+              <a:t>9/19/21</a:t>
             </a:fld>
             <a:endParaRPr lang="en-US"/>
           </a:p>
@@ -476,7 +482,7 @@
           <a:p>
             <a:fld id="{02A3E006-4292-B84D-875F-9D4B73236D7F}" type="datetimeFigureOut">
               <a:rPr lang="en-US" smtClean="0"/>
-              <a:t>8/26/21</a:t>
+              <a:t>9/19/21</a:t>
             </a:fld>
             <a:endParaRPr lang="en-US"/>
           </a:p>
@@ -684,7 +690,7 @@
           <a:p>
             <a:fld id="{02A3E006-4292-B84D-875F-9D4B73236D7F}" type="datetimeFigureOut">
               <a:rPr lang="en-US" smtClean="0"/>
-              <a:t>8/26/21</a:t>
+              <a:t>9/19/21</a:t>
             </a:fld>
             <a:endParaRPr lang="en-US"/>
           </a:p>
@@ -882,7 +888,7 @@
           <a:p>
             <a:fld id="{02A3E006-4292-B84D-875F-9D4B73236D7F}" type="datetimeFigureOut">
               <a:rPr lang="en-US" smtClean="0"/>
-              <a:t>8/26/21</a:t>
+              <a:t>9/19/21</a:t>
             </a:fld>
             <a:endParaRPr lang="en-US"/>
           </a:p>
@@ -1157,7 +1163,7 @@
           <a:p>
             <a:fld id="{02A3E006-4292-B84D-875F-9D4B73236D7F}" type="datetimeFigureOut">
               <a:rPr lang="en-US" smtClean="0"/>
-              <a:t>8/26/21</a:t>
+              <a:t>9/19/21</a:t>
             </a:fld>
             <a:endParaRPr lang="en-US"/>
           </a:p>
@@ -1422,7 +1428,7 @@
           <a:p>
             <a:fld id="{02A3E006-4292-B84D-875F-9D4B73236D7F}" type="datetimeFigureOut">
               <a:rPr lang="en-US" smtClean="0"/>
-              <a:t>8/26/21</a:t>
+              <a:t>9/19/21</a:t>
             </a:fld>
             <a:endParaRPr lang="en-US"/>
           </a:p>
@@ -1834,7 +1840,7 @@
           <a:p>
             <a:fld id="{02A3E006-4292-B84D-875F-9D4B73236D7F}" type="datetimeFigureOut">
               <a:rPr lang="en-US" smtClean="0"/>
-              <a:t>8/26/21</a:t>
+              <a:t>9/19/21</a:t>
             </a:fld>
             <a:endParaRPr lang="en-US"/>
           </a:p>
@@ -1975,7 +1981,7 @@
           <a:p>
             <a:fld id="{02A3E006-4292-B84D-875F-9D4B73236D7F}" type="datetimeFigureOut">
               <a:rPr lang="en-US" smtClean="0"/>
-              <a:t>8/26/21</a:t>
+              <a:t>9/19/21</a:t>
             </a:fld>
             <a:endParaRPr lang="en-US"/>
           </a:p>
@@ -2088,7 +2094,7 @@
           <a:p>
             <a:fld id="{02A3E006-4292-B84D-875F-9D4B73236D7F}" type="datetimeFigureOut">
               <a:rPr lang="en-US" smtClean="0"/>
-              <a:t>8/26/21</a:t>
+              <a:t>9/19/21</a:t>
             </a:fld>
             <a:endParaRPr lang="en-US"/>
           </a:p>
@@ -2399,7 +2405,7 @@
           <a:p>
             <a:fld id="{02A3E006-4292-B84D-875F-9D4B73236D7F}" type="datetimeFigureOut">
               <a:rPr lang="en-US" smtClean="0"/>
-              <a:t>8/26/21</a:t>
+              <a:t>9/19/21</a:t>
             </a:fld>
             <a:endParaRPr lang="en-US"/>
           </a:p>
@@ -2687,7 +2693,7 @@
           <a:p>
             <a:fld id="{02A3E006-4292-B84D-875F-9D4B73236D7F}" type="datetimeFigureOut">
               <a:rPr lang="en-US" smtClean="0"/>
-              <a:t>8/26/21</a:t>
+              <a:t>9/19/21</a:t>
             </a:fld>
             <a:endParaRPr lang="en-US"/>
           </a:p>
@@ -2928,7 +2934,7 @@
           <a:p>
             <a:fld id="{02A3E006-4292-B84D-875F-9D4B73236D7F}" type="datetimeFigureOut">
               <a:rPr lang="en-US" smtClean="0"/>
-              <a:t>8/26/21</a:t>
+              <a:t>9/19/21</a:t>
             </a:fld>
             <a:endParaRPr lang="en-US"/>
           </a:p>
@@ -8269,6 +8275,220 @@
 </p:sld>
 </file>
 
+<file path=ppt/slides/slide5.xml><?xml version="1.0" encoding="utf-8"?>
+<p:sld xmlns:a="http://schemas.openxmlformats.org/drawingml/2006/main" xmlns:r="http://schemas.openxmlformats.org/officeDocument/2006/relationships" xmlns:p="http://schemas.openxmlformats.org/presentationml/2006/main">
+  <p:cSld>
+    <p:bg>
+      <p:bgPr>
+        <a:solidFill>
+          <a:schemeClr val="bg1"/>
+        </a:solidFill>
+        <a:effectLst/>
+      </p:bgPr>
+    </p:bg>
+    <p:spTree>
+      <p:nvGrpSpPr>
+        <p:cNvPr id="1" name=""/>
+        <p:cNvGrpSpPr/>
+        <p:nvPr/>
+      </p:nvGrpSpPr>
+      <p:grpSpPr>
+        <a:xfrm>
+          <a:off x="0" y="0"/>
+          <a:ext cx="0" cy="0"/>
+          <a:chOff x="0" y="0"/>
+          <a:chExt cx="0" cy="0"/>
+        </a:xfrm>
+      </p:grpSpPr>
+      <p:sp>
+        <p:nvSpPr>
+          <p:cNvPr id="10" name="Rectangle 9">
+            <a:extLst>
+              <a:ext uri="{FF2B5EF4-FFF2-40B4-BE49-F238E27FC236}">
+                <a16:creationId xmlns:a16="http://schemas.microsoft.com/office/drawing/2014/main" id="{D4D28E87-62D2-4602-B72F-5F74AA236CC3}"/>
+              </a:ext>
+              <a:ext uri="{C183D7F6-B498-43B3-948B-1728B52AA6E4}">
+                <adec:decorative xmlns:adec="http://schemas.microsoft.com/office/drawing/2017/decorative" val="1"/>
+              </a:ext>
+            </a:extLst>
+          </p:cNvPr>
+          <p:cNvSpPr>
+            <a:spLocks noGrp="1" noRot="1" noChangeAspect="1" noMove="1" noResize="1" noEditPoints="1" noAdjustHandles="1" noChangeArrowheads="1" noChangeShapeType="1" noTextEdit="1"/>
+          </p:cNvSpPr>
+          <p:nvPr>
+            <p:extLst>
+              <p:ext uri="{386F3935-93C4-4BCD-93E2-E3B085C9AB24}">
+                <p16:designElem xmlns:p16="http://schemas.microsoft.com/office/powerpoint/2015/main" val="1"/>
+              </p:ext>
+            </p:extLst>
+          </p:nvPr>
+        </p:nvSpPr>
+        <p:spPr>
+          <a:xfrm>
+            <a:off x="-1" y="0"/>
+            <a:ext cx="12192001" cy="1915064"/>
+          </a:xfrm>
+          <a:prstGeom prst="rect">
+            <a:avLst/>
+          </a:prstGeom>
+          <a:ln>
+            <a:noFill/>
+          </a:ln>
+        </p:spPr>
+        <p:style>
+          <a:lnRef idx="2">
+            <a:schemeClr val="accent1">
+              <a:shade val="50000"/>
+            </a:schemeClr>
+          </a:lnRef>
+          <a:fillRef idx="1">
+            <a:schemeClr val="accent1"/>
+          </a:fillRef>
+          <a:effectRef idx="0">
+            <a:schemeClr val="accent1"/>
+          </a:effectRef>
+          <a:fontRef idx="minor">
+            <a:schemeClr val="lt1"/>
+          </a:fontRef>
+        </p:style>
+        <p:txBody>
+          <a:bodyPr rtlCol="0" anchor="ctr"/>
+          <a:lstStyle/>
+          <a:p>
+            <a:pPr algn="ctr"/>
+            <a:endParaRPr lang="en-US" dirty="0"/>
+          </a:p>
+        </p:txBody>
+      </p:sp>
+      <p:sp>
+        <p:nvSpPr>
+          <p:cNvPr id="2" name="Title 1">
+            <a:extLst>
+              <a:ext uri="{FF2B5EF4-FFF2-40B4-BE49-F238E27FC236}">
+                <a16:creationId xmlns:a16="http://schemas.microsoft.com/office/drawing/2014/main" id="{55A1AE68-4673-D843-A8E8-F84CE63D46DD}"/>
+              </a:ext>
+            </a:extLst>
+          </p:cNvPr>
+          <p:cNvSpPr>
+            <a:spLocks noGrp="1"/>
+          </p:cNvSpPr>
+          <p:nvPr>
+            <p:ph type="title"/>
+          </p:nvPr>
+        </p:nvSpPr>
+        <p:spPr>
+          <a:xfrm>
+            <a:off x="838199" y="291090"/>
+            <a:ext cx="10515599" cy="932688"/>
+          </a:xfrm>
+        </p:spPr>
+        <p:txBody>
+          <a:bodyPr vert="horz" lIns="91440" tIns="45720" rIns="91440" bIns="45720" rtlCol="0" anchor="b">
+            <a:normAutofit/>
+          </a:bodyPr>
+          <a:lstStyle/>
+          <a:p>
+            <a:pPr algn="ctr"/>
+            <a:r>
+              <a:rPr lang="en-US" sz="5400" kern="1200">
+                <a:solidFill>
+                  <a:schemeClr val="bg1"/>
+                </a:solidFill>
+                <a:latin typeface="+mj-lt"/>
+                <a:ea typeface="+mj-ea"/>
+                <a:cs typeface="+mj-cs"/>
+              </a:rPr>
+              <a:t>Results</a:t>
+            </a:r>
+          </a:p>
+        </p:txBody>
+      </p:sp>
+      <p:pic>
+        <p:nvPicPr>
+          <p:cNvPr id="5" name="Picture 4" descr="MacPro2018-6Core-i7-16GB-2.4G">
+            <a:extLst>
+              <a:ext uri="{FF2B5EF4-FFF2-40B4-BE49-F238E27FC236}">
+                <a16:creationId xmlns:a16="http://schemas.microsoft.com/office/drawing/2014/main" id="{73BAFBBA-79E8-244C-9261-F449EE89FC1C}"/>
+              </a:ext>
+            </a:extLst>
+          </p:cNvPr>
+          <p:cNvPicPr>
+            <a:picLocks noChangeAspect="1"/>
+          </p:cNvPicPr>
+          <p:nvPr/>
+        </p:nvPicPr>
+        <p:blipFill>
+          <a:blip r:embed="rId2"/>
+          <a:stretch>
+            <a:fillRect/>
+          </a:stretch>
+        </p:blipFill>
+        <p:spPr>
+          <a:xfrm>
+            <a:off x="838199" y="2306884"/>
+            <a:ext cx="10515599" cy="1393317"/>
+          </a:xfrm>
+          <a:prstGeom prst="rect">
+            <a:avLst/>
+          </a:prstGeom>
+        </p:spPr>
+      </p:pic>
+      <p:sp>
+        <p:nvSpPr>
+          <p:cNvPr id="6" name="TextBox 5">
+            <a:extLst>
+              <a:ext uri="{FF2B5EF4-FFF2-40B4-BE49-F238E27FC236}">
+                <a16:creationId xmlns:a16="http://schemas.microsoft.com/office/drawing/2014/main" id="{09FCA694-AA44-F342-A559-27760FFDDA25}"/>
+              </a:ext>
+            </a:extLst>
+          </p:cNvPr>
+          <p:cNvSpPr txBox="1"/>
+          <p:nvPr/>
+        </p:nvSpPr>
+        <p:spPr>
+          <a:xfrm>
+            <a:off x="3443308" y="1937552"/>
+            <a:ext cx="5720733" cy="369332"/>
+          </a:xfrm>
+          <a:prstGeom prst="rect">
+            <a:avLst/>
+          </a:prstGeom>
+          <a:noFill/>
+        </p:spPr>
+        <p:txBody>
+          <a:bodyPr wrap="none" rtlCol="0">
+            <a:spAutoFit/>
+          </a:bodyPr>
+          <a:lstStyle/>
+          <a:p>
+            <a:r>
+              <a:rPr lang="en-US" dirty="0"/>
+              <a:t>MacPro2018-6Core-i7-16GB-2.4G @2000x39=</a:t>
+            </a:r>
+            <a:r>
+              <a:rPr lang="en-US" dirty="0">
+                <a:solidFill>
+                  <a:srgbClr val="FF0000"/>
+                </a:solidFill>
+              </a:rPr>
+              <a:t>78K Tags/Sec</a:t>
+            </a:r>
+          </a:p>
+        </p:txBody>
+      </p:sp>
+    </p:spTree>
+    <p:extLst>
+      <p:ext uri="{BB962C8B-B14F-4D97-AF65-F5344CB8AC3E}">
+        <p14:creationId xmlns:p14="http://schemas.microsoft.com/office/powerpoint/2010/main" val="1016830542"/>
+      </p:ext>
+    </p:extLst>
+  </p:cSld>
+  <p:clrMapOvr>
+    <a:masterClrMapping/>
+  </p:clrMapOvr>
+</p:sld>
+</file>
+
 <file path=ppt/theme/theme1.xml><?xml version="1.0" encoding="utf-8"?>
 <a:theme xmlns:a="http://schemas.openxmlformats.org/drawingml/2006/main" name="Office Theme">
   <a:themeElements>

--- a/docs/concept.pptx
+++ b/docs/concept.pptx
@@ -5,11 +5,15 @@
     <p:sldMasterId id="2147483648" r:id="rId1"/>
   </p:sldMasterIdLst>
   <p:sldIdLst>
-    <p:sldId id="257" r:id="rId2"/>
-    <p:sldId id="256" r:id="rId3"/>
-    <p:sldId id="259" r:id="rId4"/>
-    <p:sldId id="258" r:id="rId5"/>
-    <p:sldId id="260" r:id="rId6"/>
+    <p:sldId id="260" r:id="rId2"/>
+    <p:sldId id="261" r:id="rId3"/>
+    <p:sldId id="262" r:id="rId4"/>
+    <p:sldId id="263" r:id="rId5"/>
+    <p:sldId id="256" r:id="rId6"/>
+    <p:sldId id="259" r:id="rId7"/>
+    <p:sldId id="265" r:id="rId8"/>
+    <p:sldId id="264" r:id="rId9"/>
+    <p:sldId id="258" r:id="rId10"/>
   </p:sldIdLst>
   <p:sldSz cx="12192000" cy="6858000"/>
   <p:notesSz cx="6858000" cy="9144000"/>
@@ -111,21 +115,25 @@
   <p:extLst>
     <p:ext uri="{521415D9-36F7-43E2-AB2F-B90AF26B5E84}">
       <p14:sectionLst xmlns:p14="http://schemas.microsoft.com/office/powerpoint/2010/main">
+        <p14:section name="Results" id="{E0B0A9D0-6673-C347-9DD6-F92382976034}">
+          <p14:sldIdLst>
+            <p14:sldId id="260"/>
+          </p14:sldIdLst>
+        </p14:section>
         <p14:section name="Concepts" id="{97F96181-9BB3-5F45-9953-477C272E6049}">
           <p14:sldIdLst>
-            <p14:sldId id="257"/>
+            <p14:sldId id="261"/>
+            <p14:sldId id="262"/>
+            <p14:sldId id="263"/>
             <p14:sldId id="256"/>
+            <p14:sldId id="259"/>
+            <p14:sldId id="265"/>
+            <p14:sldId id="264"/>
           </p14:sldIdLst>
         </p14:section>
         <p14:section name="Design" id="{29C5E586-5644-D14A-88E1-3462A5D26E69}">
           <p14:sldIdLst>
-            <p14:sldId id="259"/>
             <p14:sldId id="258"/>
-          </p14:sldIdLst>
-        </p14:section>
-        <p14:section name="Results" id="{E0B0A9D0-6673-C347-9DD6-F92382976034}">
-          <p14:sldIdLst>
-            <p14:sldId id="260"/>
           </p14:sldIdLst>
         </p14:section>
       </p14:sectionLst>
@@ -284,7 +292,7 @@
           <a:p>
             <a:fld id="{02A3E006-4292-B84D-875F-9D4B73236D7F}" type="datetimeFigureOut">
               <a:rPr lang="en-US" smtClean="0"/>
-              <a:t>9/19/21</a:t>
+              <a:t>9/20/21</a:t>
             </a:fld>
             <a:endParaRPr lang="en-US"/>
           </a:p>
@@ -482,7 +490,7 @@
           <a:p>
             <a:fld id="{02A3E006-4292-B84D-875F-9D4B73236D7F}" type="datetimeFigureOut">
               <a:rPr lang="en-US" smtClean="0"/>
-              <a:t>9/19/21</a:t>
+              <a:t>9/20/21</a:t>
             </a:fld>
             <a:endParaRPr lang="en-US"/>
           </a:p>
@@ -690,7 +698,7 @@
           <a:p>
             <a:fld id="{02A3E006-4292-B84D-875F-9D4B73236D7F}" type="datetimeFigureOut">
               <a:rPr lang="en-US" smtClean="0"/>
-              <a:t>9/19/21</a:t>
+              <a:t>9/20/21</a:t>
             </a:fld>
             <a:endParaRPr lang="en-US"/>
           </a:p>
@@ -888,7 +896,7 @@
           <a:p>
             <a:fld id="{02A3E006-4292-B84D-875F-9D4B73236D7F}" type="datetimeFigureOut">
               <a:rPr lang="en-US" smtClean="0"/>
-              <a:t>9/19/21</a:t>
+              <a:t>9/20/21</a:t>
             </a:fld>
             <a:endParaRPr lang="en-US"/>
           </a:p>
@@ -1163,7 +1171,7 @@
           <a:p>
             <a:fld id="{02A3E006-4292-B84D-875F-9D4B73236D7F}" type="datetimeFigureOut">
               <a:rPr lang="en-US" smtClean="0"/>
-              <a:t>9/19/21</a:t>
+              <a:t>9/20/21</a:t>
             </a:fld>
             <a:endParaRPr lang="en-US"/>
           </a:p>
@@ -1428,7 +1436,7 @@
           <a:p>
             <a:fld id="{02A3E006-4292-B84D-875F-9D4B73236D7F}" type="datetimeFigureOut">
               <a:rPr lang="en-US" smtClean="0"/>
-              <a:t>9/19/21</a:t>
+              <a:t>9/20/21</a:t>
             </a:fld>
             <a:endParaRPr lang="en-US"/>
           </a:p>
@@ -1840,7 +1848,7 @@
           <a:p>
             <a:fld id="{02A3E006-4292-B84D-875F-9D4B73236D7F}" type="datetimeFigureOut">
               <a:rPr lang="en-US" smtClean="0"/>
-              <a:t>9/19/21</a:t>
+              <a:t>9/20/21</a:t>
             </a:fld>
             <a:endParaRPr lang="en-US"/>
           </a:p>
@@ -1981,7 +1989,7 @@
           <a:p>
             <a:fld id="{02A3E006-4292-B84D-875F-9D4B73236D7F}" type="datetimeFigureOut">
               <a:rPr lang="en-US" smtClean="0"/>
-              <a:t>9/19/21</a:t>
+              <a:t>9/20/21</a:t>
             </a:fld>
             <a:endParaRPr lang="en-US"/>
           </a:p>
@@ -2094,7 +2102,7 @@
           <a:p>
             <a:fld id="{02A3E006-4292-B84D-875F-9D4B73236D7F}" type="datetimeFigureOut">
               <a:rPr lang="en-US" smtClean="0"/>
-              <a:t>9/19/21</a:t>
+              <a:t>9/20/21</a:t>
             </a:fld>
             <a:endParaRPr lang="en-US"/>
           </a:p>
@@ -2405,7 +2413,7 @@
           <a:p>
             <a:fld id="{02A3E006-4292-B84D-875F-9D4B73236D7F}" type="datetimeFigureOut">
               <a:rPr lang="en-US" smtClean="0"/>
-              <a:t>9/19/21</a:t>
+              <a:t>9/20/21</a:t>
             </a:fld>
             <a:endParaRPr lang="en-US"/>
           </a:p>
@@ -2693,7 +2701,7 @@
           <a:p>
             <a:fld id="{02A3E006-4292-B84D-875F-9D4B73236D7F}" type="datetimeFigureOut">
               <a:rPr lang="en-US" smtClean="0"/>
-              <a:t>9/19/21</a:t>
+              <a:t>9/20/21</a:t>
             </a:fld>
             <a:endParaRPr lang="en-US"/>
           </a:p>
@@ -2934,7 +2942,7 @@
           <a:p>
             <a:fld id="{02A3E006-4292-B84D-875F-9D4B73236D7F}" type="datetimeFigureOut">
               <a:rPr lang="en-US" smtClean="0"/>
-              <a:t>9/19/21</a:t>
+              <a:t>9/20/21</a:t>
             </a:fld>
             <a:endParaRPr lang="en-US"/>
           </a:p>
@@ -3337,6 +3345,934 @@
 <file path=ppt/slides/slide1.xml><?xml version="1.0" encoding="utf-8"?>
 <p:sld xmlns:a="http://schemas.openxmlformats.org/drawingml/2006/main" xmlns:r="http://schemas.openxmlformats.org/officeDocument/2006/relationships" xmlns:p="http://schemas.openxmlformats.org/presentationml/2006/main">
   <p:cSld>
+    <p:bg>
+      <p:bgPr>
+        <a:solidFill>
+          <a:schemeClr val="bg1"/>
+        </a:solidFill>
+        <a:effectLst/>
+      </p:bgPr>
+    </p:bg>
+    <p:spTree>
+      <p:nvGrpSpPr>
+        <p:cNvPr id="1" name=""/>
+        <p:cNvGrpSpPr/>
+        <p:nvPr/>
+      </p:nvGrpSpPr>
+      <p:grpSpPr>
+        <a:xfrm>
+          <a:off x="0" y="0"/>
+          <a:ext cx="0" cy="0"/>
+          <a:chOff x="0" y="0"/>
+          <a:chExt cx="0" cy="0"/>
+        </a:xfrm>
+      </p:grpSpPr>
+      <p:sp>
+        <p:nvSpPr>
+          <p:cNvPr id="10" name="Rectangle 9">
+            <a:extLst>
+              <a:ext uri="{FF2B5EF4-FFF2-40B4-BE49-F238E27FC236}">
+                <a16:creationId xmlns:a16="http://schemas.microsoft.com/office/drawing/2014/main" id="{D4D28E87-62D2-4602-B72F-5F74AA236CC3}"/>
+              </a:ext>
+              <a:ext uri="{C183D7F6-B498-43B3-948B-1728B52AA6E4}">
+                <adec:decorative xmlns:adec="http://schemas.microsoft.com/office/drawing/2017/decorative" val="1"/>
+              </a:ext>
+            </a:extLst>
+          </p:cNvPr>
+          <p:cNvSpPr>
+            <a:spLocks noGrp="1" noRot="1" noChangeAspect="1" noMove="1" noResize="1" noEditPoints="1" noAdjustHandles="1" noChangeArrowheads="1" noChangeShapeType="1" noTextEdit="1"/>
+          </p:cNvSpPr>
+          <p:nvPr>
+            <p:extLst>
+              <p:ext uri="{386F3935-93C4-4BCD-93E2-E3B085C9AB24}">
+                <p16:designElem xmlns:p16="http://schemas.microsoft.com/office/powerpoint/2015/main" val="1"/>
+              </p:ext>
+            </p:extLst>
+          </p:nvPr>
+        </p:nvSpPr>
+        <p:spPr>
+          <a:xfrm>
+            <a:off x="-1" y="0"/>
+            <a:ext cx="12192001" cy="1915064"/>
+          </a:xfrm>
+          <a:prstGeom prst="rect">
+            <a:avLst/>
+          </a:prstGeom>
+          <a:ln>
+            <a:noFill/>
+          </a:ln>
+        </p:spPr>
+        <p:style>
+          <a:lnRef idx="2">
+            <a:schemeClr val="accent1">
+              <a:shade val="50000"/>
+            </a:schemeClr>
+          </a:lnRef>
+          <a:fillRef idx="1">
+            <a:schemeClr val="accent1"/>
+          </a:fillRef>
+          <a:effectRef idx="0">
+            <a:schemeClr val="accent1"/>
+          </a:effectRef>
+          <a:fontRef idx="minor">
+            <a:schemeClr val="lt1"/>
+          </a:fontRef>
+        </p:style>
+        <p:txBody>
+          <a:bodyPr rtlCol="0" anchor="ctr"/>
+          <a:lstStyle/>
+          <a:p>
+            <a:pPr algn="ctr"/>
+            <a:endParaRPr lang="en-US" dirty="0"/>
+          </a:p>
+        </p:txBody>
+      </p:sp>
+      <p:sp>
+        <p:nvSpPr>
+          <p:cNvPr id="2" name="Title 1">
+            <a:extLst>
+              <a:ext uri="{FF2B5EF4-FFF2-40B4-BE49-F238E27FC236}">
+                <a16:creationId xmlns:a16="http://schemas.microsoft.com/office/drawing/2014/main" id="{55A1AE68-4673-D843-A8E8-F84CE63D46DD}"/>
+              </a:ext>
+            </a:extLst>
+          </p:cNvPr>
+          <p:cNvSpPr>
+            <a:spLocks noGrp="1"/>
+          </p:cNvSpPr>
+          <p:nvPr>
+            <p:ph type="title"/>
+          </p:nvPr>
+        </p:nvSpPr>
+        <p:spPr>
+          <a:xfrm>
+            <a:off x="838199" y="291090"/>
+            <a:ext cx="10515599" cy="932688"/>
+          </a:xfrm>
+        </p:spPr>
+        <p:txBody>
+          <a:bodyPr vert="horz" lIns="91440" tIns="45720" rIns="91440" bIns="45720" rtlCol="0" anchor="b">
+            <a:normAutofit/>
+          </a:bodyPr>
+          <a:lstStyle/>
+          <a:p>
+            <a:pPr algn="ctr"/>
+            <a:r>
+              <a:rPr lang="en-US" sz="5400" kern="1200">
+                <a:solidFill>
+                  <a:schemeClr val="bg1"/>
+                </a:solidFill>
+                <a:latin typeface="+mj-lt"/>
+                <a:ea typeface="+mj-ea"/>
+                <a:cs typeface="+mj-cs"/>
+              </a:rPr>
+              <a:t>Results</a:t>
+            </a:r>
+          </a:p>
+        </p:txBody>
+      </p:sp>
+      <p:pic>
+        <p:nvPicPr>
+          <p:cNvPr id="4" name="Picture 3" descr="Graphical user interface, table&#10;&#10;Description automatically generated">
+            <a:extLst>
+              <a:ext uri="{FF2B5EF4-FFF2-40B4-BE49-F238E27FC236}">
+                <a16:creationId xmlns:a16="http://schemas.microsoft.com/office/drawing/2014/main" id="{8D08BB82-61C8-2542-A490-5DD889CA5826}"/>
+              </a:ext>
+            </a:extLst>
+          </p:cNvPr>
+          <p:cNvPicPr>
+            <a:picLocks noChangeAspect="1"/>
+          </p:cNvPicPr>
+          <p:nvPr/>
+        </p:nvPicPr>
+        <p:blipFill>
+          <a:blip r:embed="rId2"/>
+          <a:stretch>
+            <a:fillRect/>
+          </a:stretch>
+        </p:blipFill>
+        <p:spPr>
+          <a:xfrm>
+            <a:off x="1367615" y="3643328"/>
+            <a:ext cx="10683903" cy="1452547"/>
+          </a:xfrm>
+          <a:prstGeom prst="rect">
+            <a:avLst/>
+          </a:prstGeom>
+          <a:ln w="38100" cap="sq">
+            <a:solidFill>
+              <a:srgbClr val="000000"/>
+            </a:solidFill>
+            <a:prstDash val="solid"/>
+            <a:miter lim="800000"/>
+          </a:ln>
+          <a:effectLst>
+            <a:outerShdw blurRad="50800" dist="38100" dir="2700000" algn="tl" rotWithShape="0">
+              <a:srgbClr val="000000">
+                <a:alpha val="43000"/>
+              </a:srgbClr>
+            </a:outerShdw>
+          </a:effectLst>
+        </p:spPr>
+      </p:pic>
+      <p:pic>
+        <p:nvPicPr>
+          <p:cNvPr id="8" name="Picture 7" descr="Graphical user interface&#10;&#10;Description automatically generated">
+            <a:extLst>
+              <a:ext uri="{FF2B5EF4-FFF2-40B4-BE49-F238E27FC236}">
+                <a16:creationId xmlns:a16="http://schemas.microsoft.com/office/drawing/2014/main" id="{02A3AE04-4B61-FC40-9113-3F26F7ACE6D7}"/>
+              </a:ext>
+            </a:extLst>
+          </p:cNvPr>
+          <p:cNvPicPr>
+            <a:picLocks noChangeAspect="1"/>
+          </p:cNvPicPr>
+          <p:nvPr/>
+        </p:nvPicPr>
+        <p:blipFill>
+          <a:blip r:embed="rId3"/>
+          <a:stretch>
+            <a:fillRect/>
+          </a:stretch>
+        </p:blipFill>
+        <p:spPr>
+          <a:xfrm>
+            <a:off x="1367615" y="5208824"/>
+            <a:ext cx="10683909" cy="1452547"/>
+          </a:xfrm>
+          <a:prstGeom prst="rect">
+            <a:avLst/>
+          </a:prstGeom>
+          <a:ln w="38100" cap="sq">
+            <a:solidFill>
+              <a:srgbClr val="00B050"/>
+            </a:solidFill>
+            <a:prstDash val="solid"/>
+            <a:miter lim="800000"/>
+          </a:ln>
+          <a:effectLst>
+            <a:outerShdw blurRad="50800" dist="38100" dir="2700000" algn="tl" rotWithShape="0">
+              <a:srgbClr val="000000">
+                <a:alpha val="43000"/>
+              </a:srgbClr>
+            </a:outerShdw>
+          </a:effectLst>
+        </p:spPr>
+      </p:pic>
+      <p:pic>
+        <p:nvPicPr>
+          <p:cNvPr id="11" name="Picture 10" descr="Graphical user interface, table&#10;&#10;Description automatically generated">
+            <a:extLst>
+              <a:ext uri="{FF2B5EF4-FFF2-40B4-BE49-F238E27FC236}">
+                <a16:creationId xmlns:a16="http://schemas.microsoft.com/office/drawing/2014/main" id="{8856029D-061F-134F-B6D8-95A13F72757E}"/>
+              </a:ext>
+            </a:extLst>
+          </p:cNvPr>
+          <p:cNvPicPr>
+            <a:picLocks noChangeAspect="1"/>
+          </p:cNvPicPr>
+          <p:nvPr/>
+        </p:nvPicPr>
+        <p:blipFill>
+          <a:blip r:embed="rId4"/>
+          <a:stretch>
+            <a:fillRect/>
+          </a:stretch>
+        </p:blipFill>
+        <p:spPr>
+          <a:xfrm>
+            <a:off x="1367624" y="2077832"/>
+            <a:ext cx="10683902" cy="1452547"/>
+          </a:xfrm>
+          <a:prstGeom prst="rect">
+            <a:avLst/>
+          </a:prstGeom>
+          <a:ln w="38100" cap="sq">
+            <a:solidFill>
+              <a:srgbClr val="000000"/>
+            </a:solidFill>
+            <a:prstDash val="solid"/>
+            <a:miter lim="800000"/>
+          </a:ln>
+          <a:effectLst>
+            <a:outerShdw blurRad="50800" dist="38100" dir="2700000" algn="tl" rotWithShape="0">
+              <a:srgbClr val="000000">
+                <a:alpha val="43000"/>
+              </a:srgbClr>
+            </a:outerShdw>
+          </a:effectLst>
+        </p:spPr>
+      </p:pic>
+      <p:sp>
+        <p:nvSpPr>
+          <p:cNvPr id="12" name="TextBox 11">
+            <a:extLst>
+              <a:ext uri="{FF2B5EF4-FFF2-40B4-BE49-F238E27FC236}">
+                <a16:creationId xmlns:a16="http://schemas.microsoft.com/office/drawing/2014/main" id="{538ACDF1-8AE9-C547-AA22-26B35FF5BE85}"/>
+              </a:ext>
+            </a:extLst>
+          </p:cNvPr>
+          <p:cNvSpPr txBox="1"/>
+          <p:nvPr/>
+        </p:nvSpPr>
+        <p:spPr>
+          <a:xfrm>
+            <a:off x="140474" y="2065441"/>
+            <a:ext cx="1163540" cy="738664"/>
+          </a:xfrm>
+          <a:prstGeom prst="rect">
+            <a:avLst/>
+          </a:prstGeom>
+          <a:noFill/>
+        </p:spPr>
+        <p:txBody>
+          <a:bodyPr wrap="square" rtlCol="0">
+            <a:spAutoFit/>
+          </a:bodyPr>
+          <a:lstStyle/>
+          <a:p>
+            <a:pPr algn="ctr"/>
+            <a:r>
+              <a:rPr lang="en-US" sz="1400" b="1" dirty="0"/>
+              <a:t>Mac</a:t>
+            </a:r>
+          </a:p>
+          <a:p>
+            <a:pPr algn="ctr"/>
+            <a:r>
+              <a:rPr lang="en-US" sz="1400" dirty="0"/>
+              <a:t>37*2000=</a:t>
+            </a:r>
+          </a:p>
+          <a:p>
+            <a:pPr algn="ctr"/>
+            <a:r>
+              <a:rPr lang="en-US" sz="1400" dirty="0">
+                <a:solidFill>
+                  <a:srgbClr val="FF0000"/>
+                </a:solidFill>
+              </a:rPr>
+              <a:t>74K/Sec</a:t>
+            </a:r>
+          </a:p>
+        </p:txBody>
+      </p:sp>
+      <p:sp>
+        <p:nvSpPr>
+          <p:cNvPr id="13" name="TextBox 12">
+            <a:extLst>
+              <a:ext uri="{FF2B5EF4-FFF2-40B4-BE49-F238E27FC236}">
+                <a16:creationId xmlns:a16="http://schemas.microsoft.com/office/drawing/2014/main" id="{C713D071-2AA3-4B4F-86E6-BCE8E5233F1C}"/>
+              </a:ext>
+            </a:extLst>
+          </p:cNvPr>
+          <p:cNvSpPr txBox="1"/>
+          <p:nvPr/>
+        </p:nvSpPr>
+        <p:spPr>
+          <a:xfrm>
+            <a:off x="63610" y="3643328"/>
+            <a:ext cx="1240404" cy="738664"/>
+          </a:xfrm>
+          <a:prstGeom prst="rect">
+            <a:avLst/>
+          </a:prstGeom>
+          <a:noFill/>
+        </p:spPr>
+        <p:txBody>
+          <a:bodyPr wrap="square" rtlCol="0">
+            <a:spAutoFit/>
+          </a:bodyPr>
+          <a:lstStyle/>
+          <a:p>
+            <a:pPr algn="ctr"/>
+            <a:r>
+              <a:rPr lang="en-US" sz="1400" b="1" dirty="0"/>
+              <a:t>Chrome Book</a:t>
+            </a:r>
+          </a:p>
+          <a:p>
+            <a:pPr algn="ctr"/>
+            <a:r>
+              <a:rPr lang="en-US" sz="1400" dirty="0"/>
+              <a:t>37*2000=</a:t>
+            </a:r>
+          </a:p>
+          <a:p>
+            <a:pPr algn="ctr"/>
+            <a:r>
+              <a:rPr lang="en-US" sz="1400" dirty="0">
+                <a:solidFill>
+                  <a:srgbClr val="FF0000"/>
+                </a:solidFill>
+              </a:rPr>
+              <a:t>74K/Sec</a:t>
+            </a:r>
+          </a:p>
+        </p:txBody>
+      </p:sp>
+      <p:sp>
+        <p:nvSpPr>
+          <p:cNvPr id="14" name="TextBox 13">
+            <a:extLst>
+              <a:ext uri="{FF2B5EF4-FFF2-40B4-BE49-F238E27FC236}">
+                <a16:creationId xmlns:a16="http://schemas.microsoft.com/office/drawing/2014/main" id="{D9418283-E521-0A49-A838-E7BC6C30F75C}"/>
+              </a:ext>
+            </a:extLst>
+          </p:cNvPr>
+          <p:cNvSpPr txBox="1"/>
+          <p:nvPr/>
+        </p:nvSpPr>
+        <p:spPr>
+          <a:xfrm>
+            <a:off x="63610" y="5254990"/>
+            <a:ext cx="1163540" cy="738664"/>
+          </a:xfrm>
+          <a:prstGeom prst="rect">
+            <a:avLst/>
+          </a:prstGeom>
+          <a:noFill/>
+        </p:spPr>
+        <p:txBody>
+          <a:bodyPr wrap="square" rtlCol="0">
+            <a:spAutoFit/>
+          </a:bodyPr>
+          <a:lstStyle/>
+          <a:p>
+            <a:pPr algn="ctr"/>
+            <a:r>
+              <a:rPr lang="en-US" sz="1400" b="1" dirty="0"/>
+              <a:t>Windows</a:t>
+            </a:r>
+          </a:p>
+          <a:p>
+            <a:pPr algn="ctr"/>
+            <a:r>
+              <a:rPr lang="en-US" sz="1400" dirty="0"/>
+              <a:t>82*2000=</a:t>
+            </a:r>
+          </a:p>
+          <a:p>
+            <a:pPr algn="ctr"/>
+            <a:r>
+              <a:rPr lang="en-US" sz="1400" dirty="0">
+                <a:solidFill>
+                  <a:srgbClr val="FF0000"/>
+                </a:solidFill>
+              </a:rPr>
+              <a:t>164K/Sec</a:t>
+            </a:r>
+          </a:p>
+        </p:txBody>
+      </p:sp>
+      <p:sp>
+        <p:nvSpPr>
+          <p:cNvPr id="15" name="TextBox 14">
+            <a:extLst>
+              <a:ext uri="{FF2B5EF4-FFF2-40B4-BE49-F238E27FC236}">
+                <a16:creationId xmlns:a16="http://schemas.microsoft.com/office/drawing/2014/main" id="{9E520C31-139E-8C46-A512-9FD0A92F62D5}"/>
+              </a:ext>
+            </a:extLst>
+          </p:cNvPr>
+          <p:cNvSpPr txBox="1"/>
+          <p:nvPr/>
+        </p:nvSpPr>
+        <p:spPr>
+          <a:xfrm>
+            <a:off x="76073" y="2788062"/>
+            <a:ext cx="1200970" cy="430887"/>
+          </a:xfrm>
+          <a:prstGeom prst="rect">
+            <a:avLst/>
+          </a:prstGeom>
+          <a:noFill/>
+        </p:spPr>
+        <p:txBody>
+          <a:bodyPr wrap="none" rtlCol="0">
+            <a:spAutoFit/>
+          </a:bodyPr>
+          <a:lstStyle/>
+          <a:p>
+            <a:r>
+              <a:rPr lang="en-US" sz="1100" dirty="0"/>
+              <a:t>CPU: i7-8750H</a:t>
+            </a:r>
+          </a:p>
+          <a:p>
+            <a:r>
+              <a:rPr lang="en-US" sz="1100" dirty="0"/>
+              <a:t>RAM: 8GB @2.4G</a:t>
+            </a:r>
+          </a:p>
+        </p:txBody>
+      </p:sp>
+      <p:sp>
+        <p:nvSpPr>
+          <p:cNvPr id="16" name="TextBox 15">
+            <a:extLst>
+              <a:ext uri="{FF2B5EF4-FFF2-40B4-BE49-F238E27FC236}">
+                <a16:creationId xmlns:a16="http://schemas.microsoft.com/office/drawing/2014/main" id="{0CC5832C-2862-2E41-8C5F-2FA4206071BD}"/>
+              </a:ext>
+            </a:extLst>
+          </p:cNvPr>
+          <p:cNvSpPr txBox="1"/>
+          <p:nvPr/>
+        </p:nvSpPr>
+        <p:spPr>
+          <a:xfrm>
+            <a:off x="76073" y="4316925"/>
+            <a:ext cx="772969" cy="430887"/>
+          </a:xfrm>
+          <a:prstGeom prst="rect">
+            <a:avLst/>
+          </a:prstGeom>
+          <a:noFill/>
+        </p:spPr>
+        <p:txBody>
+          <a:bodyPr wrap="none" rtlCol="0">
+            <a:spAutoFit/>
+          </a:bodyPr>
+          <a:lstStyle/>
+          <a:p>
+            <a:r>
+              <a:rPr lang="en-US" sz="1100" dirty="0"/>
+              <a:t>CPU: i3</a:t>
+            </a:r>
+          </a:p>
+          <a:p>
+            <a:r>
+              <a:rPr lang="en-US" sz="1100" dirty="0"/>
+              <a:t>RAM: 8GB</a:t>
+            </a:r>
+          </a:p>
+        </p:txBody>
+      </p:sp>
+      <p:sp>
+        <p:nvSpPr>
+          <p:cNvPr id="18" name="TextBox 17">
+            <a:extLst>
+              <a:ext uri="{FF2B5EF4-FFF2-40B4-BE49-F238E27FC236}">
+                <a16:creationId xmlns:a16="http://schemas.microsoft.com/office/drawing/2014/main" id="{2F69EE2B-521D-C94D-A25D-0204A0D1ABBE}"/>
+              </a:ext>
+            </a:extLst>
+          </p:cNvPr>
+          <p:cNvSpPr txBox="1"/>
+          <p:nvPr/>
+        </p:nvSpPr>
+        <p:spPr>
+          <a:xfrm>
+            <a:off x="-1" y="5993654"/>
+            <a:ext cx="1326004" cy="430887"/>
+          </a:xfrm>
+          <a:prstGeom prst="rect">
+            <a:avLst/>
+          </a:prstGeom>
+          <a:noFill/>
+        </p:spPr>
+        <p:txBody>
+          <a:bodyPr wrap="none" rtlCol="0">
+            <a:spAutoFit/>
+          </a:bodyPr>
+          <a:lstStyle/>
+          <a:p>
+            <a:r>
+              <a:rPr lang="en-US" sz="1100" dirty="0"/>
+              <a:t>CPU: Ryzen7-5800H</a:t>
+            </a:r>
+          </a:p>
+          <a:p>
+            <a:r>
+              <a:rPr lang="en-US" sz="1100" dirty="0"/>
+              <a:t>RAM: 16GB @3.2G</a:t>
+            </a:r>
+          </a:p>
+        </p:txBody>
+      </p:sp>
+      <p:sp>
+        <p:nvSpPr>
+          <p:cNvPr id="19" name="TextBox 18">
+            <a:extLst>
+              <a:ext uri="{FF2B5EF4-FFF2-40B4-BE49-F238E27FC236}">
+                <a16:creationId xmlns:a16="http://schemas.microsoft.com/office/drawing/2014/main" id="{751AE790-FC02-AE42-8328-C2378F4CACAE}"/>
+              </a:ext>
+            </a:extLst>
+          </p:cNvPr>
+          <p:cNvSpPr txBox="1"/>
+          <p:nvPr/>
+        </p:nvSpPr>
+        <p:spPr>
+          <a:xfrm>
+            <a:off x="4245138" y="1114301"/>
+            <a:ext cx="3701719" cy="369332"/>
+          </a:xfrm>
+          <a:prstGeom prst="rect">
+            <a:avLst/>
+          </a:prstGeom>
+          <a:noFill/>
+        </p:spPr>
+        <p:txBody>
+          <a:bodyPr wrap="none" rtlCol="0">
+            <a:spAutoFit/>
+          </a:bodyPr>
+          <a:lstStyle/>
+          <a:p>
+            <a:r>
+              <a:rPr lang="en-US" dirty="0"/>
+              <a:t>Microservice developed with concept</a:t>
+            </a:r>
+          </a:p>
+        </p:txBody>
+      </p:sp>
+    </p:spTree>
+    <p:extLst>
+      <p:ext uri="{BB962C8B-B14F-4D97-AF65-F5344CB8AC3E}">
+        <p14:creationId xmlns:p14="http://schemas.microsoft.com/office/powerpoint/2010/main" val="1016830542"/>
+      </p:ext>
+    </p:extLst>
+  </p:cSld>
+  <p:clrMapOvr>
+    <a:masterClrMapping/>
+  </p:clrMapOvr>
+  <p:timing>
+    <p:tnLst>
+      <p:par>
+        <p:cTn id="1" dur="indefinite" restart="never" nodeType="tmRoot">
+          <p:childTnLst>
+            <p:seq concurrent="1" nextAc="seek">
+              <p:cTn id="2" dur="indefinite" nodeType="mainSeq">
+                <p:childTnLst>
+                  <p:par>
+                    <p:cTn id="3" fill="hold">
+                      <p:stCondLst>
+                        <p:cond delay="indefinite"/>
+                      </p:stCondLst>
+                      <p:childTnLst>
+                        <p:par>
+                          <p:cTn id="4" fill="hold">
+                            <p:stCondLst>
+                              <p:cond delay="0"/>
+                            </p:stCondLst>
+                            <p:childTnLst>
+                              <p:par>
+                                <p:cTn id="5" presetID="1" presetClass="entr" presetSubtype="0" fill="hold" grpId="0" nodeType="clickEffect">
+                                  <p:stCondLst>
+                                    <p:cond delay="0"/>
+                                  </p:stCondLst>
+                                  <p:childTnLst>
+                                    <p:set>
+                                      <p:cBhvr>
+                                        <p:cTn id="6" dur="1" fill="hold">
+                                          <p:stCondLst>
+                                            <p:cond delay="0"/>
+                                          </p:stCondLst>
+                                        </p:cTn>
+                                        <p:tgtEl>
+                                          <p:spTgt spid="12"/>
+                                        </p:tgtEl>
+                                        <p:attrNameLst>
+                                          <p:attrName>style.visibility</p:attrName>
+                                        </p:attrNameLst>
+                                      </p:cBhvr>
+                                      <p:to>
+                                        <p:strVal val="visible"/>
+                                      </p:to>
+                                    </p:set>
+                                  </p:childTnLst>
+                                </p:cTn>
+                              </p:par>
+                              <p:par>
+                                <p:cTn id="7" presetID="1" presetClass="entr" presetSubtype="0" fill="hold" grpId="0" nodeType="withEffect">
+                                  <p:stCondLst>
+                                    <p:cond delay="0"/>
+                                  </p:stCondLst>
+                                  <p:childTnLst>
+                                    <p:set>
+                                      <p:cBhvr>
+                                        <p:cTn id="8" dur="1" fill="hold">
+                                          <p:stCondLst>
+                                            <p:cond delay="0"/>
+                                          </p:stCondLst>
+                                        </p:cTn>
+                                        <p:tgtEl>
+                                          <p:spTgt spid="15"/>
+                                        </p:tgtEl>
+                                        <p:attrNameLst>
+                                          <p:attrName>style.visibility</p:attrName>
+                                        </p:attrNameLst>
+                                      </p:cBhvr>
+                                      <p:to>
+                                        <p:strVal val="visible"/>
+                                      </p:to>
+                                    </p:set>
+                                  </p:childTnLst>
+                                </p:cTn>
+                              </p:par>
+                              <p:par>
+                                <p:cTn id="9" presetID="1" presetClass="entr" presetSubtype="0" fill="hold" nodeType="withEffect">
+                                  <p:stCondLst>
+                                    <p:cond delay="0"/>
+                                  </p:stCondLst>
+                                  <p:childTnLst>
+                                    <p:set>
+                                      <p:cBhvr>
+                                        <p:cTn id="10" dur="1" fill="hold">
+                                          <p:stCondLst>
+                                            <p:cond delay="0"/>
+                                          </p:stCondLst>
+                                        </p:cTn>
+                                        <p:tgtEl>
+                                          <p:spTgt spid="11"/>
+                                        </p:tgtEl>
+                                        <p:attrNameLst>
+                                          <p:attrName>style.visibility</p:attrName>
+                                        </p:attrNameLst>
+                                      </p:cBhvr>
+                                      <p:to>
+                                        <p:strVal val="visible"/>
+                                      </p:to>
+                                    </p:set>
+                                  </p:childTnLst>
+                                </p:cTn>
+                              </p:par>
+                            </p:childTnLst>
+                          </p:cTn>
+                        </p:par>
+                      </p:childTnLst>
+                    </p:cTn>
+                  </p:par>
+                  <p:par>
+                    <p:cTn id="11" fill="hold">
+                      <p:stCondLst>
+                        <p:cond delay="indefinite"/>
+                      </p:stCondLst>
+                      <p:childTnLst>
+                        <p:par>
+                          <p:cTn id="12" fill="hold">
+                            <p:stCondLst>
+                              <p:cond delay="0"/>
+                            </p:stCondLst>
+                            <p:childTnLst>
+                              <p:par>
+                                <p:cTn id="13" presetID="1" presetClass="entr" presetSubtype="0" fill="hold" grpId="0" nodeType="clickEffect">
+                                  <p:stCondLst>
+                                    <p:cond delay="0"/>
+                                  </p:stCondLst>
+                                  <p:childTnLst>
+                                    <p:set>
+                                      <p:cBhvr>
+                                        <p:cTn id="14" dur="1" fill="hold">
+                                          <p:stCondLst>
+                                            <p:cond delay="0"/>
+                                          </p:stCondLst>
+                                        </p:cTn>
+                                        <p:tgtEl>
+                                          <p:spTgt spid="13"/>
+                                        </p:tgtEl>
+                                        <p:attrNameLst>
+                                          <p:attrName>style.visibility</p:attrName>
+                                        </p:attrNameLst>
+                                      </p:cBhvr>
+                                      <p:to>
+                                        <p:strVal val="visible"/>
+                                      </p:to>
+                                    </p:set>
+                                  </p:childTnLst>
+                                </p:cTn>
+                              </p:par>
+                              <p:par>
+                                <p:cTn id="15" presetID="1" presetClass="entr" presetSubtype="0" fill="hold" grpId="0" nodeType="withEffect">
+                                  <p:stCondLst>
+                                    <p:cond delay="0"/>
+                                  </p:stCondLst>
+                                  <p:childTnLst>
+                                    <p:set>
+                                      <p:cBhvr>
+                                        <p:cTn id="16" dur="1" fill="hold">
+                                          <p:stCondLst>
+                                            <p:cond delay="0"/>
+                                          </p:stCondLst>
+                                        </p:cTn>
+                                        <p:tgtEl>
+                                          <p:spTgt spid="16"/>
+                                        </p:tgtEl>
+                                        <p:attrNameLst>
+                                          <p:attrName>style.visibility</p:attrName>
+                                        </p:attrNameLst>
+                                      </p:cBhvr>
+                                      <p:to>
+                                        <p:strVal val="visible"/>
+                                      </p:to>
+                                    </p:set>
+                                  </p:childTnLst>
+                                </p:cTn>
+                              </p:par>
+                              <p:par>
+                                <p:cTn id="17" presetID="1" presetClass="entr" presetSubtype="0" fill="hold" nodeType="withEffect">
+                                  <p:stCondLst>
+                                    <p:cond delay="0"/>
+                                  </p:stCondLst>
+                                  <p:childTnLst>
+                                    <p:set>
+                                      <p:cBhvr>
+                                        <p:cTn id="18" dur="1" fill="hold">
+                                          <p:stCondLst>
+                                            <p:cond delay="0"/>
+                                          </p:stCondLst>
+                                        </p:cTn>
+                                        <p:tgtEl>
+                                          <p:spTgt spid="4"/>
+                                        </p:tgtEl>
+                                        <p:attrNameLst>
+                                          <p:attrName>style.visibility</p:attrName>
+                                        </p:attrNameLst>
+                                      </p:cBhvr>
+                                      <p:to>
+                                        <p:strVal val="visible"/>
+                                      </p:to>
+                                    </p:set>
+                                  </p:childTnLst>
+                                </p:cTn>
+                              </p:par>
+                            </p:childTnLst>
+                          </p:cTn>
+                        </p:par>
+                      </p:childTnLst>
+                    </p:cTn>
+                  </p:par>
+                  <p:par>
+                    <p:cTn id="19" fill="hold">
+                      <p:stCondLst>
+                        <p:cond delay="indefinite"/>
+                      </p:stCondLst>
+                      <p:childTnLst>
+                        <p:par>
+                          <p:cTn id="20" fill="hold">
+                            <p:stCondLst>
+                              <p:cond delay="0"/>
+                            </p:stCondLst>
+                            <p:childTnLst>
+                              <p:par>
+                                <p:cTn id="21" presetID="1" presetClass="entr" presetSubtype="0" fill="hold" grpId="0" nodeType="clickEffect">
+                                  <p:stCondLst>
+                                    <p:cond delay="0"/>
+                                  </p:stCondLst>
+                                  <p:childTnLst>
+                                    <p:set>
+                                      <p:cBhvr>
+                                        <p:cTn id="22" dur="1" fill="hold">
+                                          <p:stCondLst>
+                                            <p:cond delay="0"/>
+                                          </p:stCondLst>
+                                        </p:cTn>
+                                        <p:tgtEl>
+                                          <p:spTgt spid="14"/>
+                                        </p:tgtEl>
+                                        <p:attrNameLst>
+                                          <p:attrName>style.visibility</p:attrName>
+                                        </p:attrNameLst>
+                                      </p:cBhvr>
+                                      <p:to>
+                                        <p:strVal val="visible"/>
+                                      </p:to>
+                                    </p:set>
+                                  </p:childTnLst>
+                                </p:cTn>
+                              </p:par>
+                              <p:par>
+                                <p:cTn id="23" presetID="1" presetClass="entr" presetSubtype="0" fill="hold" grpId="0" nodeType="withEffect">
+                                  <p:stCondLst>
+                                    <p:cond delay="0"/>
+                                  </p:stCondLst>
+                                  <p:childTnLst>
+                                    <p:set>
+                                      <p:cBhvr>
+                                        <p:cTn id="24" dur="1" fill="hold">
+                                          <p:stCondLst>
+                                            <p:cond delay="0"/>
+                                          </p:stCondLst>
+                                        </p:cTn>
+                                        <p:tgtEl>
+                                          <p:spTgt spid="18"/>
+                                        </p:tgtEl>
+                                        <p:attrNameLst>
+                                          <p:attrName>style.visibility</p:attrName>
+                                        </p:attrNameLst>
+                                      </p:cBhvr>
+                                      <p:to>
+                                        <p:strVal val="visible"/>
+                                      </p:to>
+                                    </p:set>
+                                  </p:childTnLst>
+                                </p:cTn>
+                              </p:par>
+                              <p:par>
+                                <p:cTn id="25" presetID="1" presetClass="entr" presetSubtype="0" fill="hold" nodeType="withEffect">
+                                  <p:stCondLst>
+                                    <p:cond delay="0"/>
+                                  </p:stCondLst>
+                                  <p:childTnLst>
+                                    <p:set>
+                                      <p:cBhvr>
+                                        <p:cTn id="26" dur="1" fill="hold">
+                                          <p:stCondLst>
+                                            <p:cond delay="0"/>
+                                          </p:stCondLst>
+                                        </p:cTn>
+                                        <p:tgtEl>
+                                          <p:spTgt spid="8"/>
+                                        </p:tgtEl>
+                                        <p:attrNameLst>
+                                          <p:attrName>style.visibility</p:attrName>
+                                        </p:attrNameLst>
+                                      </p:cBhvr>
+                                      <p:to>
+                                        <p:strVal val="visible"/>
+                                      </p:to>
+                                    </p:set>
+                                  </p:childTnLst>
+                                </p:cTn>
+                              </p:par>
+                            </p:childTnLst>
+                          </p:cTn>
+                        </p:par>
+                      </p:childTnLst>
+                    </p:cTn>
+                  </p:par>
+                </p:childTnLst>
+              </p:cTn>
+              <p:prevCondLst>
+                <p:cond evt="onPrev" delay="0">
+                  <p:tgtEl>
+                    <p:sldTgt/>
+                  </p:tgtEl>
+                </p:cond>
+              </p:prevCondLst>
+              <p:nextCondLst>
+                <p:cond evt="onNext" delay="0">
+                  <p:tgtEl>
+                    <p:sldTgt/>
+                  </p:tgtEl>
+                </p:cond>
+              </p:nextCondLst>
+            </p:seq>
+          </p:childTnLst>
+        </p:cTn>
+      </p:par>
+    </p:tnLst>
+    <p:bldLst>
+      <p:bldP spid="12" grpId="0"/>
+      <p:bldP spid="13" grpId="0"/>
+      <p:bldP spid="14" grpId="0"/>
+      <p:bldP spid="15" grpId="0"/>
+      <p:bldP spid="16" grpId="0"/>
+      <p:bldP spid="18" grpId="0"/>
+    </p:bldLst>
+  </p:timing>
+</p:sld>
+</file>
+
+<file path=ppt/slides/slide2.xml><?xml version="1.0" encoding="utf-8"?>
+<p:sld xmlns:a="http://schemas.openxmlformats.org/drawingml/2006/main" xmlns:r="http://schemas.openxmlformats.org/officeDocument/2006/relationships" xmlns:p="http://schemas.openxmlformats.org/presentationml/2006/main">
+  <p:cSld>
     <p:spTree>
       <p:nvGrpSpPr>
         <p:cNvPr id="1" name=""/>
@@ -3381,10 +4317,543 @@
       </p:sp>
       <p:sp>
         <p:nvSpPr>
-          <p:cNvPr id="3" name="TextBox 2">
-            <a:extLst>
-              <a:ext uri="{FF2B5EF4-FFF2-40B4-BE49-F238E27FC236}">
-                <a16:creationId xmlns:a16="http://schemas.microsoft.com/office/drawing/2014/main" id="{DCF5B764-0552-F04C-916F-EF9E018AE994}"/>
+          <p:cNvPr id="4" name="Right Arrow 3">
+            <a:extLst>
+              <a:ext uri="{FF2B5EF4-FFF2-40B4-BE49-F238E27FC236}">
+                <a16:creationId xmlns:a16="http://schemas.microsoft.com/office/drawing/2014/main" id="{00956C1E-5EAB-2C45-A2B3-D488C54494AF}"/>
+              </a:ext>
+            </a:extLst>
+          </p:cNvPr>
+          <p:cNvSpPr/>
+          <p:nvPr/>
+        </p:nvSpPr>
+        <p:spPr>
+          <a:xfrm>
+            <a:off x="1105678" y="2598575"/>
+            <a:ext cx="1595534" cy="671804"/>
+          </a:xfrm>
+          <a:prstGeom prst="rightArrow">
+            <a:avLst/>
+          </a:prstGeom>
+        </p:spPr>
+        <p:style>
+          <a:lnRef idx="2">
+            <a:schemeClr val="accent1">
+              <a:shade val="50000"/>
+            </a:schemeClr>
+          </a:lnRef>
+          <a:fillRef idx="1">
+            <a:schemeClr val="accent1"/>
+          </a:fillRef>
+          <a:effectRef idx="0">
+            <a:schemeClr val="accent1"/>
+          </a:effectRef>
+          <a:fontRef idx="minor">
+            <a:schemeClr val="lt1"/>
+          </a:fontRef>
+        </p:style>
+        <p:txBody>
+          <a:bodyPr rtlCol="0" anchor="ctr"/>
+          <a:lstStyle/>
+          <a:p>
+            <a:pPr algn="ctr"/>
+            <a:r>
+              <a:rPr lang="en-US" dirty="0"/>
+              <a:t>Update</a:t>
+            </a:r>
+          </a:p>
+        </p:txBody>
+      </p:sp>
+      <p:sp>
+        <p:nvSpPr>
+          <p:cNvPr id="5" name="Left Arrow 4">
+            <a:extLst>
+              <a:ext uri="{FF2B5EF4-FFF2-40B4-BE49-F238E27FC236}">
+                <a16:creationId xmlns:a16="http://schemas.microsoft.com/office/drawing/2014/main" id="{355422AE-6FE1-9143-AF11-B1B91FD29677}"/>
+              </a:ext>
+            </a:extLst>
+          </p:cNvPr>
+          <p:cNvSpPr/>
+          <p:nvPr/>
+        </p:nvSpPr>
+        <p:spPr>
+          <a:xfrm>
+            <a:off x="942392" y="3758389"/>
+            <a:ext cx="1679510" cy="699796"/>
+          </a:xfrm>
+          <a:prstGeom prst="leftArrow">
+            <a:avLst/>
+          </a:prstGeom>
+        </p:spPr>
+        <p:style>
+          <a:lnRef idx="2">
+            <a:schemeClr val="accent1">
+              <a:shade val="50000"/>
+            </a:schemeClr>
+          </a:lnRef>
+          <a:fillRef idx="1">
+            <a:schemeClr val="accent1"/>
+          </a:fillRef>
+          <a:effectRef idx="0">
+            <a:schemeClr val="accent1"/>
+          </a:effectRef>
+          <a:fontRef idx="minor">
+            <a:schemeClr val="lt1"/>
+          </a:fontRef>
+        </p:style>
+        <p:txBody>
+          <a:bodyPr rtlCol="0" anchor="ctr"/>
+          <a:lstStyle/>
+          <a:p>
+            <a:pPr algn="ctr"/>
+            <a:r>
+              <a:rPr lang="en-US" dirty="0"/>
+              <a:t>Get</a:t>
+            </a:r>
+          </a:p>
+        </p:txBody>
+      </p:sp>
+      <p:sp>
+        <p:nvSpPr>
+          <p:cNvPr id="6" name="Rounded Rectangle 5">
+            <a:extLst>
+              <a:ext uri="{FF2B5EF4-FFF2-40B4-BE49-F238E27FC236}">
+                <a16:creationId xmlns:a16="http://schemas.microsoft.com/office/drawing/2014/main" id="{CA4FD535-F092-B54E-9C44-9519B4E5DA53}"/>
+              </a:ext>
+            </a:extLst>
+          </p:cNvPr>
+          <p:cNvSpPr/>
+          <p:nvPr/>
+        </p:nvSpPr>
+        <p:spPr>
+          <a:xfrm>
+            <a:off x="2930003" y="1669400"/>
+            <a:ext cx="2136711" cy="2840103"/>
+          </a:xfrm>
+          <a:prstGeom prst="roundRect">
+            <a:avLst/>
+          </a:prstGeom>
+          <a:noFill/>
+          <a:ln w="38100" cap="flat" cmpd="sng" algn="ctr">
+            <a:solidFill>
+              <a:schemeClr val="accent2"/>
+            </a:solidFill>
+            <a:prstDash val="solid"/>
+            <a:round/>
+            <a:headEnd type="none" w="med" len="med"/>
+            <a:tailEnd type="none" w="med" len="med"/>
+          </a:ln>
+        </p:spPr>
+        <p:style>
+          <a:lnRef idx="0">
+            <a:scrgbClr r="0" g="0" b="0"/>
+          </a:lnRef>
+          <a:fillRef idx="0">
+            <a:scrgbClr r="0" g="0" b="0"/>
+          </a:fillRef>
+          <a:effectRef idx="0">
+            <a:scrgbClr r="0" g="0" b="0"/>
+          </a:effectRef>
+          <a:fontRef idx="minor">
+            <a:schemeClr val="accent2"/>
+          </a:fontRef>
+        </p:style>
+        <p:txBody>
+          <a:bodyPr rtlCol="0" anchor="b"/>
+          <a:lstStyle/>
+          <a:p>
+            <a:pPr algn="ctr"/>
+            <a:r>
+              <a:rPr lang="en-US" dirty="0"/>
+              <a:t>Hot Store</a:t>
+            </a:r>
+          </a:p>
+        </p:txBody>
+      </p:sp>
+      <p:sp>
+        <p:nvSpPr>
+          <p:cNvPr id="7" name="Rounded Rectangle 6">
+            <a:extLst>
+              <a:ext uri="{FF2B5EF4-FFF2-40B4-BE49-F238E27FC236}">
+                <a16:creationId xmlns:a16="http://schemas.microsoft.com/office/drawing/2014/main" id="{4BDDFA9D-538F-524F-8343-511DF64394C4}"/>
+              </a:ext>
+            </a:extLst>
+          </p:cNvPr>
+          <p:cNvSpPr/>
+          <p:nvPr/>
+        </p:nvSpPr>
+        <p:spPr>
+          <a:xfrm>
+            <a:off x="8881190" y="1572209"/>
+            <a:ext cx="2706070" cy="3428998"/>
+          </a:xfrm>
+          <a:prstGeom prst="roundRect">
+            <a:avLst/>
+          </a:prstGeom>
+          <a:noFill/>
+          <a:ln w="38100" cap="flat" cmpd="sng" algn="ctr">
+            <a:solidFill>
+              <a:schemeClr val="accent6"/>
+            </a:solidFill>
+            <a:prstDash val="solid"/>
+            <a:round/>
+            <a:headEnd type="none" w="med" len="med"/>
+            <a:tailEnd type="none" w="med" len="med"/>
+          </a:ln>
+        </p:spPr>
+        <p:style>
+          <a:lnRef idx="0">
+            <a:scrgbClr r="0" g="0" b="0"/>
+          </a:lnRef>
+          <a:fillRef idx="0">
+            <a:scrgbClr r="0" g="0" b="0"/>
+          </a:fillRef>
+          <a:effectRef idx="0">
+            <a:scrgbClr r="0" g="0" b="0"/>
+          </a:effectRef>
+          <a:fontRef idx="minor">
+            <a:schemeClr val="accent6"/>
+          </a:fontRef>
+        </p:style>
+        <p:txBody>
+          <a:bodyPr rtlCol="0" anchor="b"/>
+          <a:lstStyle/>
+          <a:p>
+            <a:pPr algn="ctr"/>
+            <a:r>
+              <a:rPr lang="en-US" dirty="0"/>
+              <a:t>Cold Store</a:t>
+            </a:r>
+          </a:p>
+        </p:txBody>
+      </p:sp>
+      <p:sp>
+        <p:nvSpPr>
+          <p:cNvPr id="8" name="Right Arrow 7">
+            <a:extLst>
+              <a:ext uri="{FF2B5EF4-FFF2-40B4-BE49-F238E27FC236}">
+                <a16:creationId xmlns:a16="http://schemas.microsoft.com/office/drawing/2014/main" id="{00DA4E2B-DC9A-F849-8AC9-913604EB935D}"/>
+              </a:ext>
+            </a:extLst>
+          </p:cNvPr>
+          <p:cNvSpPr/>
+          <p:nvPr/>
+        </p:nvSpPr>
+        <p:spPr>
+          <a:xfrm>
+            <a:off x="5259742" y="2934477"/>
+            <a:ext cx="1199763" cy="671804"/>
+          </a:xfrm>
+          <a:prstGeom prst="rightArrow">
+            <a:avLst/>
+          </a:prstGeom>
+        </p:spPr>
+        <p:style>
+          <a:lnRef idx="2">
+            <a:schemeClr val="accent1">
+              <a:shade val="50000"/>
+            </a:schemeClr>
+          </a:lnRef>
+          <a:fillRef idx="1">
+            <a:schemeClr val="accent1"/>
+          </a:fillRef>
+          <a:effectRef idx="0">
+            <a:schemeClr val="accent1"/>
+          </a:effectRef>
+          <a:fontRef idx="minor">
+            <a:schemeClr val="lt1"/>
+          </a:fontRef>
+        </p:style>
+        <p:txBody>
+          <a:bodyPr rtlCol="0" anchor="ctr"/>
+          <a:lstStyle/>
+          <a:p>
+            <a:pPr algn="ctr"/>
+            <a:r>
+              <a:rPr lang="en-US" dirty="0"/>
+              <a:t>Drain</a:t>
+            </a:r>
+          </a:p>
+        </p:txBody>
+      </p:sp>
+      <p:cxnSp>
+        <p:nvCxnSpPr>
+          <p:cNvPr id="10" name="Elbow Connector 9">
+            <a:extLst>
+              <a:ext uri="{FF2B5EF4-FFF2-40B4-BE49-F238E27FC236}">
+                <a16:creationId xmlns:a16="http://schemas.microsoft.com/office/drawing/2014/main" id="{089DDA95-28A7-C244-AB84-278A0E049C76}"/>
+              </a:ext>
+            </a:extLst>
+          </p:cNvPr>
+          <p:cNvCxnSpPr>
+            <a:cxnSpLocks/>
+            <a:stCxn id="7" idx="2"/>
+            <a:endCxn id="5" idx="2"/>
+          </p:cNvCxnSpPr>
+          <p:nvPr/>
+        </p:nvCxnSpPr>
+        <p:spPr>
+          <a:xfrm rot="5400000" flipH="1">
+            <a:off x="5491747" y="258729"/>
+            <a:ext cx="543022" cy="8941935"/>
+          </a:xfrm>
+          <a:prstGeom prst="bentConnector3">
+            <a:avLst>
+              <a:gd name="adj1" fmla="val -42098"/>
+            </a:avLst>
+          </a:prstGeom>
+          <a:ln>
+            <a:tailEnd type="triangle"/>
+          </a:ln>
+        </p:spPr>
+        <p:style>
+          <a:lnRef idx="1">
+            <a:schemeClr val="accent1"/>
+          </a:lnRef>
+          <a:fillRef idx="0">
+            <a:schemeClr val="accent1"/>
+          </a:fillRef>
+          <a:effectRef idx="0">
+            <a:schemeClr val="accent1"/>
+          </a:effectRef>
+          <a:fontRef idx="minor">
+            <a:schemeClr val="tx1"/>
+          </a:fontRef>
+        </p:style>
+      </p:cxnSp>
+      <p:cxnSp>
+        <p:nvCxnSpPr>
+          <p:cNvPr id="12" name="Elbow Connector 11">
+            <a:extLst>
+              <a:ext uri="{FF2B5EF4-FFF2-40B4-BE49-F238E27FC236}">
+                <a16:creationId xmlns:a16="http://schemas.microsoft.com/office/drawing/2014/main" id="{6BA0A125-6E25-1649-8BC6-E5E9AB0E2F7C}"/>
+              </a:ext>
+            </a:extLst>
+          </p:cNvPr>
+          <p:cNvCxnSpPr>
+            <a:cxnSpLocks/>
+            <a:stCxn id="6" idx="2"/>
+            <a:endCxn id="5" idx="2"/>
+          </p:cNvCxnSpPr>
+          <p:nvPr/>
+        </p:nvCxnSpPr>
+        <p:spPr>
+          <a:xfrm rot="5400000" flipH="1">
+            <a:off x="2619666" y="3130810"/>
+            <a:ext cx="51318" cy="2706069"/>
+          </a:xfrm>
+          <a:prstGeom prst="bentConnector3">
+            <a:avLst>
+              <a:gd name="adj1" fmla="val -1409104"/>
+            </a:avLst>
+          </a:prstGeom>
+          <a:ln>
+            <a:tailEnd type="triangle"/>
+          </a:ln>
+        </p:spPr>
+        <p:style>
+          <a:lnRef idx="1">
+            <a:schemeClr val="accent1"/>
+          </a:lnRef>
+          <a:fillRef idx="0">
+            <a:schemeClr val="accent1"/>
+          </a:fillRef>
+          <a:effectRef idx="0">
+            <a:schemeClr val="accent1"/>
+          </a:effectRef>
+          <a:fontRef idx="minor">
+            <a:schemeClr val="tx1"/>
+          </a:fontRef>
+        </p:style>
+      </p:cxnSp>
+      <p:sp>
+        <p:nvSpPr>
+          <p:cNvPr id="14" name="Right Arrow 13">
+            <a:extLst>
+              <a:ext uri="{FF2B5EF4-FFF2-40B4-BE49-F238E27FC236}">
+                <a16:creationId xmlns:a16="http://schemas.microsoft.com/office/drawing/2014/main" id="{82E671EC-9D56-184F-9E8A-E2C6532834F6}"/>
+              </a:ext>
+            </a:extLst>
+          </p:cNvPr>
+          <p:cNvSpPr/>
+          <p:nvPr/>
+        </p:nvSpPr>
+        <p:spPr>
+          <a:xfrm>
+            <a:off x="1105678" y="1774663"/>
+            <a:ext cx="1595534" cy="671804"/>
+          </a:xfrm>
+          <a:prstGeom prst="rightArrow">
+            <a:avLst/>
+          </a:prstGeom>
+        </p:spPr>
+        <p:style>
+          <a:lnRef idx="2">
+            <a:schemeClr val="accent1">
+              <a:shade val="50000"/>
+            </a:schemeClr>
+          </a:lnRef>
+          <a:fillRef idx="1">
+            <a:schemeClr val="accent1"/>
+          </a:fillRef>
+          <a:effectRef idx="0">
+            <a:schemeClr val="accent1"/>
+          </a:effectRef>
+          <a:fontRef idx="minor">
+            <a:schemeClr val="lt1"/>
+          </a:fontRef>
+        </p:style>
+        <p:txBody>
+          <a:bodyPr rtlCol="0" anchor="ctr"/>
+          <a:lstStyle/>
+          <a:p>
+            <a:pPr algn="ctr"/>
+            <a:r>
+              <a:rPr lang="en-US" dirty="0"/>
+              <a:t>Set</a:t>
+            </a:r>
+          </a:p>
+        </p:txBody>
+      </p:sp>
+      <p:sp>
+        <p:nvSpPr>
+          <p:cNvPr id="16" name="Rounded Rectangle 15">
+            <a:extLst>
+              <a:ext uri="{FF2B5EF4-FFF2-40B4-BE49-F238E27FC236}">
+                <a16:creationId xmlns:a16="http://schemas.microsoft.com/office/drawing/2014/main" id="{B6855367-8777-0F42-92A0-B2C041AD5911}"/>
+              </a:ext>
+            </a:extLst>
+          </p:cNvPr>
+          <p:cNvSpPr/>
+          <p:nvPr/>
+        </p:nvSpPr>
+        <p:spPr>
+          <a:xfrm>
+            <a:off x="6509658" y="2663112"/>
+            <a:ext cx="1301622" cy="1247191"/>
+          </a:xfrm>
+          <a:prstGeom prst="roundRect">
+            <a:avLst/>
+          </a:prstGeom>
+        </p:spPr>
+        <p:style>
+          <a:lnRef idx="2">
+            <a:schemeClr val="accent3">
+              <a:shade val="50000"/>
+            </a:schemeClr>
+          </a:lnRef>
+          <a:fillRef idx="1">
+            <a:schemeClr val="accent3"/>
+          </a:fillRef>
+          <a:effectRef idx="0">
+            <a:schemeClr val="accent3"/>
+          </a:effectRef>
+          <a:fontRef idx="minor">
+            <a:schemeClr val="lt1"/>
+          </a:fontRef>
+        </p:style>
+        <p:txBody>
+          <a:bodyPr rtlCol="0" anchor="ctr"/>
+          <a:lstStyle/>
+          <a:p>
+            <a:pPr algn="ctr"/>
+            <a:r>
+              <a:rPr lang="en-US" dirty="0"/>
+              <a:t>Summary Compute</a:t>
+            </a:r>
+          </a:p>
+        </p:txBody>
+      </p:sp>
+      <p:cxnSp>
+        <p:nvCxnSpPr>
+          <p:cNvPr id="25" name="Straight Arrow Connector 24">
+            <a:extLst>
+              <a:ext uri="{FF2B5EF4-FFF2-40B4-BE49-F238E27FC236}">
+                <a16:creationId xmlns:a16="http://schemas.microsoft.com/office/drawing/2014/main" id="{B17375D7-1BD0-3946-B56B-D582967E9D8A}"/>
+              </a:ext>
+            </a:extLst>
+          </p:cNvPr>
+          <p:cNvCxnSpPr>
+            <a:cxnSpLocks/>
+            <a:stCxn id="16" idx="3"/>
+            <a:endCxn id="7" idx="1"/>
+          </p:cNvCxnSpPr>
+          <p:nvPr/>
+        </p:nvCxnSpPr>
+        <p:spPr>
+          <a:xfrm>
+            <a:off x="7811280" y="3286708"/>
+            <a:ext cx="1069910" cy="0"/>
+          </a:xfrm>
+          <a:prstGeom prst="straightConnector1">
+            <a:avLst/>
+          </a:prstGeom>
+          <a:ln>
+            <a:tailEnd type="triangle"/>
+          </a:ln>
+        </p:spPr>
+        <p:style>
+          <a:lnRef idx="1">
+            <a:schemeClr val="accent1"/>
+          </a:lnRef>
+          <a:fillRef idx="0">
+            <a:schemeClr val="accent1"/>
+          </a:fillRef>
+          <a:effectRef idx="0">
+            <a:schemeClr val="accent1"/>
+          </a:effectRef>
+          <a:fontRef idx="minor">
+            <a:schemeClr val="tx1"/>
+          </a:fontRef>
+        </p:style>
+      </p:cxnSp>
+      <p:cxnSp>
+        <p:nvCxnSpPr>
+          <p:cNvPr id="28" name="Elbow Connector 27">
+            <a:extLst>
+              <a:ext uri="{FF2B5EF4-FFF2-40B4-BE49-F238E27FC236}">
+                <a16:creationId xmlns:a16="http://schemas.microsoft.com/office/drawing/2014/main" id="{D51635EF-3B24-4843-897B-FDA17526B152}"/>
+              </a:ext>
+            </a:extLst>
+          </p:cNvPr>
+          <p:cNvCxnSpPr>
+            <a:stCxn id="8" idx="2"/>
+          </p:cNvCxnSpPr>
+          <p:nvPr/>
+        </p:nvCxnSpPr>
+        <p:spPr>
+          <a:xfrm rot="16200000" flipH="1">
+            <a:off x="7051368" y="2678516"/>
+            <a:ext cx="851904" cy="2707434"/>
+          </a:xfrm>
+          <a:prstGeom prst="bentConnector2">
+            <a:avLst/>
+          </a:prstGeom>
+          <a:ln>
+            <a:tailEnd type="triangle"/>
+          </a:ln>
+        </p:spPr>
+        <p:style>
+          <a:lnRef idx="1">
+            <a:schemeClr val="accent1"/>
+          </a:lnRef>
+          <a:fillRef idx="0">
+            <a:schemeClr val="accent1"/>
+          </a:fillRef>
+          <a:effectRef idx="0">
+            <a:schemeClr val="accent1"/>
+          </a:effectRef>
+          <a:fontRef idx="minor">
+            <a:schemeClr val="tx1"/>
+          </a:fontRef>
+        </p:style>
+      </p:cxnSp>
+      <p:sp>
+        <p:nvSpPr>
+          <p:cNvPr id="29" name="TextBox 28">
+            <a:extLst>
+              <a:ext uri="{FF2B5EF4-FFF2-40B4-BE49-F238E27FC236}">
+                <a16:creationId xmlns:a16="http://schemas.microsoft.com/office/drawing/2014/main" id="{FEDF6397-9D5A-ED42-BBEF-AA7C1A041EE0}"/>
               </a:ext>
             </a:extLst>
           </p:cNvPr>
@@ -3393,8 +4862,8 @@
         </p:nvSpPr>
         <p:spPr>
           <a:xfrm>
-            <a:off x="838200" y="1506022"/>
-            <a:ext cx="4557017" cy="369332"/>
+            <a:off x="8149358" y="4247894"/>
+            <a:ext cx="468398" cy="261610"/>
           </a:xfrm>
           <a:prstGeom prst="rect">
             <a:avLst/>
@@ -3407,41 +4876,2358 @@
           </a:bodyPr>
           <a:lstStyle/>
           <a:p>
-            <a:pPr marL="285750" indent="-285750">
-              <a:buFont typeface="Arial" panose="020B0604020202020204" pitchFamily="34" charset="0"/>
-              <a:buChar char="•"/>
+            <a:r>
+              <a:rPr lang="en-US" sz="1100" dirty="0"/>
+              <a:t>RAW</a:t>
+            </a:r>
+          </a:p>
+        </p:txBody>
+      </p:sp>
+      <p:sp>
+        <p:nvSpPr>
+          <p:cNvPr id="31" name="TextBox 30">
+            <a:extLst>
+              <a:ext uri="{FF2B5EF4-FFF2-40B4-BE49-F238E27FC236}">
+                <a16:creationId xmlns:a16="http://schemas.microsoft.com/office/drawing/2014/main" id="{D104BC97-258F-BA4B-A34B-DFC12EDB19EE}"/>
+              </a:ext>
+            </a:extLst>
+          </p:cNvPr>
+          <p:cNvSpPr txBox="1"/>
+          <p:nvPr/>
+        </p:nvSpPr>
+        <p:spPr>
+          <a:xfrm>
+            <a:off x="8074714" y="3044066"/>
+            <a:ext cx="728084" cy="261610"/>
+          </a:xfrm>
+          <a:prstGeom prst="rect">
+            <a:avLst/>
+          </a:prstGeom>
+          <a:noFill/>
+        </p:spPr>
+        <p:txBody>
+          <a:bodyPr wrap="none" rtlCol="0">
+            <a:spAutoFit/>
+          </a:bodyPr>
+          <a:lstStyle/>
+          <a:p>
+            <a:r>
+              <a:rPr lang="en-US" sz="1100" dirty="0"/>
+              <a:t>Summary</a:t>
+            </a:r>
+          </a:p>
+        </p:txBody>
+      </p:sp>
+      <p:sp>
+        <p:nvSpPr>
+          <p:cNvPr id="41" name="Can 40">
+            <a:extLst>
+              <a:ext uri="{FF2B5EF4-FFF2-40B4-BE49-F238E27FC236}">
+                <a16:creationId xmlns:a16="http://schemas.microsoft.com/office/drawing/2014/main" id="{69498F1C-D4B2-FD4D-B367-C05D56708273}"/>
+              </a:ext>
+            </a:extLst>
+          </p:cNvPr>
+          <p:cNvSpPr/>
+          <p:nvPr/>
+        </p:nvSpPr>
+        <p:spPr>
+          <a:xfrm>
+            <a:off x="9699271" y="2721609"/>
+            <a:ext cx="1069910" cy="975090"/>
+          </a:xfrm>
+          <a:prstGeom prst="can">
+            <a:avLst/>
+          </a:prstGeom>
+        </p:spPr>
+        <p:style>
+          <a:lnRef idx="2">
+            <a:schemeClr val="accent1">
+              <a:shade val="50000"/>
+            </a:schemeClr>
+          </a:lnRef>
+          <a:fillRef idx="1">
+            <a:schemeClr val="accent1"/>
+          </a:fillRef>
+          <a:effectRef idx="0">
+            <a:schemeClr val="accent1"/>
+          </a:effectRef>
+          <a:fontRef idx="minor">
+            <a:schemeClr val="lt1"/>
+          </a:fontRef>
+        </p:style>
+        <p:txBody>
+          <a:bodyPr rtlCol="0" anchor="ctr"/>
+          <a:lstStyle/>
+          <a:p>
+            <a:pPr algn="ctr"/>
+            <a:r>
+              <a:rPr lang="en-US" dirty="0"/>
+              <a:t>PG</a:t>
+            </a:r>
+          </a:p>
+        </p:txBody>
+      </p:sp>
+      <p:sp>
+        <p:nvSpPr>
+          <p:cNvPr id="43" name="Rectangle 42">
+            <a:extLst>
+              <a:ext uri="{FF2B5EF4-FFF2-40B4-BE49-F238E27FC236}">
+                <a16:creationId xmlns:a16="http://schemas.microsoft.com/office/drawing/2014/main" id="{EC845CE5-37BF-3A42-95A2-B3F5F2753C35}"/>
+              </a:ext>
+            </a:extLst>
+          </p:cNvPr>
+          <p:cNvSpPr/>
+          <p:nvPr/>
+        </p:nvSpPr>
+        <p:spPr>
+          <a:xfrm>
+            <a:off x="9631482" y="4089398"/>
+            <a:ext cx="1362269" cy="381776"/>
+          </a:xfrm>
+          <a:prstGeom prst="rect">
+            <a:avLst/>
+          </a:prstGeom>
+        </p:spPr>
+        <p:style>
+          <a:lnRef idx="2">
+            <a:schemeClr val="accent1">
+              <a:shade val="50000"/>
+            </a:schemeClr>
+          </a:lnRef>
+          <a:fillRef idx="1">
+            <a:schemeClr val="accent1"/>
+          </a:fillRef>
+          <a:effectRef idx="0">
+            <a:schemeClr val="accent1"/>
+          </a:effectRef>
+          <a:fontRef idx="minor">
+            <a:schemeClr val="lt1"/>
+          </a:fontRef>
+        </p:style>
+        <p:txBody>
+          <a:bodyPr rtlCol="0" anchor="ctr"/>
+          <a:lstStyle/>
+          <a:p>
+            <a:pPr algn="ctr"/>
+            <a:r>
+              <a:rPr lang="en-US" dirty="0"/>
+              <a:t>FS</a:t>
+            </a:r>
+          </a:p>
+        </p:txBody>
+      </p:sp>
+      <p:sp>
+        <p:nvSpPr>
+          <p:cNvPr id="42" name="Rectangle 41">
+            <a:extLst>
+              <a:ext uri="{FF2B5EF4-FFF2-40B4-BE49-F238E27FC236}">
+                <a16:creationId xmlns:a16="http://schemas.microsoft.com/office/drawing/2014/main" id="{5B270B34-2BDE-864B-9A9C-8F76C7F69D8F}"/>
+              </a:ext>
+            </a:extLst>
+          </p:cNvPr>
+          <p:cNvSpPr/>
+          <p:nvPr/>
+        </p:nvSpPr>
+        <p:spPr>
+          <a:xfrm>
+            <a:off x="9553090" y="4187811"/>
+            <a:ext cx="1362269" cy="381776"/>
+          </a:xfrm>
+          <a:prstGeom prst="rect">
+            <a:avLst/>
+          </a:prstGeom>
+        </p:spPr>
+        <p:style>
+          <a:lnRef idx="2">
+            <a:schemeClr val="accent1">
+              <a:shade val="50000"/>
+            </a:schemeClr>
+          </a:lnRef>
+          <a:fillRef idx="1">
+            <a:schemeClr val="accent1"/>
+          </a:fillRef>
+          <a:effectRef idx="0">
+            <a:schemeClr val="accent1"/>
+          </a:effectRef>
+          <a:fontRef idx="minor">
+            <a:schemeClr val="lt1"/>
+          </a:fontRef>
+        </p:style>
+        <p:txBody>
+          <a:bodyPr rtlCol="0" anchor="ctr"/>
+          <a:lstStyle/>
+          <a:p>
+            <a:pPr algn="ctr"/>
+            <a:r>
+              <a:rPr lang="en-US" dirty="0"/>
+              <a:t>FS</a:t>
+            </a:r>
+          </a:p>
+        </p:txBody>
+      </p:sp>
+      <p:sp>
+        <p:nvSpPr>
+          <p:cNvPr id="19" name="Can 18">
+            <a:extLst>
+              <a:ext uri="{FF2B5EF4-FFF2-40B4-BE49-F238E27FC236}">
+                <a16:creationId xmlns:a16="http://schemas.microsoft.com/office/drawing/2014/main" id="{0111FAF5-B9CC-E54D-AD41-8220B8859940}"/>
+              </a:ext>
+            </a:extLst>
+          </p:cNvPr>
+          <p:cNvSpPr/>
+          <p:nvPr/>
+        </p:nvSpPr>
+        <p:spPr>
+          <a:xfrm>
+            <a:off x="3463403" y="2234064"/>
+            <a:ext cx="1069910" cy="975090"/>
+          </a:xfrm>
+          <a:prstGeom prst="can">
+            <a:avLst/>
+          </a:prstGeom>
+        </p:spPr>
+        <p:style>
+          <a:lnRef idx="2">
+            <a:schemeClr val="accent1">
+              <a:shade val="50000"/>
+            </a:schemeClr>
+          </a:lnRef>
+          <a:fillRef idx="1">
+            <a:schemeClr val="accent1"/>
+          </a:fillRef>
+          <a:effectRef idx="0">
+            <a:schemeClr val="accent1"/>
+          </a:effectRef>
+          <a:fontRef idx="minor">
+            <a:schemeClr val="lt1"/>
+          </a:fontRef>
+        </p:style>
+        <p:txBody>
+          <a:bodyPr rtlCol="0" anchor="ctr"/>
+          <a:lstStyle/>
+          <a:p>
+            <a:pPr algn="ctr"/>
+            <a:r>
+              <a:rPr lang="en-US" dirty="0"/>
+              <a:t>RAM</a:t>
+            </a:r>
+          </a:p>
+        </p:txBody>
+      </p:sp>
+      <p:sp>
+        <p:nvSpPr>
+          <p:cNvPr id="3" name="TextBox 2">
+            <a:extLst>
+              <a:ext uri="{FF2B5EF4-FFF2-40B4-BE49-F238E27FC236}">
+                <a16:creationId xmlns:a16="http://schemas.microsoft.com/office/drawing/2014/main" id="{5306D4B9-050E-A749-89FB-1DCFE889009B}"/>
+              </a:ext>
+            </a:extLst>
+          </p:cNvPr>
+          <p:cNvSpPr txBox="1"/>
+          <p:nvPr/>
+        </p:nvSpPr>
+        <p:spPr>
+          <a:xfrm>
+            <a:off x="467585" y="5514986"/>
+            <a:ext cx="4065728" cy="923330"/>
+          </a:xfrm>
+          <a:prstGeom prst="rect">
+            <a:avLst/>
+          </a:prstGeom>
+          <a:noFill/>
+        </p:spPr>
+        <p:txBody>
+          <a:bodyPr wrap="none" rtlCol="0">
+            <a:spAutoFit/>
+          </a:bodyPr>
+          <a:lstStyle/>
+          <a:p>
+            <a:r>
+              <a:rPr lang="en-US" dirty="0"/>
+              <a:t>Pro:</a:t>
+            </a:r>
+          </a:p>
+          <a:p>
+            <a:pPr marL="342900" indent="-342900">
+              <a:buFont typeface="+mj-lt"/>
+              <a:buAutoNum type="arabicPeriod"/>
             </a:pPr>
             <a:r>
               <a:rPr lang="en-US" dirty="0"/>
-              <a:t>Maximizing TPS making it a data gobbler </a:t>
-            </a:r>
-            <a:r>
-              <a:rPr lang="en-US" dirty="0">
-                <a:sym typeface="Wingdings" pitchFamily="2" charset="2"/>
-              </a:rPr>
-              <a:t></a:t>
-            </a:r>
+              <a:t>Lighting speed writes DDR4 25GB/Sec</a:t>
+            </a:r>
+          </a:p>
+          <a:p>
+            <a:pPr marL="342900" indent="-342900">
+              <a:buFont typeface="+mj-lt"/>
+              <a:buAutoNum type="arabicPeriod"/>
+            </a:pPr>
+            <a:endParaRPr lang="en-US" dirty="0"/>
+          </a:p>
+        </p:txBody>
+      </p:sp>
+      <p:sp>
+        <p:nvSpPr>
+          <p:cNvPr id="21" name="TextBox 20">
+            <a:extLst>
+              <a:ext uri="{FF2B5EF4-FFF2-40B4-BE49-F238E27FC236}">
+                <a16:creationId xmlns:a16="http://schemas.microsoft.com/office/drawing/2014/main" id="{9D945424-01D7-5C45-BE1D-135FFFFCD6DE}"/>
+              </a:ext>
+            </a:extLst>
+          </p:cNvPr>
+          <p:cNvSpPr txBox="1"/>
+          <p:nvPr/>
+        </p:nvSpPr>
+        <p:spPr>
+          <a:xfrm>
+            <a:off x="6267857" y="5361408"/>
+            <a:ext cx="5456558" cy="1754326"/>
+          </a:xfrm>
+          <a:prstGeom prst="rect">
+            <a:avLst/>
+          </a:prstGeom>
+          <a:noFill/>
+        </p:spPr>
+        <p:txBody>
+          <a:bodyPr wrap="none" rtlCol="0">
+            <a:spAutoFit/>
+          </a:bodyPr>
+          <a:lstStyle/>
+          <a:p>
             <a:r>
               <a:rPr lang="en-US" dirty="0"/>
-              <a:t> </a:t>
-            </a:r>
+              <a:t>Con:</a:t>
+            </a:r>
+          </a:p>
+          <a:p>
+            <a:pPr marL="342900" indent="-342900">
+              <a:buFont typeface="+mj-lt"/>
+              <a:buAutoNum type="arabicPeriod"/>
+            </a:pPr>
+            <a:r>
+              <a:rPr lang="en-US" dirty="0"/>
+              <a:t>RAM is constrained in space 128GB max.</a:t>
+            </a:r>
+          </a:p>
+          <a:p>
+            <a:pPr marL="342900" indent="-342900">
+              <a:buFont typeface="+mj-lt"/>
+              <a:buAutoNum type="arabicPeriod"/>
+            </a:pPr>
+            <a:r>
+              <a:rPr lang="en-US" dirty="0"/>
+              <a:t>Cache eviction policies.</a:t>
+            </a:r>
+          </a:p>
+          <a:p>
+            <a:pPr marL="342900" indent="-342900">
+              <a:buFont typeface="+mj-lt"/>
+              <a:buAutoNum type="arabicPeriod"/>
+            </a:pPr>
+            <a:r>
+              <a:rPr lang="en-US" dirty="0"/>
+              <a:t>This is acts as Q Match IP / OP rates.</a:t>
+            </a:r>
+          </a:p>
+          <a:p>
+            <a:pPr marL="342900" indent="-342900">
+              <a:buFont typeface="+mj-lt"/>
+              <a:buAutoNum type="arabicPeriod"/>
+            </a:pPr>
+            <a:r>
+              <a:rPr lang="en-US" dirty="0"/>
+              <a:t>Reading data for client should be analogues to store.</a:t>
+            </a:r>
+          </a:p>
+          <a:p>
+            <a:pPr marL="342900" indent="-342900">
+              <a:buFont typeface="+mj-lt"/>
+              <a:buAutoNum type="arabicPeriod"/>
+            </a:pPr>
+            <a:endParaRPr lang="en-US" dirty="0"/>
           </a:p>
         </p:txBody>
       </p:sp>
     </p:spTree>
     <p:extLst>
       <p:ext uri="{BB962C8B-B14F-4D97-AF65-F5344CB8AC3E}">
-        <p14:creationId xmlns:p14="http://schemas.microsoft.com/office/powerpoint/2010/main" val="421957922"/>
+        <p14:creationId xmlns:p14="http://schemas.microsoft.com/office/powerpoint/2010/main" val="380936090"/>
       </p:ext>
     </p:extLst>
   </p:cSld>
   <p:clrMapOvr>
     <a:masterClrMapping/>
   </p:clrMapOvr>
+  <p:timing>
+    <p:tnLst>
+      <p:par>
+        <p:cTn id="1" dur="indefinite" restart="never" nodeType="tmRoot">
+          <p:childTnLst>
+            <p:seq concurrent="1" nextAc="seek">
+              <p:cTn id="2" dur="indefinite" nodeType="mainSeq">
+                <p:childTnLst>
+                  <p:par>
+                    <p:cTn id="3" fill="hold">
+                      <p:stCondLst>
+                        <p:cond delay="indefinite"/>
+                      </p:stCondLst>
+                      <p:childTnLst>
+                        <p:par>
+                          <p:cTn id="4" fill="hold">
+                            <p:stCondLst>
+                              <p:cond delay="0"/>
+                            </p:stCondLst>
+                            <p:childTnLst>
+                              <p:par>
+                                <p:cTn id="5" presetID="1" presetClass="entr" presetSubtype="0" fill="hold" grpId="0" nodeType="clickEffect">
+                                  <p:stCondLst>
+                                    <p:cond delay="0"/>
+                                  </p:stCondLst>
+                                  <p:childTnLst>
+                                    <p:set>
+                                      <p:cBhvr>
+                                        <p:cTn id="6" dur="1" fill="hold">
+                                          <p:stCondLst>
+                                            <p:cond delay="0"/>
+                                          </p:stCondLst>
+                                        </p:cTn>
+                                        <p:tgtEl>
+                                          <p:spTgt spid="14"/>
+                                        </p:tgtEl>
+                                        <p:attrNameLst>
+                                          <p:attrName>style.visibility</p:attrName>
+                                        </p:attrNameLst>
+                                      </p:cBhvr>
+                                      <p:to>
+                                        <p:strVal val="visible"/>
+                                      </p:to>
+                                    </p:set>
+                                  </p:childTnLst>
+                                </p:cTn>
+                              </p:par>
+                              <p:par>
+                                <p:cTn id="7" presetID="1" presetClass="entr" presetSubtype="0" fill="hold" grpId="0" nodeType="withEffect">
+                                  <p:stCondLst>
+                                    <p:cond delay="0"/>
+                                  </p:stCondLst>
+                                  <p:childTnLst>
+                                    <p:set>
+                                      <p:cBhvr>
+                                        <p:cTn id="8" dur="1" fill="hold">
+                                          <p:stCondLst>
+                                            <p:cond delay="0"/>
+                                          </p:stCondLst>
+                                        </p:cTn>
+                                        <p:tgtEl>
+                                          <p:spTgt spid="4"/>
+                                        </p:tgtEl>
+                                        <p:attrNameLst>
+                                          <p:attrName>style.visibility</p:attrName>
+                                        </p:attrNameLst>
+                                      </p:cBhvr>
+                                      <p:to>
+                                        <p:strVal val="visible"/>
+                                      </p:to>
+                                    </p:set>
+                                  </p:childTnLst>
+                                </p:cTn>
+                              </p:par>
+                            </p:childTnLst>
+                          </p:cTn>
+                        </p:par>
+                      </p:childTnLst>
+                    </p:cTn>
+                  </p:par>
+                  <p:par>
+                    <p:cTn id="9" fill="hold">
+                      <p:stCondLst>
+                        <p:cond delay="indefinite"/>
+                      </p:stCondLst>
+                      <p:childTnLst>
+                        <p:par>
+                          <p:cTn id="10" fill="hold">
+                            <p:stCondLst>
+                              <p:cond delay="0"/>
+                            </p:stCondLst>
+                            <p:childTnLst>
+                              <p:par>
+                                <p:cTn id="11" presetID="1" presetClass="entr" presetSubtype="0" fill="hold" grpId="0" nodeType="clickEffect">
+                                  <p:stCondLst>
+                                    <p:cond delay="0"/>
+                                  </p:stCondLst>
+                                  <p:childTnLst>
+                                    <p:set>
+                                      <p:cBhvr>
+                                        <p:cTn id="12" dur="1" fill="hold">
+                                          <p:stCondLst>
+                                            <p:cond delay="0"/>
+                                          </p:stCondLst>
+                                        </p:cTn>
+                                        <p:tgtEl>
+                                          <p:spTgt spid="6"/>
+                                        </p:tgtEl>
+                                        <p:attrNameLst>
+                                          <p:attrName>style.visibility</p:attrName>
+                                        </p:attrNameLst>
+                                      </p:cBhvr>
+                                      <p:to>
+                                        <p:strVal val="visible"/>
+                                      </p:to>
+                                    </p:set>
+                                  </p:childTnLst>
+                                </p:cTn>
+                              </p:par>
+                              <p:par>
+                                <p:cTn id="13" presetID="1" presetClass="entr" presetSubtype="0" fill="hold" grpId="0" nodeType="withEffect">
+                                  <p:stCondLst>
+                                    <p:cond delay="0"/>
+                                  </p:stCondLst>
+                                  <p:childTnLst>
+                                    <p:set>
+                                      <p:cBhvr>
+                                        <p:cTn id="14" dur="1" fill="hold">
+                                          <p:stCondLst>
+                                            <p:cond delay="0"/>
+                                          </p:stCondLst>
+                                        </p:cTn>
+                                        <p:tgtEl>
+                                          <p:spTgt spid="19"/>
+                                        </p:tgtEl>
+                                        <p:attrNameLst>
+                                          <p:attrName>style.visibility</p:attrName>
+                                        </p:attrNameLst>
+                                      </p:cBhvr>
+                                      <p:to>
+                                        <p:strVal val="visible"/>
+                                      </p:to>
+                                    </p:set>
+                                  </p:childTnLst>
+                                </p:cTn>
+                              </p:par>
+                            </p:childTnLst>
+                          </p:cTn>
+                        </p:par>
+                      </p:childTnLst>
+                    </p:cTn>
+                  </p:par>
+                  <p:par>
+                    <p:cTn id="15" fill="hold">
+                      <p:stCondLst>
+                        <p:cond delay="indefinite"/>
+                      </p:stCondLst>
+                      <p:childTnLst>
+                        <p:par>
+                          <p:cTn id="16" fill="hold">
+                            <p:stCondLst>
+                              <p:cond delay="0"/>
+                            </p:stCondLst>
+                            <p:childTnLst>
+                              <p:par>
+                                <p:cTn id="17" presetID="1" presetClass="entr" presetSubtype="0" fill="hold" grpId="0" nodeType="clickEffect">
+                                  <p:stCondLst>
+                                    <p:cond delay="0"/>
+                                  </p:stCondLst>
+                                  <p:childTnLst>
+                                    <p:set>
+                                      <p:cBhvr>
+                                        <p:cTn id="18" dur="1" fill="hold">
+                                          <p:stCondLst>
+                                            <p:cond delay="0"/>
+                                          </p:stCondLst>
+                                        </p:cTn>
+                                        <p:tgtEl>
+                                          <p:spTgt spid="5"/>
+                                        </p:tgtEl>
+                                        <p:attrNameLst>
+                                          <p:attrName>style.visibility</p:attrName>
+                                        </p:attrNameLst>
+                                      </p:cBhvr>
+                                      <p:to>
+                                        <p:strVal val="visible"/>
+                                      </p:to>
+                                    </p:set>
+                                  </p:childTnLst>
+                                </p:cTn>
+                              </p:par>
+                            </p:childTnLst>
+                          </p:cTn>
+                        </p:par>
+                      </p:childTnLst>
+                    </p:cTn>
+                  </p:par>
+                  <p:par>
+                    <p:cTn id="19" fill="hold">
+                      <p:stCondLst>
+                        <p:cond delay="indefinite"/>
+                      </p:stCondLst>
+                      <p:childTnLst>
+                        <p:par>
+                          <p:cTn id="20" fill="hold">
+                            <p:stCondLst>
+                              <p:cond delay="0"/>
+                            </p:stCondLst>
+                            <p:childTnLst>
+                              <p:par>
+                                <p:cTn id="21" presetID="1" presetClass="entr" presetSubtype="0" fill="hold" grpId="0" nodeType="clickEffect">
+                                  <p:stCondLst>
+                                    <p:cond delay="0"/>
+                                  </p:stCondLst>
+                                  <p:childTnLst>
+                                    <p:set>
+                                      <p:cBhvr>
+                                        <p:cTn id="22" dur="1" fill="hold">
+                                          <p:stCondLst>
+                                            <p:cond delay="0"/>
+                                          </p:stCondLst>
+                                        </p:cTn>
+                                        <p:tgtEl>
+                                          <p:spTgt spid="8"/>
+                                        </p:tgtEl>
+                                        <p:attrNameLst>
+                                          <p:attrName>style.visibility</p:attrName>
+                                        </p:attrNameLst>
+                                      </p:cBhvr>
+                                      <p:to>
+                                        <p:strVal val="visible"/>
+                                      </p:to>
+                                    </p:set>
+                                  </p:childTnLst>
+                                </p:cTn>
+                              </p:par>
+                            </p:childTnLst>
+                          </p:cTn>
+                        </p:par>
+                      </p:childTnLst>
+                    </p:cTn>
+                  </p:par>
+                  <p:par>
+                    <p:cTn id="23" fill="hold">
+                      <p:stCondLst>
+                        <p:cond delay="indefinite"/>
+                      </p:stCondLst>
+                      <p:childTnLst>
+                        <p:par>
+                          <p:cTn id="24" fill="hold">
+                            <p:stCondLst>
+                              <p:cond delay="0"/>
+                            </p:stCondLst>
+                            <p:childTnLst>
+                              <p:par>
+                                <p:cTn id="25" presetID="1" presetClass="entr" presetSubtype="0" fill="hold" nodeType="clickEffect">
+                                  <p:stCondLst>
+                                    <p:cond delay="0"/>
+                                  </p:stCondLst>
+                                  <p:childTnLst>
+                                    <p:set>
+                                      <p:cBhvr>
+                                        <p:cTn id="26" dur="1" fill="hold">
+                                          <p:stCondLst>
+                                            <p:cond delay="0"/>
+                                          </p:stCondLst>
+                                        </p:cTn>
+                                        <p:tgtEl>
+                                          <p:spTgt spid="28"/>
+                                        </p:tgtEl>
+                                        <p:attrNameLst>
+                                          <p:attrName>style.visibility</p:attrName>
+                                        </p:attrNameLst>
+                                      </p:cBhvr>
+                                      <p:to>
+                                        <p:strVal val="visible"/>
+                                      </p:to>
+                                    </p:set>
+                                  </p:childTnLst>
+                                </p:cTn>
+                              </p:par>
+                              <p:par>
+                                <p:cTn id="27" presetID="1" presetClass="entr" presetSubtype="0" fill="hold" grpId="0" nodeType="withEffect">
+                                  <p:stCondLst>
+                                    <p:cond delay="0"/>
+                                  </p:stCondLst>
+                                  <p:childTnLst>
+                                    <p:set>
+                                      <p:cBhvr>
+                                        <p:cTn id="28" dur="1" fill="hold">
+                                          <p:stCondLst>
+                                            <p:cond delay="0"/>
+                                          </p:stCondLst>
+                                        </p:cTn>
+                                        <p:tgtEl>
+                                          <p:spTgt spid="29"/>
+                                        </p:tgtEl>
+                                        <p:attrNameLst>
+                                          <p:attrName>style.visibility</p:attrName>
+                                        </p:attrNameLst>
+                                      </p:cBhvr>
+                                      <p:to>
+                                        <p:strVal val="visible"/>
+                                      </p:to>
+                                    </p:set>
+                                  </p:childTnLst>
+                                </p:cTn>
+                              </p:par>
+                            </p:childTnLst>
+                          </p:cTn>
+                        </p:par>
+                      </p:childTnLst>
+                    </p:cTn>
+                  </p:par>
+                  <p:par>
+                    <p:cTn id="29" fill="hold">
+                      <p:stCondLst>
+                        <p:cond delay="indefinite"/>
+                      </p:stCondLst>
+                      <p:childTnLst>
+                        <p:par>
+                          <p:cTn id="30" fill="hold">
+                            <p:stCondLst>
+                              <p:cond delay="0"/>
+                            </p:stCondLst>
+                            <p:childTnLst>
+                              <p:par>
+                                <p:cTn id="31" presetID="1" presetClass="entr" presetSubtype="0" fill="hold" grpId="0" nodeType="clickEffect">
+                                  <p:stCondLst>
+                                    <p:cond delay="0"/>
+                                  </p:stCondLst>
+                                  <p:childTnLst>
+                                    <p:set>
+                                      <p:cBhvr>
+                                        <p:cTn id="32" dur="1" fill="hold">
+                                          <p:stCondLst>
+                                            <p:cond delay="0"/>
+                                          </p:stCondLst>
+                                        </p:cTn>
+                                        <p:tgtEl>
+                                          <p:spTgt spid="16"/>
+                                        </p:tgtEl>
+                                        <p:attrNameLst>
+                                          <p:attrName>style.visibility</p:attrName>
+                                        </p:attrNameLst>
+                                      </p:cBhvr>
+                                      <p:to>
+                                        <p:strVal val="visible"/>
+                                      </p:to>
+                                    </p:set>
+                                  </p:childTnLst>
+                                </p:cTn>
+                              </p:par>
+                            </p:childTnLst>
+                          </p:cTn>
+                        </p:par>
+                      </p:childTnLst>
+                    </p:cTn>
+                  </p:par>
+                  <p:par>
+                    <p:cTn id="33" fill="hold">
+                      <p:stCondLst>
+                        <p:cond delay="indefinite"/>
+                      </p:stCondLst>
+                      <p:childTnLst>
+                        <p:par>
+                          <p:cTn id="34" fill="hold">
+                            <p:stCondLst>
+                              <p:cond delay="0"/>
+                            </p:stCondLst>
+                            <p:childTnLst>
+                              <p:par>
+                                <p:cTn id="35" presetID="1" presetClass="entr" presetSubtype="0" fill="hold" grpId="0" nodeType="clickEffect">
+                                  <p:stCondLst>
+                                    <p:cond delay="0"/>
+                                  </p:stCondLst>
+                                  <p:childTnLst>
+                                    <p:set>
+                                      <p:cBhvr>
+                                        <p:cTn id="36" dur="1" fill="hold">
+                                          <p:stCondLst>
+                                            <p:cond delay="0"/>
+                                          </p:stCondLst>
+                                        </p:cTn>
+                                        <p:tgtEl>
+                                          <p:spTgt spid="42"/>
+                                        </p:tgtEl>
+                                        <p:attrNameLst>
+                                          <p:attrName>style.visibility</p:attrName>
+                                        </p:attrNameLst>
+                                      </p:cBhvr>
+                                      <p:to>
+                                        <p:strVal val="visible"/>
+                                      </p:to>
+                                    </p:set>
+                                  </p:childTnLst>
+                                </p:cTn>
+                              </p:par>
+                              <p:par>
+                                <p:cTn id="37" presetID="1" presetClass="entr" presetSubtype="0" fill="hold" grpId="0" nodeType="withEffect">
+                                  <p:stCondLst>
+                                    <p:cond delay="0"/>
+                                  </p:stCondLst>
+                                  <p:childTnLst>
+                                    <p:set>
+                                      <p:cBhvr>
+                                        <p:cTn id="38" dur="1" fill="hold">
+                                          <p:stCondLst>
+                                            <p:cond delay="0"/>
+                                          </p:stCondLst>
+                                        </p:cTn>
+                                        <p:tgtEl>
+                                          <p:spTgt spid="43"/>
+                                        </p:tgtEl>
+                                        <p:attrNameLst>
+                                          <p:attrName>style.visibility</p:attrName>
+                                        </p:attrNameLst>
+                                      </p:cBhvr>
+                                      <p:to>
+                                        <p:strVal val="visible"/>
+                                      </p:to>
+                                    </p:set>
+                                  </p:childTnLst>
+                                </p:cTn>
+                              </p:par>
+                            </p:childTnLst>
+                          </p:cTn>
+                        </p:par>
+                      </p:childTnLst>
+                    </p:cTn>
+                  </p:par>
+                  <p:par>
+                    <p:cTn id="39" fill="hold">
+                      <p:stCondLst>
+                        <p:cond delay="indefinite"/>
+                      </p:stCondLst>
+                      <p:childTnLst>
+                        <p:par>
+                          <p:cTn id="40" fill="hold">
+                            <p:stCondLst>
+                              <p:cond delay="0"/>
+                            </p:stCondLst>
+                            <p:childTnLst>
+                              <p:par>
+                                <p:cTn id="41" presetID="1" presetClass="entr" presetSubtype="0" fill="hold" grpId="0" nodeType="clickEffect">
+                                  <p:stCondLst>
+                                    <p:cond delay="0"/>
+                                  </p:stCondLst>
+                                  <p:childTnLst>
+                                    <p:set>
+                                      <p:cBhvr>
+                                        <p:cTn id="42" dur="1" fill="hold">
+                                          <p:stCondLst>
+                                            <p:cond delay="0"/>
+                                          </p:stCondLst>
+                                        </p:cTn>
+                                        <p:tgtEl>
+                                          <p:spTgt spid="31"/>
+                                        </p:tgtEl>
+                                        <p:attrNameLst>
+                                          <p:attrName>style.visibility</p:attrName>
+                                        </p:attrNameLst>
+                                      </p:cBhvr>
+                                      <p:to>
+                                        <p:strVal val="visible"/>
+                                      </p:to>
+                                    </p:set>
+                                  </p:childTnLst>
+                                </p:cTn>
+                              </p:par>
+                              <p:par>
+                                <p:cTn id="43" presetID="1" presetClass="entr" presetSubtype="0" fill="hold" nodeType="withEffect">
+                                  <p:stCondLst>
+                                    <p:cond delay="0"/>
+                                  </p:stCondLst>
+                                  <p:childTnLst>
+                                    <p:set>
+                                      <p:cBhvr>
+                                        <p:cTn id="44" dur="1" fill="hold">
+                                          <p:stCondLst>
+                                            <p:cond delay="0"/>
+                                          </p:stCondLst>
+                                        </p:cTn>
+                                        <p:tgtEl>
+                                          <p:spTgt spid="25"/>
+                                        </p:tgtEl>
+                                        <p:attrNameLst>
+                                          <p:attrName>style.visibility</p:attrName>
+                                        </p:attrNameLst>
+                                      </p:cBhvr>
+                                      <p:to>
+                                        <p:strVal val="visible"/>
+                                      </p:to>
+                                    </p:set>
+                                  </p:childTnLst>
+                                </p:cTn>
+                              </p:par>
+                              <p:par>
+                                <p:cTn id="45" presetID="1" presetClass="entr" presetSubtype="0" fill="hold" grpId="0" nodeType="withEffect">
+                                  <p:stCondLst>
+                                    <p:cond delay="0"/>
+                                  </p:stCondLst>
+                                  <p:childTnLst>
+                                    <p:set>
+                                      <p:cBhvr>
+                                        <p:cTn id="46" dur="1" fill="hold">
+                                          <p:stCondLst>
+                                            <p:cond delay="0"/>
+                                          </p:stCondLst>
+                                        </p:cTn>
+                                        <p:tgtEl>
+                                          <p:spTgt spid="41"/>
+                                        </p:tgtEl>
+                                        <p:attrNameLst>
+                                          <p:attrName>style.visibility</p:attrName>
+                                        </p:attrNameLst>
+                                      </p:cBhvr>
+                                      <p:to>
+                                        <p:strVal val="visible"/>
+                                      </p:to>
+                                    </p:set>
+                                  </p:childTnLst>
+                                </p:cTn>
+                              </p:par>
+                            </p:childTnLst>
+                          </p:cTn>
+                        </p:par>
+                      </p:childTnLst>
+                    </p:cTn>
+                  </p:par>
+                  <p:par>
+                    <p:cTn id="47" fill="hold">
+                      <p:stCondLst>
+                        <p:cond delay="indefinite"/>
+                      </p:stCondLst>
+                      <p:childTnLst>
+                        <p:par>
+                          <p:cTn id="48" fill="hold">
+                            <p:stCondLst>
+                              <p:cond delay="0"/>
+                            </p:stCondLst>
+                            <p:childTnLst>
+                              <p:par>
+                                <p:cTn id="49" presetID="1" presetClass="entr" presetSubtype="0" fill="hold" grpId="0" nodeType="clickEffect">
+                                  <p:stCondLst>
+                                    <p:cond delay="0"/>
+                                  </p:stCondLst>
+                                  <p:childTnLst>
+                                    <p:set>
+                                      <p:cBhvr>
+                                        <p:cTn id="50" dur="1" fill="hold">
+                                          <p:stCondLst>
+                                            <p:cond delay="0"/>
+                                          </p:stCondLst>
+                                        </p:cTn>
+                                        <p:tgtEl>
+                                          <p:spTgt spid="7"/>
+                                        </p:tgtEl>
+                                        <p:attrNameLst>
+                                          <p:attrName>style.visibility</p:attrName>
+                                        </p:attrNameLst>
+                                      </p:cBhvr>
+                                      <p:to>
+                                        <p:strVal val="visible"/>
+                                      </p:to>
+                                    </p:set>
+                                  </p:childTnLst>
+                                </p:cTn>
+                              </p:par>
+                              <p:par>
+                                <p:cTn id="51" presetID="1" presetClass="entr" presetSubtype="0" fill="hold" nodeType="withEffect">
+                                  <p:stCondLst>
+                                    <p:cond delay="0"/>
+                                  </p:stCondLst>
+                                  <p:childTnLst>
+                                    <p:set>
+                                      <p:cBhvr>
+                                        <p:cTn id="52" dur="1" fill="hold">
+                                          <p:stCondLst>
+                                            <p:cond delay="0"/>
+                                          </p:stCondLst>
+                                        </p:cTn>
+                                        <p:tgtEl>
+                                          <p:spTgt spid="12"/>
+                                        </p:tgtEl>
+                                        <p:attrNameLst>
+                                          <p:attrName>style.visibility</p:attrName>
+                                        </p:attrNameLst>
+                                      </p:cBhvr>
+                                      <p:to>
+                                        <p:strVal val="visible"/>
+                                      </p:to>
+                                    </p:set>
+                                  </p:childTnLst>
+                                </p:cTn>
+                              </p:par>
+                              <p:par>
+                                <p:cTn id="53" presetID="1" presetClass="entr" presetSubtype="0" fill="hold" nodeType="withEffect">
+                                  <p:stCondLst>
+                                    <p:cond delay="0"/>
+                                  </p:stCondLst>
+                                  <p:childTnLst>
+                                    <p:set>
+                                      <p:cBhvr>
+                                        <p:cTn id="54" dur="1" fill="hold">
+                                          <p:stCondLst>
+                                            <p:cond delay="0"/>
+                                          </p:stCondLst>
+                                        </p:cTn>
+                                        <p:tgtEl>
+                                          <p:spTgt spid="10"/>
+                                        </p:tgtEl>
+                                        <p:attrNameLst>
+                                          <p:attrName>style.visibility</p:attrName>
+                                        </p:attrNameLst>
+                                      </p:cBhvr>
+                                      <p:to>
+                                        <p:strVal val="visible"/>
+                                      </p:to>
+                                    </p:set>
+                                  </p:childTnLst>
+                                </p:cTn>
+                              </p:par>
+                            </p:childTnLst>
+                          </p:cTn>
+                        </p:par>
+                      </p:childTnLst>
+                    </p:cTn>
+                  </p:par>
+                  <p:par>
+                    <p:cTn id="55" fill="hold">
+                      <p:stCondLst>
+                        <p:cond delay="indefinite"/>
+                      </p:stCondLst>
+                      <p:childTnLst>
+                        <p:par>
+                          <p:cTn id="56" fill="hold">
+                            <p:stCondLst>
+                              <p:cond delay="0"/>
+                            </p:stCondLst>
+                            <p:childTnLst>
+                              <p:par>
+                                <p:cTn id="57" presetID="1" presetClass="entr" presetSubtype="0" fill="hold" grpId="0" nodeType="clickEffect">
+                                  <p:stCondLst>
+                                    <p:cond delay="0"/>
+                                  </p:stCondLst>
+                                  <p:childTnLst>
+                                    <p:set>
+                                      <p:cBhvr>
+                                        <p:cTn id="58" dur="1" fill="hold">
+                                          <p:stCondLst>
+                                            <p:cond delay="0"/>
+                                          </p:stCondLst>
+                                        </p:cTn>
+                                        <p:tgtEl>
+                                          <p:spTgt spid="3"/>
+                                        </p:tgtEl>
+                                        <p:attrNameLst>
+                                          <p:attrName>style.visibility</p:attrName>
+                                        </p:attrNameLst>
+                                      </p:cBhvr>
+                                      <p:to>
+                                        <p:strVal val="visible"/>
+                                      </p:to>
+                                    </p:set>
+                                  </p:childTnLst>
+                                </p:cTn>
+                              </p:par>
+                            </p:childTnLst>
+                          </p:cTn>
+                        </p:par>
+                      </p:childTnLst>
+                    </p:cTn>
+                  </p:par>
+                  <p:par>
+                    <p:cTn id="59" fill="hold">
+                      <p:stCondLst>
+                        <p:cond delay="indefinite"/>
+                      </p:stCondLst>
+                      <p:childTnLst>
+                        <p:par>
+                          <p:cTn id="60" fill="hold">
+                            <p:stCondLst>
+                              <p:cond delay="0"/>
+                            </p:stCondLst>
+                            <p:childTnLst>
+                              <p:par>
+                                <p:cTn id="61" presetID="1" presetClass="entr" presetSubtype="0" fill="hold" grpId="0" nodeType="clickEffect">
+                                  <p:stCondLst>
+                                    <p:cond delay="0"/>
+                                  </p:stCondLst>
+                                  <p:childTnLst>
+                                    <p:set>
+                                      <p:cBhvr>
+                                        <p:cTn id="62" dur="1" fill="hold">
+                                          <p:stCondLst>
+                                            <p:cond delay="0"/>
+                                          </p:stCondLst>
+                                        </p:cTn>
+                                        <p:tgtEl>
+                                          <p:spTgt spid="21"/>
+                                        </p:tgtEl>
+                                        <p:attrNameLst>
+                                          <p:attrName>style.visibility</p:attrName>
+                                        </p:attrNameLst>
+                                      </p:cBhvr>
+                                      <p:to>
+                                        <p:strVal val="visible"/>
+                                      </p:to>
+                                    </p:set>
+                                  </p:childTnLst>
+                                </p:cTn>
+                              </p:par>
+                            </p:childTnLst>
+                          </p:cTn>
+                        </p:par>
+                      </p:childTnLst>
+                    </p:cTn>
+                  </p:par>
+                </p:childTnLst>
+              </p:cTn>
+              <p:prevCondLst>
+                <p:cond evt="onPrev" delay="0">
+                  <p:tgtEl>
+                    <p:sldTgt/>
+                  </p:tgtEl>
+                </p:cond>
+              </p:prevCondLst>
+              <p:nextCondLst>
+                <p:cond evt="onNext" delay="0">
+                  <p:tgtEl>
+                    <p:sldTgt/>
+                  </p:tgtEl>
+                </p:cond>
+              </p:nextCondLst>
+            </p:seq>
+          </p:childTnLst>
+        </p:cTn>
+      </p:par>
+    </p:tnLst>
+    <p:bldLst>
+      <p:bldP spid="4" grpId="0" animBg="1"/>
+      <p:bldP spid="5" grpId="0" animBg="1"/>
+      <p:bldP spid="6" grpId="0" animBg="1"/>
+      <p:bldP spid="7" grpId="0" animBg="1"/>
+      <p:bldP spid="8" grpId="0" animBg="1"/>
+      <p:bldP spid="14" grpId="0" animBg="1"/>
+      <p:bldP spid="16" grpId="0" animBg="1"/>
+      <p:bldP spid="29" grpId="0"/>
+      <p:bldP spid="31" grpId="0"/>
+      <p:bldP spid="41" grpId="0" animBg="1"/>
+      <p:bldP spid="43" grpId="0" animBg="1"/>
+      <p:bldP spid="42" grpId="0" animBg="1"/>
+      <p:bldP spid="19" grpId="0" animBg="1"/>
+      <p:bldP spid="3" grpId="0"/>
+      <p:bldP spid="21" grpId="0"/>
+    </p:bldLst>
+  </p:timing>
 </p:sld>
 </file>
 
-<file path=ppt/slides/slide2.xml><?xml version="1.0" encoding="utf-8"?>
+<file path=ppt/slides/slide3.xml><?xml version="1.0" encoding="utf-8"?>
+<p:sld xmlns:a="http://schemas.openxmlformats.org/drawingml/2006/main" xmlns:r="http://schemas.openxmlformats.org/officeDocument/2006/relationships" xmlns:p="http://schemas.openxmlformats.org/presentationml/2006/main">
+  <p:cSld>
+    <p:spTree>
+      <p:nvGrpSpPr>
+        <p:cNvPr id="1" name=""/>
+        <p:cNvGrpSpPr/>
+        <p:nvPr/>
+      </p:nvGrpSpPr>
+      <p:grpSpPr>
+        <a:xfrm>
+          <a:off x="0" y="0"/>
+          <a:ext cx="0" cy="0"/>
+          <a:chOff x="0" y="0"/>
+          <a:chExt cx="0" cy="0"/>
+        </a:xfrm>
+      </p:grpSpPr>
+      <p:sp>
+        <p:nvSpPr>
+          <p:cNvPr id="2" name="Title 1">
+            <a:extLst>
+              <a:ext uri="{FF2B5EF4-FFF2-40B4-BE49-F238E27FC236}">
+                <a16:creationId xmlns:a16="http://schemas.microsoft.com/office/drawing/2014/main" id="{D1AE2732-D5FE-E443-AAF2-C67B7794BAC0}"/>
+              </a:ext>
+            </a:extLst>
+          </p:cNvPr>
+          <p:cNvSpPr>
+            <a:spLocks noGrp="1"/>
+          </p:cNvSpPr>
+          <p:nvPr>
+            <p:ph type="title"/>
+          </p:nvPr>
+        </p:nvSpPr>
+        <p:spPr/>
+        <p:txBody>
+          <a:bodyPr/>
+          <a:lstStyle/>
+          <a:p>
+            <a:r>
+              <a:rPr lang="en-US" dirty="0"/>
+              <a:t>Mitigations</a:t>
+            </a:r>
+          </a:p>
+        </p:txBody>
+      </p:sp>
+      <p:sp>
+        <p:nvSpPr>
+          <p:cNvPr id="3" name="TextBox 2">
+            <a:extLst>
+              <a:ext uri="{FF2B5EF4-FFF2-40B4-BE49-F238E27FC236}">
+                <a16:creationId xmlns:a16="http://schemas.microsoft.com/office/drawing/2014/main" id="{CD86D0EA-72AA-FC40-A887-94DBE2B89F6D}"/>
+              </a:ext>
+            </a:extLst>
+          </p:cNvPr>
+          <p:cNvSpPr txBox="1"/>
+          <p:nvPr/>
+        </p:nvSpPr>
+        <p:spPr>
+          <a:xfrm>
+            <a:off x="838200" y="1582510"/>
+            <a:ext cx="8564460" cy="1169551"/>
+          </a:xfrm>
+          <a:prstGeom prst="rect">
+            <a:avLst/>
+          </a:prstGeom>
+          <a:noFill/>
+        </p:spPr>
+        <p:txBody>
+          <a:bodyPr wrap="none" rtlCol="0">
+            <a:spAutoFit/>
+          </a:bodyPr>
+          <a:lstStyle/>
+          <a:p>
+            <a:pPr marL="342900" indent="-342900">
+              <a:buFont typeface="+mj-lt"/>
+              <a:buAutoNum type="arabicPeriod"/>
+            </a:pPr>
+            <a:r>
+              <a:rPr lang="en-US" sz="2800" dirty="0"/>
+              <a:t>RAM is constrained in space !.</a:t>
+            </a:r>
+          </a:p>
+          <a:p>
+            <a:r>
+              <a:rPr lang="en-US" sz="2800" dirty="0"/>
+              <a:t>	</a:t>
+            </a:r>
+            <a:r>
+              <a:rPr lang="en-US" dirty="0"/>
+              <a:t>Horizontal scaling instead of single machine RAM look for multiple.[Technology]</a:t>
+            </a:r>
+          </a:p>
+          <a:p>
+            <a:pPr lvl="2"/>
+            <a:r>
+              <a:rPr lang="en-US" sz="1400" dirty="0">
+                <a:solidFill>
+                  <a:srgbClr val="FF0000"/>
+                </a:solidFill>
+              </a:rPr>
+              <a:t>Network speed now becomes bottle neck rather than ram speed.</a:t>
+            </a:r>
+          </a:p>
+        </p:txBody>
+      </p:sp>
+      <p:sp>
+        <p:nvSpPr>
+          <p:cNvPr id="4" name="Rectangle 3">
+            <a:extLst>
+              <a:ext uri="{FF2B5EF4-FFF2-40B4-BE49-F238E27FC236}">
+                <a16:creationId xmlns:a16="http://schemas.microsoft.com/office/drawing/2014/main" id="{8AC146AD-FA39-F548-80DD-C3322C637B9F}"/>
+              </a:ext>
+            </a:extLst>
+          </p:cNvPr>
+          <p:cNvSpPr/>
+          <p:nvPr/>
+        </p:nvSpPr>
+        <p:spPr>
+          <a:xfrm>
+            <a:off x="838200" y="2908073"/>
+            <a:ext cx="6096000" cy="954107"/>
+          </a:xfrm>
+          <a:prstGeom prst="rect">
+            <a:avLst/>
+          </a:prstGeom>
+        </p:spPr>
+        <p:txBody>
+          <a:bodyPr>
+            <a:spAutoFit/>
+          </a:bodyPr>
+          <a:lstStyle/>
+          <a:p>
+            <a:r>
+              <a:rPr lang="en-US" sz="2800" dirty="0"/>
+              <a:t>2. Cache eviction policies.</a:t>
+            </a:r>
+          </a:p>
+          <a:p>
+            <a:r>
+              <a:rPr lang="en-US" sz="2800" dirty="0"/>
+              <a:t>	</a:t>
+            </a:r>
+            <a:r>
+              <a:rPr lang="en-US" dirty="0"/>
+              <a:t>Eviction based on time and space.[Data-structure]</a:t>
+            </a:r>
+          </a:p>
+        </p:txBody>
+      </p:sp>
+      <p:sp>
+        <p:nvSpPr>
+          <p:cNvPr id="5" name="Rectangle 4">
+            <a:extLst>
+              <a:ext uri="{FF2B5EF4-FFF2-40B4-BE49-F238E27FC236}">
+                <a16:creationId xmlns:a16="http://schemas.microsoft.com/office/drawing/2014/main" id="{6511A145-4759-754F-BFEC-9FD3796A1897}"/>
+              </a:ext>
+            </a:extLst>
+          </p:cNvPr>
+          <p:cNvSpPr/>
+          <p:nvPr/>
+        </p:nvSpPr>
+        <p:spPr>
+          <a:xfrm>
+            <a:off x="838200" y="4018192"/>
+            <a:ext cx="8958944" cy="800219"/>
+          </a:xfrm>
+          <a:prstGeom prst="rect">
+            <a:avLst/>
+          </a:prstGeom>
+        </p:spPr>
+        <p:txBody>
+          <a:bodyPr wrap="square">
+            <a:spAutoFit/>
+          </a:bodyPr>
+          <a:lstStyle/>
+          <a:p>
+            <a:r>
+              <a:rPr lang="en-US" sz="2800" dirty="0"/>
+              <a:t>3. This is acts as Q Match IP / OP rates.</a:t>
+            </a:r>
+          </a:p>
+          <a:p>
+            <a:r>
+              <a:rPr lang="en-US" dirty="0"/>
+              <a:t>	A batch writing scheme instead of pushing one sample at a time.[Data-structure]</a:t>
+            </a:r>
+          </a:p>
+        </p:txBody>
+      </p:sp>
+      <p:sp>
+        <p:nvSpPr>
+          <p:cNvPr id="6" name="Rectangle 5">
+            <a:extLst>
+              <a:ext uri="{FF2B5EF4-FFF2-40B4-BE49-F238E27FC236}">
+                <a16:creationId xmlns:a16="http://schemas.microsoft.com/office/drawing/2014/main" id="{B2CF736E-06D8-CF41-B39E-50AB332AF97D}"/>
+              </a:ext>
+            </a:extLst>
+          </p:cNvPr>
+          <p:cNvSpPr/>
+          <p:nvPr/>
+        </p:nvSpPr>
+        <p:spPr>
+          <a:xfrm>
+            <a:off x="838200" y="4975629"/>
+            <a:ext cx="8186215" cy="800219"/>
+          </a:xfrm>
+          <a:prstGeom prst="rect">
+            <a:avLst/>
+          </a:prstGeom>
+        </p:spPr>
+        <p:txBody>
+          <a:bodyPr wrap="none">
+            <a:spAutoFit/>
+          </a:bodyPr>
+          <a:lstStyle/>
+          <a:p>
+            <a:r>
+              <a:rPr lang="en-US" sz="2800" dirty="0"/>
+              <a:t>4. Reading data for client should be analogues to store.</a:t>
+            </a:r>
+          </a:p>
+          <a:p>
+            <a:r>
+              <a:rPr lang="en-US" dirty="0"/>
+              <a:t>	Parallel queries to both store.[Implementation]</a:t>
+            </a:r>
+          </a:p>
+        </p:txBody>
+      </p:sp>
+    </p:spTree>
+    <p:extLst>
+      <p:ext uri="{BB962C8B-B14F-4D97-AF65-F5344CB8AC3E}">
+        <p14:creationId xmlns:p14="http://schemas.microsoft.com/office/powerpoint/2010/main" val="1045198390"/>
+      </p:ext>
+    </p:extLst>
+  </p:cSld>
+  <p:clrMapOvr>
+    <a:masterClrMapping/>
+  </p:clrMapOvr>
+  <p:timing>
+    <p:tnLst>
+      <p:par>
+        <p:cTn id="1" dur="indefinite" restart="never" nodeType="tmRoot">
+          <p:childTnLst>
+            <p:seq concurrent="1" nextAc="seek">
+              <p:cTn id="2" dur="indefinite" nodeType="mainSeq">
+                <p:childTnLst>
+                  <p:par>
+                    <p:cTn id="3" fill="hold">
+                      <p:stCondLst>
+                        <p:cond delay="indefinite"/>
+                      </p:stCondLst>
+                      <p:childTnLst>
+                        <p:par>
+                          <p:cTn id="4" fill="hold">
+                            <p:stCondLst>
+                              <p:cond delay="0"/>
+                            </p:stCondLst>
+                            <p:childTnLst>
+                              <p:par>
+                                <p:cTn id="5" presetID="1" presetClass="entr" presetSubtype="0" fill="hold" grpId="0" nodeType="clickEffect">
+                                  <p:stCondLst>
+                                    <p:cond delay="0"/>
+                                  </p:stCondLst>
+                                  <p:childTnLst>
+                                    <p:set>
+                                      <p:cBhvr>
+                                        <p:cTn id="6" dur="1" fill="hold">
+                                          <p:stCondLst>
+                                            <p:cond delay="0"/>
+                                          </p:stCondLst>
+                                        </p:cTn>
+                                        <p:tgtEl>
+                                          <p:spTgt spid="3"/>
+                                        </p:tgtEl>
+                                        <p:attrNameLst>
+                                          <p:attrName>style.visibility</p:attrName>
+                                        </p:attrNameLst>
+                                      </p:cBhvr>
+                                      <p:to>
+                                        <p:strVal val="visible"/>
+                                      </p:to>
+                                    </p:set>
+                                  </p:childTnLst>
+                                </p:cTn>
+                              </p:par>
+                            </p:childTnLst>
+                          </p:cTn>
+                        </p:par>
+                      </p:childTnLst>
+                    </p:cTn>
+                  </p:par>
+                  <p:par>
+                    <p:cTn id="7" fill="hold">
+                      <p:stCondLst>
+                        <p:cond delay="indefinite"/>
+                      </p:stCondLst>
+                      <p:childTnLst>
+                        <p:par>
+                          <p:cTn id="8" fill="hold">
+                            <p:stCondLst>
+                              <p:cond delay="0"/>
+                            </p:stCondLst>
+                            <p:childTnLst>
+                              <p:par>
+                                <p:cTn id="9" presetID="1" presetClass="entr" presetSubtype="0" fill="hold" grpId="0" nodeType="clickEffect">
+                                  <p:stCondLst>
+                                    <p:cond delay="0"/>
+                                  </p:stCondLst>
+                                  <p:childTnLst>
+                                    <p:set>
+                                      <p:cBhvr>
+                                        <p:cTn id="10" dur="1" fill="hold">
+                                          <p:stCondLst>
+                                            <p:cond delay="0"/>
+                                          </p:stCondLst>
+                                        </p:cTn>
+                                        <p:tgtEl>
+                                          <p:spTgt spid="4"/>
+                                        </p:tgtEl>
+                                        <p:attrNameLst>
+                                          <p:attrName>style.visibility</p:attrName>
+                                        </p:attrNameLst>
+                                      </p:cBhvr>
+                                      <p:to>
+                                        <p:strVal val="visible"/>
+                                      </p:to>
+                                    </p:set>
+                                  </p:childTnLst>
+                                </p:cTn>
+                              </p:par>
+                            </p:childTnLst>
+                          </p:cTn>
+                        </p:par>
+                      </p:childTnLst>
+                    </p:cTn>
+                  </p:par>
+                  <p:par>
+                    <p:cTn id="11" fill="hold">
+                      <p:stCondLst>
+                        <p:cond delay="indefinite"/>
+                      </p:stCondLst>
+                      <p:childTnLst>
+                        <p:par>
+                          <p:cTn id="12" fill="hold">
+                            <p:stCondLst>
+                              <p:cond delay="0"/>
+                            </p:stCondLst>
+                            <p:childTnLst>
+                              <p:par>
+                                <p:cTn id="13" presetID="1" presetClass="entr" presetSubtype="0" fill="hold" grpId="0" nodeType="clickEffect">
+                                  <p:stCondLst>
+                                    <p:cond delay="0"/>
+                                  </p:stCondLst>
+                                  <p:childTnLst>
+                                    <p:set>
+                                      <p:cBhvr>
+                                        <p:cTn id="14" dur="1" fill="hold">
+                                          <p:stCondLst>
+                                            <p:cond delay="0"/>
+                                          </p:stCondLst>
+                                        </p:cTn>
+                                        <p:tgtEl>
+                                          <p:spTgt spid="5"/>
+                                        </p:tgtEl>
+                                        <p:attrNameLst>
+                                          <p:attrName>style.visibility</p:attrName>
+                                        </p:attrNameLst>
+                                      </p:cBhvr>
+                                      <p:to>
+                                        <p:strVal val="visible"/>
+                                      </p:to>
+                                    </p:set>
+                                  </p:childTnLst>
+                                </p:cTn>
+                              </p:par>
+                            </p:childTnLst>
+                          </p:cTn>
+                        </p:par>
+                      </p:childTnLst>
+                    </p:cTn>
+                  </p:par>
+                  <p:par>
+                    <p:cTn id="15" fill="hold">
+                      <p:stCondLst>
+                        <p:cond delay="indefinite"/>
+                      </p:stCondLst>
+                      <p:childTnLst>
+                        <p:par>
+                          <p:cTn id="16" fill="hold">
+                            <p:stCondLst>
+                              <p:cond delay="0"/>
+                            </p:stCondLst>
+                            <p:childTnLst>
+                              <p:par>
+                                <p:cTn id="17" presetID="1" presetClass="entr" presetSubtype="0" fill="hold" grpId="0" nodeType="clickEffect">
+                                  <p:stCondLst>
+                                    <p:cond delay="0"/>
+                                  </p:stCondLst>
+                                  <p:childTnLst>
+                                    <p:set>
+                                      <p:cBhvr>
+                                        <p:cTn id="18" dur="1" fill="hold">
+                                          <p:stCondLst>
+                                            <p:cond delay="0"/>
+                                          </p:stCondLst>
+                                        </p:cTn>
+                                        <p:tgtEl>
+                                          <p:spTgt spid="6"/>
+                                        </p:tgtEl>
+                                        <p:attrNameLst>
+                                          <p:attrName>style.visibility</p:attrName>
+                                        </p:attrNameLst>
+                                      </p:cBhvr>
+                                      <p:to>
+                                        <p:strVal val="visible"/>
+                                      </p:to>
+                                    </p:set>
+                                  </p:childTnLst>
+                                </p:cTn>
+                              </p:par>
+                            </p:childTnLst>
+                          </p:cTn>
+                        </p:par>
+                      </p:childTnLst>
+                    </p:cTn>
+                  </p:par>
+                </p:childTnLst>
+              </p:cTn>
+              <p:prevCondLst>
+                <p:cond evt="onPrev" delay="0">
+                  <p:tgtEl>
+                    <p:sldTgt/>
+                  </p:tgtEl>
+                </p:cond>
+              </p:prevCondLst>
+              <p:nextCondLst>
+                <p:cond evt="onNext" delay="0">
+                  <p:tgtEl>
+                    <p:sldTgt/>
+                  </p:tgtEl>
+                </p:cond>
+              </p:nextCondLst>
+            </p:seq>
+          </p:childTnLst>
+        </p:cTn>
+      </p:par>
+    </p:tnLst>
+    <p:bldLst>
+      <p:bldP spid="3" grpId="0"/>
+      <p:bldP spid="4" grpId="0"/>
+      <p:bldP spid="5" grpId="0"/>
+      <p:bldP spid="6" grpId="0"/>
+    </p:bldLst>
+  </p:timing>
+</p:sld>
+</file>
+
+<file path=ppt/slides/slide4.xml><?xml version="1.0" encoding="utf-8"?>
+<p:sld xmlns:a="http://schemas.openxmlformats.org/drawingml/2006/main" xmlns:r="http://schemas.openxmlformats.org/officeDocument/2006/relationships" xmlns:p="http://schemas.openxmlformats.org/presentationml/2006/main">
+  <p:cSld>
+    <p:spTree>
+      <p:nvGrpSpPr>
+        <p:cNvPr id="1" name=""/>
+        <p:cNvGrpSpPr/>
+        <p:nvPr/>
+      </p:nvGrpSpPr>
+      <p:grpSpPr>
+        <a:xfrm>
+          <a:off x="0" y="0"/>
+          <a:ext cx="0" cy="0"/>
+          <a:chOff x="0" y="0"/>
+          <a:chExt cx="0" cy="0"/>
+        </a:xfrm>
+      </p:grpSpPr>
+      <p:graphicFrame>
+        <p:nvGraphicFramePr>
+          <p:cNvPr id="5" name="Table 5">
+            <a:extLst>
+              <a:ext uri="{FF2B5EF4-FFF2-40B4-BE49-F238E27FC236}">
+                <a16:creationId xmlns:a16="http://schemas.microsoft.com/office/drawing/2014/main" id="{445C7334-783B-7D46-8BA1-1942B53C1AEE}"/>
+              </a:ext>
+            </a:extLst>
+          </p:cNvPr>
+          <p:cNvGraphicFramePr>
+            <a:graphicFrameLocks noGrp="1"/>
+          </p:cNvGraphicFramePr>
+          <p:nvPr>
+            <p:extLst>
+              <p:ext uri="{D42A27DB-BD31-4B8C-83A1-F6EECF244321}">
+                <p14:modId xmlns:p14="http://schemas.microsoft.com/office/powerpoint/2010/main" val="4013124840"/>
+              </p:ext>
+            </p:extLst>
+          </p:nvPr>
+        </p:nvGraphicFramePr>
+        <p:xfrm>
+          <a:off x="2853094" y="2566397"/>
+          <a:ext cx="6096000" cy="370840"/>
+        </p:xfrm>
+        <a:graphic>
+          <a:graphicData uri="http://schemas.openxmlformats.org/drawingml/2006/table">
+            <a:tbl>
+              <a:tblPr firstRow="1" bandRow="1">
+                <a:tableStyleId>{5C22544A-7EE6-4342-B048-85BDC9FD1C3A}</a:tableStyleId>
+              </a:tblPr>
+              <a:tblGrid>
+                <a:gridCol w="1524000">
+                  <a:extLst>
+                    <a:ext uri="{9D8B030D-6E8A-4147-A177-3AD203B41FA5}">
+                      <a16:colId xmlns:a16="http://schemas.microsoft.com/office/drawing/2014/main" val="1832305868"/>
+                    </a:ext>
+                  </a:extLst>
+                </a:gridCol>
+                <a:gridCol w="1524000">
+                  <a:extLst>
+                    <a:ext uri="{9D8B030D-6E8A-4147-A177-3AD203B41FA5}">
+                      <a16:colId xmlns:a16="http://schemas.microsoft.com/office/drawing/2014/main" val="3094806888"/>
+                    </a:ext>
+                  </a:extLst>
+                </a:gridCol>
+                <a:gridCol w="1524000">
+                  <a:extLst>
+                    <a:ext uri="{9D8B030D-6E8A-4147-A177-3AD203B41FA5}">
+                      <a16:colId xmlns:a16="http://schemas.microsoft.com/office/drawing/2014/main" val="1423530525"/>
+                    </a:ext>
+                  </a:extLst>
+                </a:gridCol>
+                <a:gridCol w="1524000">
+                  <a:extLst>
+                    <a:ext uri="{9D8B030D-6E8A-4147-A177-3AD203B41FA5}">
+                      <a16:colId xmlns:a16="http://schemas.microsoft.com/office/drawing/2014/main" val="2266578767"/>
+                    </a:ext>
+                  </a:extLst>
+                </a:gridCol>
+              </a:tblGrid>
+              <a:tr h="370840">
+                <a:tc>
+                  <a:txBody>
+                    <a:bodyPr/>
+                    <a:lstStyle/>
+                    <a:p>
+                      <a:r>
+                        <a:rPr lang="en-US" dirty="0"/>
+                        <a:t>Tag1</a:t>
+                      </a:r>
+                    </a:p>
+                  </a:txBody>
+                  <a:tcPr/>
+                </a:tc>
+                <a:tc>
+                  <a:txBody>
+                    <a:bodyPr/>
+                    <a:lstStyle/>
+                    <a:p>
+                      <a:r>
+                        <a:rPr lang="en-US" dirty="0"/>
+                        <a:t>T1</a:t>
+                      </a:r>
+                    </a:p>
+                  </a:txBody>
+                  <a:tcPr/>
+                </a:tc>
+                <a:tc>
+                  <a:txBody>
+                    <a:bodyPr/>
+                    <a:lstStyle/>
+                    <a:p>
+                      <a:r>
+                        <a:rPr lang="en-US" dirty="0"/>
+                        <a:t>55</a:t>
+                      </a:r>
+                    </a:p>
+                  </a:txBody>
+                  <a:tcPr/>
+                </a:tc>
+                <a:tc>
+                  <a:txBody>
+                    <a:bodyPr/>
+                    <a:lstStyle/>
+                    <a:p>
+                      <a:r>
+                        <a:rPr lang="en-US" dirty="0"/>
+                        <a:t>A</a:t>
+                      </a:r>
+                    </a:p>
+                  </a:txBody>
+                  <a:tcPr/>
+                </a:tc>
+                <a:extLst>
+                  <a:ext uri="{0D108BD9-81ED-4DB2-BD59-A6C34878D82A}">
+                    <a16:rowId xmlns:a16="http://schemas.microsoft.com/office/drawing/2014/main" val="1499257197"/>
+                  </a:ext>
+                </a:extLst>
+              </a:tr>
+            </a:tbl>
+          </a:graphicData>
+        </a:graphic>
+      </p:graphicFrame>
+      <p:graphicFrame>
+        <p:nvGraphicFramePr>
+          <p:cNvPr id="6" name="Table 5">
+            <a:extLst>
+              <a:ext uri="{FF2B5EF4-FFF2-40B4-BE49-F238E27FC236}">
+                <a16:creationId xmlns:a16="http://schemas.microsoft.com/office/drawing/2014/main" id="{058D594E-66A0-164E-A887-E2BCDB6DE01E}"/>
+              </a:ext>
+            </a:extLst>
+          </p:cNvPr>
+          <p:cNvGraphicFramePr>
+            <a:graphicFrameLocks noGrp="1"/>
+          </p:cNvGraphicFramePr>
+          <p:nvPr>
+            <p:extLst>
+              <p:ext uri="{D42A27DB-BD31-4B8C-83A1-F6EECF244321}">
+                <p14:modId xmlns:p14="http://schemas.microsoft.com/office/powerpoint/2010/main" val="1304345559"/>
+              </p:ext>
+            </p:extLst>
+          </p:nvPr>
+        </p:nvGraphicFramePr>
+        <p:xfrm>
+          <a:off x="2853094" y="3054699"/>
+          <a:ext cx="6096000" cy="370840"/>
+        </p:xfrm>
+        <a:graphic>
+          <a:graphicData uri="http://schemas.openxmlformats.org/drawingml/2006/table">
+            <a:tbl>
+              <a:tblPr firstRow="1" bandRow="1">
+                <a:tableStyleId>{5C22544A-7EE6-4342-B048-85BDC9FD1C3A}</a:tableStyleId>
+              </a:tblPr>
+              <a:tblGrid>
+                <a:gridCol w="1524000">
+                  <a:extLst>
+                    <a:ext uri="{9D8B030D-6E8A-4147-A177-3AD203B41FA5}">
+                      <a16:colId xmlns:a16="http://schemas.microsoft.com/office/drawing/2014/main" val="1832305868"/>
+                    </a:ext>
+                  </a:extLst>
+                </a:gridCol>
+                <a:gridCol w="1524000">
+                  <a:extLst>
+                    <a:ext uri="{9D8B030D-6E8A-4147-A177-3AD203B41FA5}">
+                      <a16:colId xmlns:a16="http://schemas.microsoft.com/office/drawing/2014/main" val="3094806888"/>
+                    </a:ext>
+                  </a:extLst>
+                </a:gridCol>
+                <a:gridCol w="1524000">
+                  <a:extLst>
+                    <a:ext uri="{9D8B030D-6E8A-4147-A177-3AD203B41FA5}">
+                      <a16:colId xmlns:a16="http://schemas.microsoft.com/office/drawing/2014/main" val="1423530525"/>
+                    </a:ext>
+                  </a:extLst>
+                </a:gridCol>
+                <a:gridCol w="1524000">
+                  <a:extLst>
+                    <a:ext uri="{9D8B030D-6E8A-4147-A177-3AD203B41FA5}">
+                      <a16:colId xmlns:a16="http://schemas.microsoft.com/office/drawing/2014/main" val="2266578767"/>
+                    </a:ext>
+                  </a:extLst>
+                </a:gridCol>
+              </a:tblGrid>
+              <a:tr h="370840">
+                <a:tc>
+                  <a:txBody>
+                    <a:bodyPr/>
+                    <a:lstStyle/>
+                    <a:p>
+                      <a:r>
+                        <a:rPr lang="en-US" dirty="0"/>
+                        <a:t>Tag1</a:t>
+                      </a:r>
+                    </a:p>
+                  </a:txBody>
+                  <a:tcPr/>
+                </a:tc>
+                <a:tc>
+                  <a:txBody>
+                    <a:bodyPr/>
+                    <a:lstStyle/>
+                    <a:p>
+                      <a:r>
+                        <a:rPr lang="en-US" dirty="0"/>
+                        <a:t>T1</a:t>
+                      </a:r>
+                    </a:p>
+                  </a:txBody>
+                  <a:tcPr/>
+                </a:tc>
+                <a:tc>
+                  <a:txBody>
+                    <a:bodyPr/>
+                    <a:lstStyle/>
+                    <a:p>
+                      <a:r>
+                        <a:rPr lang="en-US" dirty="0"/>
+                        <a:t>56</a:t>
+                      </a:r>
+                    </a:p>
+                  </a:txBody>
+                  <a:tcPr/>
+                </a:tc>
+                <a:tc>
+                  <a:txBody>
+                    <a:bodyPr/>
+                    <a:lstStyle/>
+                    <a:p>
+                      <a:r>
+                        <a:rPr lang="en-US" dirty="0"/>
+                        <a:t>U</a:t>
+                      </a:r>
+                    </a:p>
+                  </a:txBody>
+                  <a:tcPr/>
+                </a:tc>
+                <a:extLst>
+                  <a:ext uri="{0D108BD9-81ED-4DB2-BD59-A6C34878D82A}">
+                    <a16:rowId xmlns:a16="http://schemas.microsoft.com/office/drawing/2014/main" val="1499257197"/>
+                  </a:ext>
+                </a:extLst>
+              </a:tr>
+            </a:tbl>
+          </a:graphicData>
+        </a:graphic>
+      </p:graphicFrame>
+      <p:graphicFrame>
+        <p:nvGraphicFramePr>
+          <p:cNvPr id="7" name="Table 5">
+            <a:extLst>
+              <a:ext uri="{FF2B5EF4-FFF2-40B4-BE49-F238E27FC236}">
+                <a16:creationId xmlns:a16="http://schemas.microsoft.com/office/drawing/2014/main" id="{6B5789FD-958A-0544-B5C6-069458CD87EF}"/>
+              </a:ext>
+            </a:extLst>
+          </p:cNvPr>
+          <p:cNvGraphicFramePr>
+            <a:graphicFrameLocks noGrp="1"/>
+          </p:cNvGraphicFramePr>
+          <p:nvPr>
+            <p:extLst>
+              <p:ext uri="{D42A27DB-BD31-4B8C-83A1-F6EECF244321}">
+                <p14:modId xmlns:p14="http://schemas.microsoft.com/office/powerpoint/2010/main" val="889200604"/>
+              </p:ext>
+            </p:extLst>
+          </p:nvPr>
+        </p:nvGraphicFramePr>
+        <p:xfrm>
+          <a:off x="2853094" y="3543001"/>
+          <a:ext cx="6096000" cy="370840"/>
+        </p:xfrm>
+        <a:graphic>
+          <a:graphicData uri="http://schemas.openxmlformats.org/drawingml/2006/table">
+            <a:tbl>
+              <a:tblPr firstRow="1" bandRow="1">
+                <a:tableStyleId>{5C22544A-7EE6-4342-B048-85BDC9FD1C3A}</a:tableStyleId>
+              </a:tblPr>
+              <a:tblGrid>
+                <a:gridCol w="1524000">
+                  <a:extLst>
+                    <a:ext uri="{9D8B030D-6E8A-4147-A177-3AD203B41FA5}">
+                      <a16:colId xmlns:a16="http://schemas.microsoft.com/office/drawing/2014/main" val="1832305868"/>
+                    </a:ext>
+                  </a:extLst>
+                </a:gridCol>
+                <a:gridCol w="1524000">
+                  <a:extLst>
+                    <a:ext uri="{9D8B030D-6E8A-4147-A177-3AD203B41FA5}">
+                      <a16:colId xmlns:a16="http://schemas.microsoft.com/office/drawing/2014/main" val="3094806888"/>
+                    </a:ext>
+                  </a:extLst>
+                </a:gridCol>
+                <a:gridCol w="1524000">
+                  <a:extLst>
+                    <a:ext uri="{9D8B030D-6E8A-4147-A177-3AD203B41FA5}">
+                      <a16:colId xmlns:a16="http://schemas.microsoft.com/office/drawing/2014/main" val="1423530525"/>
+                    </a:ext>
+                  </a:extLst>
+                </a:gridCol>
+                <a:gridCol w="1524000">
+                  <a:extLst>
+                    <a:ext uri="{9D8B030D-6E8A-4147-A177-3AD203B41FA5}">
+                      <a16:colId xmlns:a16="http://schemas.microsoft.com/office/drawing/2014/main" val="2266578767"/>
+                    </a:ext>
+                  </a:extLst>
+                </a:gridCol>
+              </a:tblGrid>
+              <a:tr h="370840">
+                <a:tc>
+                  <a:txBody>
+                    <a:bodyPr/>
+                    <a:lstStyle/>
+                    <a:p>
+                      <a:r>
+                        <a:rPr lang="en-US" dirty="0"/>
+                        <a:t>Tag1</a:t>
+                      </a:r>
+                    </a:p>
+                  </a:txBody>
+                  <a:tcPr/>
+                </a:tc>
+                <a:tc>
+                  <a:txBody>
+                    <a:bodyPr/>
+                    <a:lstStyle/>
+                    <a:p>
+                      <a:r>
+                        <a:rPr lang="en-US" dirty="0"/>
+                        <a:t>T1</a:t>
+                      </a:r>
+                    </a:p>
+                  </a:txBody>
+                  <a:tcPr/>
+                </a:tc>
+                <a:tc>
+                  <a:txBody>
+                    <a:bodyPr/>
+                    <a:lstStyle/>
+                    <a:p>
+                      <a:r>
+                        <a:rPr lang="en-US" dirty="0"/>
+                        <a:t>-</a:t>
+                      </a:r>
+                    </a:p>
+                  </a:txBody>
+                  <a:tcPr/>
+                </a:tc>
+                <a:tc>
+                  <a:txBody>
+                    <a:bodyPr/>
+                    <a:lstStyle/>
+                    <a:p>
+                      <a:r>
+                        <a:rPr lang="en-US" dirty="0"/>
+                        <a:t>D</a:t>
+                      </a:r>
+                    </a:p>
+                  </a:txBody>
+                  <a:tcPr/>
+                </a:tc>
+                <a:extLst>
+                  <a:ext uri="{0D108BD9-81ED-4DB2-BD59-A6C34878D82A}">
+                    <a16:rowId xmlns:a16="http://schemas.microsoft.com/office/drawing/2014/main" val="1499257197"/>
+                  </a:ext>
+                </a:extLst>
+              </a:tr>
+            </a:tbl>
+          </a:graphicData>
+        </a:graphic>
+      </p:graphicFrame>
+      <p:sp>
+        <p:nvSpPr>
+          <p:cNvPr id="8" name="Title 1">
+            <a:extLst>
+              <a:ext uri="{FF2B5EF4-FFF2-40B4-BE49-F238E27FC236}">
+                <a16:creationId xmlns:a16="http://schemas.microsoft.com/office/drawing/2014/main" id="{8F6E55B4-D80E-B247-9A18-6D502074D756}"/>
+              </a:ext>
+            </a:extLst>
+          </p:cNvPr>
+          <p:cNvSpPr>
+            <a:spLocks noGrp="1"/>
+          </p:cNvSpPr>
+          <p:nvPr>
+            <p:ph type="title"/>
+          </p:nvPr>
+        </p:nvSpPr>
+        <p:spPr>
+          <a:xfrm>
+            <a:off x="838200" y="365125"/>
+            <a:ext cx="10515600" cy="1325563"/>
+          </a:xfrm>
+        </p:spPr>
+        <p:txBody>
+          <a:bodyPr/>
+          <a:lstStyle/>
+          <a:p>
+            <a:r>
+              <a:rPr lang="en-US" dirty="0"/>
+              <a:t>Data structures</a:t>
+            </a:r>
+          </a:p>
+        </p:txBody>
+      </p:sp>
+      <p:sp>
+        <p:nvSpPr>
+          <p:cNvPr id="9" name="TextBox 8">
+            <a:extLst>
+              <a:ext uri="{FF2B5EF4-FFF2-40B4-BE49-F238E27FC236}">
+                <a16:creationId xmlns:a16="http://schemas.microsoft.com/office/drawing/2014/main" id="{A4F5DCFC-8C06-1048-A8A0-C9614AA8E452}"/>
+              </a:ext>
+            </a:extLst>
+          </p:cNvPr>
+          <p:cNvSpPr txBox="1"/>
+          <p:nvPr/>
+        </p:nvSpPr>
+        <p:spPr>
+          <a:xfrm>
+            <a:off x="989045" y="1426254"/>
+            <a:ext cx="4458336" cy="646331"/>
+          </a:xfrm>
+          <a:prstGeom prst="rect">
+            <a:avLst/>
+          </a:prstGeom>
+          <a:noFill/>
+        </p:spPr>
+        <p:txBody>
+          <a:bodyPr wrap="none" rtlCol="0">
+            <a:spAutoFit/>
+          </a:bodyPr>
+          <a:lstStyle/>
+          <a:p>
+            <a:pPr marL="342900" indent="-342900">
+              <a:buFont typeface="+mj-lt"/>
+              <a:buAutoNum type="arabicPeriod"/>
+            </a:pPr>
+            <a:r>
+              <a:rPr lang="en-US" dirty="0"/>
+              <a:t>LSM</a:t>
+            </a:r>
+          </a:p>
+          <a:p>
+            <a:pPr marL="342900" indent="-342900">
+              <a:buFont typeface="+mj-lt"/>
+              <a:buAutoNum type="arabicPeriod"/>
+            </a:pPr>
+            <a:r>
+              <a:rPr lang="en-US" dirty="0"/>
+              <a:t>Time-Tag Partitioning (Row Ordered Page)</a:t>
+            </a:r>
+          </a:p>
+        </p:txBody>
+      </p:sp>
+      <p:sp>
+        <p:nvSpPr>
+          <p:cNvPr id="10" name="TextBox 9">
+            <a:extLst>
+              <a:ext uri="{FF2B5EF4-FFF2-40B4-BE49-F238E27FC236}">
+                <a16:creationId xmlns:a16="http://schemas.microsoft.com/office/drawing/2014/main" id="{A8FAAEC6-834C-EA4F-9BCB-D711659699D6}"/>
+              </a:ext>
+            </a:extLst>
+          </p:cNvPr>
+          <p:cNvSpPr txBox="1"/>
+          <p:nvPr/>
+        </p:nvSpPr>
+        <p:spPr>
+          <a:xfrm>
+            <a:off x="2054958" y="4785416"/>
+            <a:ext cx="7378291" cy="646331"/>
+          </a:xfrm>
+          <a:prstGeom prst="rect">
+            <a:avLst/>
+          </a:prstGeom>
+          <a:noFill/>
+        </p:spPr>
+        <p:txBody>
+          <a:bodyPr wrap="square" rtlCol="0">
+            <a:spAutoFit/>
+          </a:bodyPr>
+          <a:lstStyle/>
+          <a:p>
+            <a:pPr algn="ctr"/>
+            <a:r>
+              <a:rPr lang="en-US" dirty="0">
+                <a:solidFill>
+                  <a:srgbClr val="FF0000"/>
+                </a:solidFill>
+              </a:rPr>
+              <a:t>Only –</a:t>
+            </a:r>
+            <a:r>
+              <a:rPr lang="en-US" dirty="0" err="1">
+                <a:solidFill>
+                  <a:srgbClr val="FF0000"/>
+                </a:solidFill>
+              </a:rPr>
+              <a:t>ve</a:t>
+            </a:r>
+            <a:r>
+              <a:rPr lang="en-US" dirty="0">
+                <a:solidFill>
+                  <a:srgbClr val="FF0000"/>
+                </a:solidFill>
+              </a:rPr>
+              <a:t> for this DS is that it accumulates on space which is what also gives it speed, later can be recovered by vacuuming (sperate GC thread). </a:t>
+            </a:r>
+          </a:p>
+        </p:txBody>
+      </p:sp>
+    </p:spTree>
+    <p:extLst>
+      <p:ext uri="{BB962C8B-B14F-4D97-AF65-F5344CB8AC3E}">
+        <p14:creationId xmlns:p14="http://schemas.microsoft.com/office/powerpoint/2010/main" val="1447585960"/>
+      </p:ext>
+    </p:extLst>
+  </p:cSld>
+  <p:clrMapOvr>
+    <a:masterClrMapping/>
+  </p:clrMapOvr>
+  <p:timing>
+    <p:tnLst>
+      <p:par>
+        <p:cTn id="1" dur="indefinite" restart="never" nodeType="tmRoot">
+          <p:childTnLst>
+            <p:seq concurrent="1" nextAc="seek">
+              <p:cTn id="2" dur="indefinite" nodeType="mainSeq">
+                <p:childTnLst>
+                  <p:par>
+                    <p:cTn id="3" fill="hold">
+                      <p:stCondLst>
+                        <p:cond delay="indefinite"/>
+                      </p:stCondLst>
+                      <p:childTnLst>
+                        <p:par>
+                          <p:cTn id="4" fill="hold">
+                            <p:stCondLst>
+                              <p:cond delay="0"/>
+                            </p:stCondLst>
+                            <p:childTnLst>
+                              <p:par>
+                                <p:cTn id="5" presetID="1" presetClass="entr" presetSubtype="0" fill="hold" nodeType="clickEffect">
+                                  <p:stCondLst>
+                                    <p:cond delay="0"/>
+                                  </p:stCondLst>
+                                  <p:childTnLst>
+                                    <p:set>
+                                      <p:cBhvr>
+                                        <p:cTn id="6" dur="1" fill="hold">
+                                          <p:stCondLst>
+                                            <p:cond delay="0"/>
+                                          </p:stCondLst>
+                                        </p:cTn>
+                                        <p:tgtEl>
+                                          <p:spTgt spid="5"/>
+                                        </p:tgtEl>
+                                        <p:attrNameLst>
+                                          <p:attrName>style.visibility</p:attrName>
+                                        </p:attrNameLst>
+                                      </p:cBhvr>
+                                      <p:to>
+                                        <p:strVal val="visible"/>
+                                      </p:to>
+                                    </p:set>
+                                  </p:childTnLst>
+                                </p:cTn>
+                              </p:par>
+                            </p:childTnLst>
+                          </p:cTn>
+                        </p:par>
+                      </p:childTnLst>
+                    </p:cTn>
+                  </p:par>
+                  <p:par>
+                    <p:cTn id="7" fill="hold">
+                      <p:stCondLst>
+                        <p:cond delay="indefinite"/>
+                      </p:stCondLst>
+                      <p:childTnLst>
+                        <p:par>
+                          <p:cTn id="8" fill="hold">
+                            <p:stCondLst>
+                              <p:cond delay="0"/>
+                            </p:stCondLst>
+                            <p:childTnLst>
+                              <p:par>
+                                <p:cTn id="9" presetID="1" presetClass="entr" presetSubtype="0" fill="hold" nodeType="clickEffect">
+                                  <p:stCondLst>
+                                    <p:cond delay="0"/>
+                                  </p:stCondLst>
+                                  <p:childTnLst>
+                                    <p:set>
+                                      <p:cBhvr>
+                                        <p:cTn id="10" dur="1" fill="hold">
+                                          <p:stCondLst>
+                                            <p:cond delay="0"/>
+                                          </p:stCondLst>
+                                        </p:cTn>
+                                        <p:tgtEl>
+                                          <p:spTgt spid="6"/>
+                                        </p:tgtEl>
+                                        <p:attrNameLst>
+                                          <p:attrName>style.visibility</p:attrName>
+                                        </p:attrNameLst>
+                                      </p:cBhvr>
+                                      <p:to>
+                                        <p:strVal val="visible"/>
+                                      </p:to>
+                                    </p:set>
+                                  </p:childTnLst>
+                                </p:cTn>
+                              </p:par>
+                            </p:childTnLst>
+                          </p:cTn>
+                        </p:par>
+                      </p:childTnLst>
+                    </p:cTn>
+                  </p:par>
+                  <p:par>
+                    <p:cTn id="11" fill="hold">
+                      <p:stCondLst>
+                        <p:cond delay="indefinite"/>
+                      </p:stCondLst>
+                      <p:childTnLst>
+                        <p:par>
+                          <p:cTn id="12" fill="hold">
+                            <p:stCondLst>
+                              <p:cond delay="0"/>
+                            </p:stCondLst>
+                            <p:childTnLst>
+                              <p:par>
+                                <p:cTn id="13" presetID="1" presetClass="entr" presetSubtype="0" fill="hold" nodeType="clickEffect">
+                                  <p:stCondLst>
+                                    <p:cond delay="0"/>
+                                  </p:stCondLst>
+                                  <p:childTnLst>
+                                    <p:set>
+                                      <p:cBhvr>
+                                        <p:cTn id="14" dur="1" fill="hold">
+                                          <p:stCondLst>
+                                            <p:cond delay="0"/>
+                                          </p:stCondLst>
+                                        </p:cTn>
+                                        <p:tgtEl>
+                                          <p:spTgt spid="7"/>
+                                        </p:tgtEl>
+                                        <p:attrNameLst>
+                                          <p:attrName>style.visibility</p:attrName>
+                                        </p:attrNameLst>
+                                      </p:cBhvr>
+                                      <p:to>
+                                        <p:strVal val="visible"/>
+                                      </p:to>
+                                    </p:set>
+                                  </p:childTnLst>
+                                </p:cTn>
+                              </p:par>
+                            </p:childTnLst>
+                          </p:cTn>
+                        </p:par>
+                      </p:childTnLst>
+                    </p:cTn>
+                  </p:par>
+                  <p:par>
+                    <p:cTn id="15" fill="hold">
+                      <p:stCondLst>
+                        <p:cond delay="indefinite"/>
+                      </p:stCondLst>
+                      <p:childTnLst>
+                        <p:par>
+                          <p:cTn id="16" fill="hold">
+                            <p:stCondLst>
+                              <p:cond delay="0"/>
+                            </p:stCondLst>
+                            <p:childTnLst>
+                              <p:par>
+                                <p:cTn id="17" presetID="1" presetClass="entr" presetSubtype="0" fill="hold" grpId="0" nodeType="clickEffect">
+                                  <p:stCondLst>
+                                    <p:cond delay="0"/>
+                                  </p:stCondLst>
+                                  <p:childTnLst>
+                                    <p:set>
+                                      <p:cBhvr>
+                                        <p:cTn id="18" dur="1" fill="hold">
+                                          <p:stCondLst>
+                                            <p:cond delay="0"/>
+                                          </p:stCondLst>
+                                        </p:cTn>
+                                        <p:tgtEl>
+                                          <p:spTgt spid="10"/>
+                                        </p:tgtEl>
+                                        <p:attrNameLst>
+                                          <p:attrName>style.visibility</p:attrName>
+                                        </p:attrNameLst>
+                                      </p:cBhvr>
+                                      <p:to>
+                                        <p:strVal val="visible"/>
+                                      </p:to>
+                                    </p:set>
+                                  </p:childTnLst>
+                                </p:cTn>
+                              </p:par>
+                            </p:childTnLst>
+                          </p:cTn>
+                        </p:par>
+                      </p:childTnLst>
+                    </p:cTn>
+                  </p:par>
+                </p:childTnLst>
+              </p:cTn>
+              <p:prevCondLst>
+                <p:cond evt="onPrev" delay="0">
+                  <p:tgtEl>
+                    <p:sldTgt/>
+                  </p:tgtEl>
+                </p:cond>
+              </p:prevCondLst>
+              <p:nextCondLst>
+                <p:cond evt="onNext" delay="0">
+                  <p:tgtEl>
+                    <p:sldTgt/>
+                  </p:tgtEl>
+                </p:cond>
+              </p:nextCondLst>
+            </p:seq>
+          </p:childTnLst>
+        </p:cTn>
+      </p:par>
+    </p:tnLst>
+    <p:bldLst>
+      <p:bldP spid="10" grpId="0"/>
+    </p:bldLst>
+  </p:timing>
+</p:sld>
+</file>
+
+<file path=ppt/slides/slide5.xml><?xml version="1.0" encoding="utf-8"?>
 <p:sld xmlns:a="http://schemas.openxmlformats.org/drawingml/2006/main" xmlns:r="http://schemas.openxmlformats.org/officeDocument/2006/relationships" xmlns:p="http://schemas.openxmlformats.org/presentationml/2006/main">
   <p:cSld>
     <p:spTree>
@@ -4876,7 +8662,7 @@
         <p:spPr>
           <a:xfrm>
             <a:off x="9153427" y="5124267"/>
-            <a:ext cx="2708620" cy="1200329"/>
+            <a:ext cx="2708620" cy="1477328"/>
           </a:xfrm>
           <a:prstGeom prst="rect">
             <a:avLst/>
@@ -4905,7 +8691,7 @@
             </a:pPr>
             <a:r>
               <a:rPr lang="en-US" dirty="0"/>
-              <a:t>Insert rate = Number of TPS * Timespan *</a:t>
+              <a:t>Insert rate = Number of TPS * Timespan * Tag group</a:t>
             </a:r>
           </a:p>
         </p:txBody>
@@ -5326,7 +9112,7 @@
                                 </p:cTn>
                               </p:par>
                               <p:par>
-                                <p:cTn id="25" presetID="1" presetClass="entr" presetSubtype="0" fill="hold" nodeType="withEffect">
+                                <p:cTn id="25" presetID="1" presetClass="entr" presetSubtype="0" fill="hold" grpId="0" nodeType="withEffect">
                                   <p:stCondLst>
                                     <p:cond delay="0"/>
                                   </p:stCondLst>
@@ -5334,6 +9120,33 @@
                                     <p:set>
                                       <p:cBhvr>
                                         <p:cTn id="26" dur="1" fill="hold">
+                                          <p:stCondLst>
+                                            <p:cond delay="0"/>
+                                          </p:stCondLst>
+                                        </p:cTn>
+                                        <p:tgtEl>
+                                          <p:spTgt spid="14"/>
+                                        </p:tgtEl>
+                                        <p:attrNameLst>
+                                          <p:attrName>style.visibility</p:attrName>
+                                        </p:attrNameLst>
+                                      </p:cBhvr>
+                                      <p:to>
+                                        <p:strVal val="visible"/>
+                                      </p:to>
+                                    </p:set>
+                                  </p:childTnLst>
+                                </p:cTn>
+                              </p:par>
+                              <p:par>
+                                <p:cTn id="27" presetID="1" presetClass="entr" presetSubtype="0" fill="hold" nodeType="withEffect">
+                                  <p:stCondLst>
+                                    <p:cond delay="0"/>
+                                  </p:stCondLst>
+                                  <p:childTnLst>
+                                    <p:set>
+                                      <p:cBhvr>
+                                        <p:cTn id="28" dur="1" fill="hold">
                                           <p:stCondLst>
                                             <p:cond delay="0"/>
                                           </p:stCondLst>
@@ -5353,14 +9166,14 @@
                                 </p:cTn>
                               </p:par>
                               <p:par>
-                                <p:cTn id="27" presetID="1" presetClass="entr" presetSubtype="0" fill="hold" grpId="0" nodeType="withEffect">
+                                <p:cTn id="29" presetID="1" presetClass="entr" presetSubtype="0" fill="hold" grpId="0" nodeType="withEffect">
                                   <p:stCondLst>
                                     <p:cond delay="0"/>
                                   </p:stCondLst>
                                   <p:childTnLst>
                                     <p:set>
                                       <p:cBhvr>
-                                        <p:cTn id="28" dur="1" fill="hold">
+                                        <p:cTn id="30" dur="1" fill="hold">
                                           <p:stCondLst>
                                             <p:cond delay="0"/>
                                           </p:stCondLst>
@@ -5414,12 +9227,13 @@
       <p:bldP spid="11" grpId="0"/>
       <p:bldP spid="12" grpId="0"/>
       <p:bldP spid="13" grpId="0" animBg="1"/>
+      <p:bldP spid="14" grpId="0" animBg="1"/>
     </p:bldLst>
   </p:timing>
 </p:sld>
 </file>
 
-<file path=ppt/slides/slide3.xml><?xml version="1.0" encoding="utf-8"?>
+<file path=ppt/slides/slide6.xml><?xml version="1.0" encoding="utf-8"?>
 <p:sld xmlns:a="http://schemas.openxmlformats.org/drawingml/2006/main" xmlns:r="http://schemas.openxmlformats.org/officeDocument/2006/relationships" xmlns:p="http://schemas.openxmlformats.org/presentationml/2006/main">
   <p:cSld>
     <p:spTree>
@@ -5450,7 +9264,7 @@
         </p:nvSpPr>
         <p:spPr>
           <a:xfrm>
-            <a:off x="5386811" y="1943255"/>
+            <a:off x="2550305" y="1418154"/>
             <a:ext cx="1946495" cy="2326740"/>
           </a:xfrm>
           <a:prstGeom prst="roundRect">
@@ -5498,7 +9312,7 @@
         </p:nvSpPr>
         <p:spPr>
           <a:xfrm>
-            <a:off x="5195211" y="2099827"/>
+            <a:off x="2358705" y="1574726"/>
             <a:ext cx="1946495" cy="2326740"/>
           </a:xfrm>
           <a:prstGeom prst="roundRect">
@@ -5546,7 +9360,7 @@
         </p:nvSpPr>
         <p:spPr>
           <a:xfrm>
-            <a:off x="5051834" y="2289372"/>
+            <a:off x="2215328" y="1764271"/>
             <a:ext cx="1946495" cy="2326740"/>
           </a:xfrm>
           <a:prstGeom prst="roundRect">
@@ -5596,14 +9410,19 @@
             <p:ph type="title"/>
           </p:nvPr>
         </p:nvSpPr>
-        <p:spPr/>
+        <p:spPr>
+          <a:xfrm>
+            <a:off x="767281" y="92591"/>
+            <a:ext cx="10515600" cy="1325563"/>
+          </a:xfrm>
+        </p:spPr>
         <p:txBody>
           <a:bodyPr/>
           <a:lstStyle/>
           <a:p>
             <a:r>
               <a:rPr lang="en-US" dirty="0"/>
-              <a:t>Host Diagram</a:t>
+              <a:t>Technology</a:t>
             </a:r>
           </a:p>
         </p:txBody>
@@ -5622,7 +9441,7 @@
         </p:nvSpPr>
         <p:spPr>
           <a:xfrm>
-            <a:off x="9162108" y="3573987"/>
+            <a:off x="7446659" y="1018533"/>
             <a:ext cx="1466661" cy="1392017"/>
           </a:xfrm>
           <a:prstGeom prst="can">
@@ -5652,7 +9471,7 @@
             <a:pPr algn="ctr"/>
             <a:r>
               <a:rPr lang="en-US" dirty="0"/>
-              <a:t>Redis</a:t>
+              <a:t>Redis Shard-1</a:t>
             </a:r>
           </a:p>
           <a:p>
@@ -5678,7 +9497,7 @@
         </p:nvSpPr>
         <p:spPr>
           <a:xfrm>
-            <a:off x="5435128" y="3452742"/>
+            <a:off x="2598622" y="2927641"/>
             <a:ext cx="1195058" cy="973825"/>
           </a:xfrm>
           <a:prstGeom prst="rect">
@@ -5733,7 +9552,7 @@
         </p:nvSpPr>
         <p:spPr>
           <a:xfrm>
-            <a:off x="5386812" y="2444849"/>
+            <a:off x="2550306" y="1919748"/>
             <a:ext cx="1314277" cy="646331"/>
           </a:xfrm>
           <a:prstGeom prst="rect">
@@ -5767,60 +9586,19 @@
           <p:cNvCxnSpPr>
             <a:cxnSpLocks/>
             <a:stCxn id="6" idx="3"/>
-            <a:endCxn id="4" idx="1"/>
+            <a:endCxn id="32" idx="1"/>
           </p:cNvCxnSpPr>
           <p:nvPr/>
         </p:nvCxnSpPr>
         <p:spPr>
           <a:xfrm>
-            <a:off x="6998329" y="3452742"/>
-            <a:ext cx="2897110" cy="121245"/>
+            <a:off x="4161823" y="2927641"/>
+            <a:ext cx="3162707" cy="245919"/>
           </a:xfrm>
-          <a:prstGeom prst="bentConnector2">
-            <a:avLst/>
-          </a:prstGeom>
-          <a:ln>
-            <a:tailEnd type="triangle"/>
-          </a:ln>
-        </p:spPr>
-        <p:style>
-          <a:lnRef idx="1">
-            <a:schemeClr val="accent1"/>
-          </a:lnRef>
-          <a:fillRef idx="0">
-            <a:schemeClr val="accent1"/>
-          </a:fillRef>
-          <a:effectRef idx="0">
-            <a:schemeClr val="accent1"/>
-          </a:effectRef>
-          <a:fontRef idx="minor">
-            <a:schemeClr val="tx1"/>
-          </a:fontRef>
-        </p:style>
-      </p:cxnSp>
-      <p:cxnSp>
-        <p:nvCxnSpPr>
-          <p:cNvPr id="11" name="Elbow Connector 10">
-            <a:extLst>
-              <a:ext uri="{FF2B5EF4-FFF2-40B4-BE49-F238E27FC236}">
-                <a16:creationId xmlns:a16="http://schemas.microsoft.com/office/drawing/2014/main" id="{8B43908C-15A9-AB4F-8161-10B4AFE26F17}"/>
-              </a:ext>
-            </a:extLst>
-          </p:cNvPr>
-          <p:cNvCxnSpPr>
-            <a:cxnSpLocks/>
-            <a:stCxn id="4" idx="1"/>
-            <a:endCxn id="6" idx="3"/>
-          </p:cNvCxnSpPr>
-          <p:nvPr/>
-        </p:nvCxnSpPr>
-        <p:spPr>
-          <a:xfrm rot="16200000" flipV="1">
-            <a:off x="8386262" y="2064810"/>
-            <a:ext cx="121245" cy="2897110"/>
-          </a:xfrm>
-          <a:prstGeom prst="bentConnector2">
-            <a:avLst/>
+          <a:prstGeom prst="bentConnector3">
+            <a:avLst>
+              <a:gd name="adj1" fmla="val 50000"/>
+            </a:avLst>
           </a:prstGeom>
           <a:ln>
             <a:tailEnd type="triangle"/>
@@ -5855,7 +9633,7 @@
         </p:nvSpPr>
         <p:spPr>
           <a:xfrm>
-            <a:off x="5386812" y="5214796"/>
+            <a:off x="936111" y="4794964"/>
             <a:ext cx="5386812" cy="1376127"/>
           </a:xfrm>
           <a:prstGeom prst="rect">
@@ -5909,7 +9687,7 @@
         </p:nvSpPr>
         <p:spPr>
           <a:xfrm>
-            <a:off x="5730844" y="5739897"/>
+            <a:off x="1261481" y="5326747"/>
             <a:ext cx="1267485" cy="742384"/>
           </a:xfrm>
           <a:prstGeom prst="can">
@@ -5958,7 +9736,7 @@
         </p:nvSpPr>
         <p:spPr>
           <a:xfrm>
-            <a:off x="7546064" y="5739897"/>
+            <a:off x="3076701" y="5326747"/>
             <a:ext cx="1267485" cy="742384"/>
           </a:xfrm>
           <a:prstGeom prst="can">
@@ -6007,7 +9785,7 @@
         </p:nvSpPr>
         <p:spPr>
           <a:xfrm>
-            <a:off x="9361284" y="5739897"/>
+            <a:off x="4891921" y="5326747"/>
             <a:ext cx="1267485" cy="742384"/>
           </a:xfrm>
           <a:prstGeom prst="can">
@@ -6056,7 +9834,7 @@
         </p:nvSpPr>
         <p:spPr>
           <a:xfrm>
-            <a:off x="7405734" y="5214796"/>
+            <a:off x="2883527" y="4779074"/>
             <a:ext cx="1853008" cy="369332"/>
           </a:xfrm>
           <a:prstGeom prst="rect">
@@ -6092,12 +9870,15 @@
           <p:nvPr/>
         </p:nvCxnSpPr>
         <p:spPr>
-          <a:xfrm>
-            <a:off x="6998329" y="3452742"/>
-            <a:ext cx="1333909" cy="1762054"/>
+          <a:xfrm flipH="1">
+            <a:off x="3810031" y="2927641"/>
+            <a:ext cx="351792" cy="1851433"/>
           </a:xfrm>
-          <a:prstGeom prst="bentConnector2">
-            <a:avLst/>
+          <a:prstGeom prst="bentConnector4">
+            <a:avLst>
+              <a:gd name="adj1" fmla="val -64982"/>
+              <a:gd name="adj2" fmla="val 81418"/>
+            </a:avLst>
           </a:prstGeom>
           <a:ln>
             <a:tailEnd type="triangle"/>
@@ -6132,8 +9913,8 @@
         </p:nvSpPr>
         <p:spPr>
           <a:xfrm>
-            <a:off x="3047301" y="2838214"/>
-            <a:ext cx="1589598" cy="1229055"/>
+            <a:off x="434729" y="1830321"/>
+            <a:ext cx="1589598" cy="856895"/>
           </a:xfrm>
           <a:prstGeom prst="rightArrow">
             <a:avLst/>
@@ -6167,6 +9948,172 @@
           </a:p>
         </p:txBody>
       </p:sp>
+      <p:sp>
+        <p:nvSpPr>
+          <p:cNvPr id="23" name="Can 22">
+            <a:extLst>
+              <a:ext uri="{FF2B5EF4-FFF2-40B4-BE49-F238E27FC236}">
+                <a16:creationId xmlns:a16="http://schemas.microsoft.com/office/drawing/2014/main" id="{02E23BE9-00EE-4F4F-9958-6B616B47CEC9}"/>
+              </a:ext>
+            </a:extLst>
+          </p:cNvPr>
+          <p:cNvSpPr/>
+          <p:nvPr/>
+        </p:nvSpPr>
+        <p:spPr>
+          <a:xfrm>
+            <a:off x="7467907" y="2509449"/>
+            <a:ext cx="1466661" cy="1392017"/>
+          </a:xfrm>
+          <a:prstGeom prst="can">
+            <a:avLst/>
+          </a:prstGeom>
+        </p:spPr>
+        <p:style>
+          <a:lnRef idx="2">
+            <a:schemeClr val="accent1">
+              <a:shade val="50000"/>
+            </a:schemeClr>
+          </a:lnRef>
+          <a:fillRef idx="1">
+            <a:schemeClr val="accent1"/>
+          </a:fillRef>
+          <a:effectRef idx="0">
+            <a:schemeClr val="accent1"/>
+          </a:effectRef>
+          <a:fontRef idx="minor">
+            <a:schemeClr val="lt1"/>
+          </a:fontRef>
+        </p:style>
+        <p:txBody>
+          <a:bodyPr rtlCol="0" anchor="ctr"/>
+          <a:lstStyle/>
+          <a:p>
+            <a:pPr algn="ctr"/>
+            <a:r>
+              <a:rPr lang="en-US" dirty="0"/>
+              <a:t>Redis Shard-1</a:t>
+            </a:r>
+          </a:p>
+          <a:p>
+            <a:pPr algn="ctr"/>
+            <a:r>
+              <a:rPr lang="en-US" dirty="0"/>
+              <a:t>Hot Store</a:t>
+            </a:r>
+          </a:p>
+        </p:txBody>
+      </p:sp>
+      <p:sp>
+        <p:nvSpPr>
+          <p:cNvPr id="24" name="Can 23">
+            <a:extLst>
+              <a:ext uri="{FF2B5EF4-FFF2-40B4-BE49-F238E27FC236}">
+                <a16:creationId xmlns:a16="http://schemas.microsoft.com/office/drawing/2014/main" id="{33341446-DBB3-CF4D-82C6-51C24B1DE734}"/>
+              </a:ext>
+            </a:extLst>
+          </p:cNvPr>
+          <p:cNvSpPr/>
+          <p:nvPr/>
+        </p:nvSpPr>
+        <p:spPr>
+          <a:xfrm>
+            <a:off x="7484164" y="3943962"/>
+            <a:ext cx="1466661" cy="1392017"/>
+          </a:xfrm>
+          <a:prstGeom prst="can">
+            <a:avLst/>
+          </a:prstGeom>
+        </p:spPr>
+        <p:style>
+          <a:lnRef idx="2">
+            <a:schemeClr val="accent1">
+              <a:shade val="50000"/>
+            </a:schemeClr>
+          </a:lnRef>
+          <a:fillRef idx="1">
+            <a:schemeClr val="accent1"/>
+          </a:fillRef>
+          <a:effectRef idx="0">
+            <a:schemeClr val="accent1"/>
+          </a:effectRef>
+          <a:fontRef idx="minor">
+            <a:schemeClr val="lt1"/>
+          </a:fontRef>
+        </p:style>
+        <p:txBody>
+          <a:bodyPr rtlCol="0" anchor="ctr"/>
+          <a:lstStyle/>
+          <a:p>
+            <a:pPr algn="ctr"/>
+            <a:r>
+              <a:rPr lang="en-US" dirty="0"/>
+              <a:t>Redis Shard-1</a:t>
+            </a:r>
+          </a:p>
+          <a:p>
+            <a:pPr algn="ctr"/>
+            <a:r>
+              <a:rPr lang="en-US" dirty="0"/>
+              <a:t>Hot Store</a:t>
+            </a:r>
+          </a:p>
+        </p:txBody>
+      </p:sp>
+      <p:sp>
+        <p:nvSpPr>
+          <p:cNvPr id="32" name="Rectangle 31">
+            <a:extLst>
+              <a:ext uri="{FF2B5EF4-FFF2-40B4-BE49-F238E27FC236}">
+                <a16:creationId xmlns:a16="http://schemas.microsoft.com/office/drawing/2014/main" id="{FD8923B0-28B6-2E4B-A1D2-EA99B7E1CD20}"/>
+              </a:ext>
+            </a:extLst>
+          </p:cNvPr>
+          <p:cNvSpPr/>
+          <p:nvPr/>
+        </p:nvSpPr>
+        <p:spPr>
+          <a:xfrm>
+            <a:off x="7324530" y="730090"/>
+            <a:ext cx="1853009" cy="4886939"/>
+          </a:xfrm>
+          <a:prstGeom prst="rect">
+            <a:avLst/>
+          </a:prstGeom>
+          <a:noFill/>
+          <a:ln w="9525" cap="flat" cmpd="sng" algn="ctr">
+            <a:solidFill>
+              <a:schemeClr val="accent1"/>
+            </a:solidFill>
+            <a:prstDash val="solid"/>
+            <a:round/>
+            <a:headEnd type="none" w="med" len="med"/>
+            <a:tailEnd type="none" w="med" len="med"/>
+          </a:ln>
+        </p:spPr>
+        <p:style>
+          <a:lnRef idx="0">
+            <a:scrgbClr r="0" g="0" b="0"/>
+          </a:lnRef>
+          <a:fillRef idx="0">
+            <a:scrgbClr r="0" g="0" b="0"/>
+          </a:fillRef>
+          <a:effectRef idx="0">
+            <a:scrgbClr r="0" g="0" b="0"/>
+          </a:effectRef>
+          <a:fontRef idx="minor">
+            <a:schemeClr val="accent1"/>
+          </a:fontRef>
+        </p:style>
+        <p:txBody>
+          <a:bodyPr rtlCol="0" anchor="t"/>
+          <a:lstStyle/>
+          <a:p>
+            <a:pPr algn="ctr"/>
+            <a:endParaRPr lang="en-US" dirty="0"/>
+          </a:p>
+        </p:txBody>
+      </p:sp>
     </p:spTree>
     <p:extLst>
       <p:ext uri="{BB962C8B-B14F-4D97-AF65-F5344CB8AC3E}">
@@ -6180,7 +10127,249 @@
 </p:sld>
 </file>
 
-<file path=ppt/slides/slide4.xml><?xml version="1.0" encoding="utf-8"?>
+<file path=ppt/slides/slide7.xml><?xml version="1.0" encoding="utf-8"?>
+<p:sld xmlns:a="http://schemas.openxmlformats.org/drawingml/2006/main" xmlns:r="http://schemas.openxmlformats.org/officeDocument/2006/relationships" xmlns:p="http://schemas.openxmlformats.org/presentationml/2006/main">
+  <p:cSld>
+    <p:spTree>
+      <p:nvGrpSpPr>
+        <p:cNvPr id="1" name=""/>
+        <p:cNvGrpSpPr/>
+        <p:nvPr/>
+      </p:nvGrpSpPr>
+      <p:grpSpPr>
+        <a:xfrm>
+          <a:off x="0" y="0"/>
+          <a:ext cx="0" cy="0"/>
+          <a:chOff x="0" y="0"/>
+          <a:chExt cx="0" cy="0"/>
+        </a:xfrm>
+      </p:grpSpPr>
+      <p:sp>
+        <p:nvSpPr>
+          <p:cNvPr id="2" name="Title 1">
+            <a:extLst>
+              <a:ext uri="{FF2B5EF4-FFF2-40B4-BE49-F238E27FC236}">
+                <a16:creationId xmlns:a16="http://schemas.microsoft.com/office/drawing/2014/main" id="{6DA3381B-882D-A647-933E-9E224A60352D}"/>
+              </a:ext>
+            </a:extLst>
+          </p:cNvPr>
+          <p:cNvSpPr>
+            <a:spLocks noGrp="1"/>
+          </p:cNvSpPr>
+          <p:nvPr>
+            <p:ph type="title"/>
+          </p:nvPr>
+        </p:nvSpPr>
+        <p:spPr>
+          <a:xfrm>
+            <a:off x="838200" y="2604472"/>
+            <a:ext cx="10515600" cy="1325563"/>
+          </a:xfrm>
+        </p:spPr>
+        <p:txBody>
+          <a:bodyPr/>
+          <a:lstStyle/>
+          <a:p>
+            <a:pPr algn="ctr"/>
+            <a:r>
+              <a:rPr lang="en-US" dirty="0"/>
+              <a:t>Performance Demo</a:t>
+            </a:r>
+          </a:p>
+        </p:txBody>
+      </p:sp>
+    </p:spTree>
+    <p:extLst>
+      <p:ext uri="{BB962C8B-B14F-4D97-AF65-F5344CB8AC3E}">
+        <p14:creationId xmlns:p14="http://schemas.microsoft.com/office/powerpoint/2010/main" val="1182051041"/>
+      </p:ext>
+    </p:extLst>
+  </p:cSld>
+  <p:clrMapOvr>
+    <a:masterClrMapping/>
+  </p:clrMapOvr>
+</p:sld>
+</file>
+
+<file path=ppt/slides/slide8.xml><?xml version="1.0" encoding="utf-8"?>
+<p:sld xmlns:a="http://schemas.openxmlformats.org/drawingml/2006/main" xmlns:r="http://schemas.openxmlformats.org/officeDocument/2006/relationships" xmlns:p="http://schemas.openxmlformats.org/presentationml/2006/main">
+  <p:cSld>
+    <p:spTree>
+      <p:nvGrpSpPr>
+        <p:cNvPr id="1" name=""/>
+        <p:cNvGrpSpPr/>
+        <p:nvPr/>
+      </p:nvGrpSpPr>
+      <p:grpSpPr>
+        <a:xfrm>
+          <a:off x="0" y="0"/>
+          <a:ext cx="0" cy="0"/>
+          <a:chOff x="0" y="0"/>
+          <a:chExt cx="0" cy="0"/>
+        </a:xfrm>
+      </p:grpSpPr>
+      <p:sp>
+        <p:nvSpPr>
+          <p:cNvPr id="2" name="Title 1">
+            <a:extLst>
+              <a:ext uri="{FF2B5EF4-FFF2-40B4-BE49-F238E27FC236}">
+                <a16:creationId xmlns:a16="http://schemas.microsoft.com/office/drawing/2014/main" id="{3D03403D-DF69-BA45-9298-2CA04987156D}"/>
+              </a:ext>
+            </a:extLst>
+          </p:cNvPr>
+          <p:cNvSpPr>
+            <a:spLocks noGrp="1"/>
+          </p:cNvSpPr>
+          <p:nvPr>
+            <p:ph type="title"/>
+          </p:nvPr>
+        </p:nvSpPr>
+        <p:spPr/>
+        <p:txBody>
+          <a:bodyPr/>
+          <a:lstStyle/>
+          <a:p>
+            <a:r>
+              <a:rPr lang="en-US" dirty="0"/>
+              <a:t>Conclusion</a:t>
+            </a:r>
+          </a:p>
+        </p:txBody>
+      </p:sp>
+      <p:sp>
+        <p:nvSpPr>
+          <p:cNvPr id="3" name="Content Placeholder 2">
+            <a:extLst>
+              <a:ext uri="{FF2B5EF4-FFF2-40B4-BE49-F238E27FC236}">
+                <a16:creationId xmlns:a16="http://schemas.microsoft.com/office/drawing/2014/main" id="{E0E4DD8D-2A3C-6149-919C-CA7118DEA4B9}"/>
+              </a:ext>
+            </a:extLst>
+          </p:cNvPr>
+          <p:cNvSpPr>
+            <a:spLocks noGrp="1"/>
+          </p:cNvSpPr>
+          <p:nvPr>
+            <p:ph idx="1"/>
+          </p:nvPr>
+        </p:nvSpPr>
+        <p:spPr>
+          <a:xfrm>
+            <a:off x="838200" y="2604295"/>
+            <a:ext cx="10515600" cy="1603811"/>
+          </a:xfrm>
+        </p:spPr>
+        <p:txBody>
+          <a:bodyPr>
+            <a:normAutofit/>
+          </a:bodyPr>
+          <a:lstStyle/>
+          <a:p>
+            <a:pPr marL="457200" lvl="1" indent="0" algn="ctr">
+              <a:buNone/>
+            </a:pPr>
+            <a:r>
+              <a:rPr lang="en-US" dirty="0"/>
+              <a:t>Using the correct technology with right data structures in right places can get us the required scale and flexibility that we are looking out from a scalable timeseries.</a:t>
+            </a:r>
+          </a:p>
+          <a:p>
+            <a:pPr marL="457200" lvl="1" indent="0" algn="ctr">
+              <a:buNone/>
+            </a:pPr>
+            <a:r>
+              <a:rPr lang="en-US" sz="1200" dirty="0"/>
+              <a:t>Apart we need a Hash function with limited space probabilities</a:t>
+            </a:r>
+          </a:p>
+        </p:txBody>
+      </p:sp>
+      <p:sp>
+        <p:nvSpPr>
+          <p:cNvPr id="4" name="TextBox 3">
+            <a:extLst>
+              <a:ext uri="{FF2B5EF4-FFF2-40B4-BE49-F238E27FC236}">
+                <a16:creationId xmlns:a16="http://schemas.microsoft.com/office/drawing/2014/main" id="{0225A6CA-1F82-BF43-9C24-83C0CF568ACD}"/>
+              </a:ext>
+            </a:extLst>
+          </p:cNvPr>
+          <p:cNvSpPr txBox="1"/>
+          <p:nvPr/>
+        </p:nvSpPr>
+        <p:spPr>
+          <a:xfrm>
+            <a:off x="232598" y="5483681"/>
+            <a:ext cx="9071138" cy="738664"/>
+          </a:xfrm>
+          <a:prstGeom prst="rect">
+            <a:avLst/>
+          </a:prstGeom>
+          <a:noFill/>
+        </p:spPr>
+        <p:txBody>
+          <a:bodyPr wrap="none" rtlCol="0">
+            <a:spAutoFit/>
+          </a:bodyPr>
+          <a:lstStyle/>
+          <a:p>
+            <a:pPr marL="285750" indent="-285750">
+              <a:buFont typeface="Arial" panose="020B0604020202020204" pitchFamily="34" charset="0"/>
+              <a:buChar char="•"/>
+            </a:pPr>
+            <a:r>
+              <a:rPr lang="en-US" sz="1400" dirty="0"/>
+              <a:t>Test perf on your machine: </a:t>
+            </a:r>
+            <a:r>
+              <a:rPr lang="en-US" sz="1400" dirty="0">
+                <a:hlinkClick r:id="rId2"/>
+              </a:rPr>
+              <a:t>https://hub.docker.com/repository/docker/lragji/ts-v2.0</a:t>
+            </a:r>
+            <a:endParaRPr lang="en-US" sz="1400" dirty="0"/>
+          </a:p>
+          <a:p>
+            <a:pPr marL="285750" indent="-285750">
+              <a:buFont typeface="Arial" panose="020B0604020202020204" pitchFamily="34" charset="0"/>
+              <a:buChar char="•"/>
+            </a:pPr>
+            <a:r>
+              <a:rPr lang="en-US" sz="1400" dirty="0"/>
+              <a:t>Example Service: </a:t>
+            </a:r>
+            <a:r>
+              <a:rPr lang="en-US" sz="1400" dirty="0">
+                <a:hlinkClick r:id="rId3"/>
+              </a:rPr>
+              <a:t>https://github.com/LRagji/redis-lsm-timeseries/tree/Timeseries/examples/wrap-it-into-microservice</a:t>
+            </a:r>
+            <a:endParaRPr lang="en-US" sz="1400" dirty="0"/>
+          </a:p>
+          <a:p>
+            <a:pPr marL="285750" indent="-285750">
+              <a:buFont typeface="Arial" panose="020B0604020202020204" pitchFamily="34" charset="0"/>
+              <a:buChar char="•"/>
+            </a:pPr>
+            <a:r>
+              <a:rPr lang="en-US" sz="1400" dirty="0"/>
+              <a:t>NPM package: TBP</a:t>
+            </a:r>
+          </a:p>
+        </p:txBody>
+      </p:sp>
+    </p:spTree>
+    <p:extLst>
+      <p:ext uri="{BB962C8B-B14F-4D97-AF65-F5344CB8AC3E}">
+        <p14:creationId xmlns:p14="http://schemas.microsoft.com/office/powerpoint/2010/main" val="112982362"/>
+      </p:ext>
+    </p:extLst>
+  </p:cSld>
+  <p:clrMapOvr>
+    <a:masterClrMapping/>
+  </p:clrMapOvr>
+</p:sld>
+</file>
+
+<file path=ppt/slides/slide9.xml><?xml version="1.0" encoding="utf-8"?>
 <p:sld xmlns:a="http://schemas.openxmlformats.org/drawingml/2006/main" xmlns:r="http://schemas.openxmlformats.org/officeDocument/2006/relationships" xmlns:p="http://schemas.openxmlformats.org/presentationml/2006/main">
   <p:cSld>
     <p:spTree>
@@ -8266,220 +12455,6 @@
     <p:extLst>
       <p:ext uri="{BB962C8B-B14F-4D97-AF65-F5344CB8AC3E}">
         <p14:creationId xmlns:p14="http://schemas.microsoft.com/office/powerpoint/2010/main" val="628169310"/>
-      </p:ext>
-    </p:extLst>
-  </p:cSld>
-  <p:clrMapOvr>
-    <a:masterClrMapping/>
-  </p:clrMapOvr>
-</p:sld>
-</file>
-
-<file path=ppt/slides/slide5.xml><?xml version="1.0" encoding="utf-8"?>
-<p:sld xmlns:a="http://schemas.openxmlformats.org/drawingml/2006/main" xmlns:r="http://schemas.openxmlformats.org/officeDocument/2006/relationships" xmlns:p="http://schemas.openxmlformats.org/presentationml/2006/main">
-  <p:cSld>
-    <p:bg>
-      <p:bgPr>
-        <a:solidFill>
-          <a:schemeClr val="bg1"/>
-        </a:solidFill>
-        <a:effectLst/>
-      </p:bgPr>
-    </p:bg>
-    <p:spTree>
-      <p:nvGrpSpPr>
-        <p:cNvPr id="1" name=""/>
-        <p:cNvGrpSpPr/>
-        <p:nvPr/>
-      </p:nvGrpSpPr>
-      <p:grpSpPr>
-        <a:xfrm>
-          <a:off x="0" y="0"/>
-          <a:ext cx="0" cy="0"/>
-          <a:chOff x="0" y="0"/>
-          <a:chExt cx="0" cy="0"/>
-        </a:xfrm>
-      </p:grpSpPr>
-      <p:sp>
-        <p:nvSpPr>
-          <p:cNvPr id="10" name="Rectangle 9">
-            <a:extLst>
-              <a:ext uri="{FF2B5EF4-FFF2-40B4-BE49-F238E27FC236}">
-                <a16:creationId xmlns:a16="http://schemas.microsoft.com/office/drawing/2014/main" id="{D4D28E87-62D2-4602-B72F-5F74AA236CC3}"/>
-              </a:ext>
-              <a:ext uri="{C183D7F6-B498-43B3-948B-1728B52AA6E4}">
-                <adec:decorative xmlns:adec="http://schemas.microsoft.com/office/drawing/2017/decorative" val="1"/>
-              </a:ext>
-            </a:extLst>
-          </p:cNvPr>
-          <p:cNvSpPr>
-            <a:spLocks noGrp="1" noRot="1" noChangeAspect="1" noMove="1" noResize="1" noEditPoints="1" noAdjustHandles="1" noChangeArrowheads="1" noChangeShapeType="1" noTextEdit="1"/>
-          </p:cNvSpPr>
-          <p:nvPr>
-            <p:extLst>
-              <p:ext uri="{386F3935-93C4-4BCD-93E2-E3B085C9AB24}">
-                <p16:designElem xmlns:p16="http://schemas.microsoft.com/office/powerpoint/2015/main" val="1"/>
-              </p:ext>
-            </p:extLst>
-          </p:nvPr>
-        </p:nvSpPr>
-        <p:spPr>
-          <a:xfrm>
-            <a:off x="-1" y="0"/>
-            <a:ext cx="12192001" cy="1915064"/>
-          </a:xfrm>
-          <a:prstGeom prst="rect">
-            <a:avLst/>
-          </a:prstGeom>
-          <a:ln>
-            <a:noFill/>
-          </a:ln>
-        </p:spPr>
-        <p:style>
-          <a:lnRef idx="2">
-            <a:schemeClr val="accent1">
-              <a:shade val="50000"/>
-            </a:schemeClr>
-          </a:lnRef>
-          <a:fillRef idx="1">
-            <a:schemeClr val="accent1"/>
-          </a:fillRef>
-          <a:effectRef idx="0">
-            <a:schemeClr val="accent1"/>
-          </a:effectRef>
-          <a:fontRef idx="minor">
-            <a:schemeClr val="lt1"/>
-          </a:fontRef>
-        </p:style>
-        <p:txBody>
-          <a:bodyPr rtlCol="0" anchor="ctr"/>
-          <a:lstStyle/>
-          <a:p>
-            <a:pPr algn="ctr"/>
-            <a:endParaRPr lang="en-US" dirty="0"/>
-          </a:p>
-        </p:txBody>
-      </p:sp>
-      <p:sp>
-        <p:nvSpPr>
-          <p:cNvPr id="2" name="Title 1">
-            <a:extLst>
-              <a:ext uri="{FF2B5EF4-FFF2-40B4-BE49-F238E27FC236}">
-                <a16:creationId xmlns:a16="http://schemas.microsoft.com/office/drawing/2014/main" id="{55A1AE68-4673-D843-A8E8-F84CE63D46DD}"/>
-              </a:ext>
-            </a:extLst>
-          </p:cNvPr>
-          <p:cNvSpPr>
-            <a:spLocks noGrp="1"/>
-          </p:cNvSpPr>
-          <p:nvPr>
-            <p:ph type="title"/>
-          </p:nvPr>
-        </p:nvSpPr>
-        <p:spPr>
-          <a:xfrm>
-            <a:off x="838199" y="291090"/>
-            <a:ext cx="10515599" cy="932688"/>
-          </a:xfrm>
-        </p:spPr>
-        <p:txBody>
-          <a:bodyPr vert="horz" lIns="91440" tIns="45720" rIns="91440" bIns="45720" rtlCol="0" anchor="b">
-            <a:normAutofit/>
-          </a:bodyPr>
-          <a:lstStyle/>
-          <a:p>
-            <a:pPr algn="ctr"/>
-            <a:r>
-              <a:rPr lang="en-US" sz="5400" kern="1200">
-                <a:solidFill>
-                  <a:schemeClr val="bg1"/>
-                </a:solidFill>
-                <a:latin typeface="+mj-lt"/>
-                <a:ea typeface="+mj-ea"/>
-                <a:cs typeface="+mj-cs"/>
-              </a:rPr>
-              <a:t>Results</a:t>
-            </a:r>
-          </a:p>
-        </p:txBody>
-      </p:sp>
-      <p:pic>
-        <p:nvPicPr>
-          <p:cNvPr id="5" name="Picture 4" descr="MacPro2018-6Core-i7-16GB-2.4G">
-            <a:extLst>
-              <a:ext uri="{FF2B5EF4-FFF2-40B4-BE49-F238E27FC236}">
-                <a16:creationId xmlns:a16="http://schemas.microsoft.com/office/drawing/2014/main" id="{73BAFBBA-79E8-244C-9261-F449EE89FC1C}"/>
-              </a:ext>
-            </a:extLst>
-          </p:cNvPr>
-          <p:cNvPicPr>
-            <a:picLocks noChangeAspect="1"/>
-          </p:cNvPicPr>
-          <p:nvPr/>
-        </p:nvPicPr>
-        <p:blipFill>
-          <a:blip r:embed="rId2"/>
-          <a:stretch>
-            <a:fillRect/>
-          </a:stretch>
-        </p:blipFill>
-        <p:spPr>
-          <a:xfrm>
-            <a:off x="838199" y="2306884"/>
-            <a:ext cx="10515599" cy="1393317"/>
-          </a:xfrm>
-          <a:prstGeom prst="rect">
-            <a:avLst/>
-          </a:prstGeom>
-        </p:spPr>
-      </p:pic>
-      <p:sp>
-        <p:nvSpPr>
-          <p:cNvPr id="6" name="TextBox 5">
-            <a:extLst>
-              <a:ext uri="{FF2B5EF4-FFF2-40B4-BE49-F238E27FC236}">
-                <a16:creationId xmlns:a16="http://schemas.microsoft.com/office/drawing/2014/main" id="{09FCA694-AA44-F342-A559-27760FFDDA25}"/>
-              </a:ext>
-            </a:extLst>
-          </p:cNvPr>
-          <p:cNvSpPr txBox="1"/>
-          <p:nvPr/>
-        </p:nvSpPr>
-        <p:spPr>
-          <a:xfrm>
-            <a:off x="3443308" y="1937552"/>
-            <a:ext cx="5720733" cy="369332"/>
-          </a:xfrm>
-          <a:prstGeom prst="rect">
-            <a:avLst/>
-          </a:prstGeom>
-          <a:noFill/>
-        </p:spPr>
-        <p:txBody>
-          <a:bodyPr wrap="none" rtlCol="0">
-            <a:spAutoFit/>
-          </a:bodyPr>
-          <a:lstStyle/>
-          <a:p>
-            <a:r>
-              <a:rPr lang="en-US" dirty="0"/>
-              <a:t>MacPro2018-6Core-i7-16GB-2.4G @2000x39=</a:t>
-            </a:r>
-            <a:r>
-              <a:rPr lang="en-US" dirty="0">
-                <a:solidFill>
-                  <a:srgbClr val="FF0000"/>
-                </a:solidFill>
-              </a:rPr>
-              <a:t>78K Tags/Sec</a:t>
-            </a:r>
-          </a:p>
-        </p:txBody>
-      </p:sp>
-    </p:spTree>
-    <p:extLst>
-      <p:ext uri="{BB962C8B-B14F-4D97-AF65-F5344CB8AC3E}">
-        <p14:creationId xmlns:p14="http://schemas.microsoft.com/office/powerpoint/2010/main" val="1016830542"/>
       </p:ext>
     </p:extLst>
   </p:cSld>

--- a/docs/concept.pptx
+++ b/docs/concept.pptx
@@ -292,7 +292,7 @@
           <a:p>
             <a:fld id="{02A3E006-4292-B84D-875F-9D4B73236D7F}" type="datetimeFigureOut">
               <a:rPr lang="en-US" smtClean="0"/>
-              <a:t>9/20/21</a:t>
+              <a:t>11/12/21</a:t>
             </a:fld>
             <a:endParaRPr lang="en-US"/>
           </a:p>
@@ -490,7 +490,7 @@
           <a:p>
             <a:fld id="{02A3E006-4292-B84D-875F-9D4B73236D7F}" type="datetimeFigureOut">
               <a:rPr lang="en-US" smtClean="0"/>
-              <a:t>9/20/21</a:t>
+              <a:t>11/12/21</a:t>
             </a:fld>
             <a:endParaRPr lang="en-US"/>
           </a:p>
@@ -698,7 +698,7 @@
           <a:p>
             <a:fld id="{02A3E006-4292-B84D-875F-9D4B73236D7F}" type="datetimeFigureOut">
               <a:rPr lang="en-US" smtClean="0"/>
-              <a:t>9/20/21</a:t>
+              <a:t>11/12/21</a:t>
             </a:fld>
             <a:endParaRPr lang="en-US"/>
           </a:p>
@@ -896,7 +896,7 @@
           <a:p>
             <a:fld id="{02A3E006-4292-B84D-875F-9D4B73236D7F}" type="datetimeFigureOut">
               <a:rPr lang="en-US" smtClean="0"/>
-              <a:t>9/20/21</a:t>
+              <a:t>11/12/21</a:t>
             </a:fld>
             <a:endParaRPr lang="en-US"/>
           </a:p>
@@ -1171,7 +1171,7 @@
           <a:p>
             <a:fld id="{02A3E006-4292-B84D-875F-9D4B73236D7F}" type="datetimeFigureOut">
               <a:rPr lang="en-US" smtClean="0"/>
-              <a:t>9/20/21</a:t>
+              <a:t>11/12/21</a:t>
             </a:fld>
             <a:endParaRPr lang="en-US"/>
           </a:p>
@@ -1436,7 +1436,7 @@
           <a:p>
             <a:fld id="{02A3E006-4292-B84D-875F-9D4B73236D7F}" type="datetimeFigureOut">
               <a:rPr lang="en-US" smtClean="0"/>
-              <a:t>9/20/21</a:t>
+              <a:t>11/12/21</a:t>
             </a:fld>
             <a:endParaRPr lang="en-US"/>
           </a:p>
@@ -1848,7 +1848,7 @@
           <a:p>
             <a:fld id="{02A3E006-4292-B84D-875F-9D4B73236D7F}" type="datetimeFigureOut">
               <a:rPr lang="en-US" smtClean="0"/>
-              <a:t>9/20/21</a:t>
+              <a:t>11/12/21</a:t>
             </a:fld>
             <a:endParaRPr lang="en-US"/>
           </a:p>
@@ -1989,7 +1989,7 @@
           <a:p>
             <a:fld id="{02A3E006-4292-B84D-875F-9D4B73236D7F}" type="datetimeFigureOut">
               <a:rPr lang="en-US" smtClean="0"/>
-              <a:t>9/20/21</a:t>
+              <a:t>11/12/21</a:t>
             </a:fld>
             <a:endParaRPr lang="en-US"/>
           </a:p>
@@ -2102,7 +2102,7 @@
           <a:p>
             <a:fld id="{02A3E006-4292-B84D-875F-9D4B73236D7F}" type="datetimeFigureOut">
               <a:rPr lang="en-US" smtClean="0"/>
-              <a:t>9/20/21</a:t>
+              <a:t>11/12/21</a:t>
             </a:fld>
             <a:endParaRPr lang="en-US"/>
           </a:p>
@@ -2413,7 +2413,7 @@
           <a:p>
             <a:fld id="{02A3E006-4292-B84D-875F-9D4B73236D7F}" type="datetimeFigureOut">
               <a:rPr lang="en-US" smtClean="0"/>
-              <a:t>9/20/21</a:t>
+              <a:t>11/12/21</a:t>
             </a:fld>
             <a:endParaRPr lang="en-US"/>
           </a:p>
@@ -2701,7 +2701,7 @@
           <a:p>
             <a:fld id="{02A3E006-4292-B84D-875F-9D4B73236D7F}" type="datetimeFigureOut">
               <a:rPr lang="en-US" smtClean="0"/>
-              <a:t>9/20/21</a:t>
+              <a:t>11/12/21</a:t>
             </a:fld>
             <a:endParaRPr lang="en-US"/>
           </a:p>
@@ -2942,7 +2942,7 @@
           <a:p>
             <a:fld id="{02A3E006-4292-B84D-875F-9D4B73236D7F}" type="datetimeFigureOut">
               <a:rPr lang="en-US" smtClean="0"/>
-              <a:t>9/20/21</a:t>
+              <a:t>11/12/21</a:t>
             </a:fld>
             <a:endParaRPr lang="en-US"/>
           </a:p>
@@ -5226,7 +5226,7 @@
             </a:pPr>
             <a:r>
               <a:rPr lang="en-US" dirty="0"/>
-              <a:t>This is acts as Q Match IP / OP rates.</a:t>
+              <a:t>This is acts as Queue, match IP / OP rates.</a:t>
             </a:r>
           </a:p>
           <a:p>
@@ -6079,7 +6079,7 @@
         <p:spPr>
           <a:xfrm>
             <a:off x="838200" y="1582510"/>
-            <a:ext cx="8564460" cy="1169551"/>
+            <a:ext cx="6958315" cy="1169551"/>
           </a:xfrm>
           <a:prstGeom prst="rect">
             <a:avLst/>
@@ -6108,7 +6108,7 @@
             </a:r>
             <a:r>
               <a:rPr lang="en-US" dirty="0"/>
-              <a:t>Horizontal scaling instead of single machine RAM look for multiple.[Technology]</a:t>
+              <a:t>Horizontal scaling instead of single machine RAM.[Technology]</a:t>
             </a:r>
           </a:p>
           <a:p>
@@ -6197,7 +6197,7 @@
           <a:p>
             <a:r>
               <a:rPr lang="en-US" sz="2800" dirty="0"/>
-              <a:t>3. This is acts as Q Match IP / OP rates.</a:t>
+              <a:t>3. This acts as Queue Match IP / OP rates.</a:t>
             </a:r>
           </a:p>
           <a:p>
@@ -6911,7 +6911,7 @@
         <p:spPr>
           <a:xfrm>
             <a:off x="989045" y="1426254"/>
-            <a:ext cx="4458336" cy="646331"/>
+            <a:ext cx="7271606" cy="646331"/>
           </a:xfrm>
           <a:prstGeom prst="rect">
             <a:avLst/>
@@ -6930,8 +6930,19 @@
             </a:pPr>
             <a:r>
               <a:rPr lang="en-US" dirty="0"/>
-              <a:t>LSM</a:t>
-            </a:r>
+              <a:t>Log Structure Merged Tree </a:t>
+            </a:r>
+            <a:r>
+              <a:rPr lang="en-US" sz="1100" dirty="0"/>
+              <a:t>Inspired from Rocks DB, Level DB </a:t>
+            </a:r>
+            <a:r>
+              <a:rPr lang="en-US" sz="1100" dirty="0">
+                <a:hlinkClick r:id="rId2"/>
+              </a:rPr>
+              <a:t>Paper</a:t>
+            </a:r>
+            <a:endParaRPr lang="en-US" dirty="0"/>
           </a:p>
           <a:p>
             <a:pPr marL="342900" indent="-342900">
@@ -6940,8 +6951,19 @@
             </a:pPr>
             <a:r>
               <a:rPr lang="en-US" dirty="0"/>
-              <a:t>Time-Tag Partitioning (Row Ordered Page)</a:t>
-            </a:r>
+              <a:t>Time-Tag Partitioning (Row Major Ordered Pages) </a:t>
+            </a:r>
+            <a:r>
+              <a:rPr lang="en-US" sz="1100" dirty="0"/>
+              <a:t>Inspired from GCPs Big Table </a:t>
+            </a:r>
+            <a:r>
+              <a:rPr lang="en-US" sz="1100" dirty="0">
+                <a:hlinkClick r:id="rId3"/>
+              </a:rPr>
+              <a:t>Paper</a:t>
+            </a:r>
+            <a:endParaRPr lang="en-US" sz="1100" dirty="0"/>
           </a:p>
         </p:txBody>
       </p:sp>
@@ -8681,7 +8703,7 @@
             </a:pPr>
             <a:r>
               <a:rPr lang="en-US" dirty="0"/>
-              <a:t>One Insert per Time-Range.</a:t>
+              <a:t>One Insert per Time &amp; Tags Range.</a:t>
             </a:r>
           </a:p>
           <a:p>
